--- a/Cyril/Diapositives/Projet Théléton.pptx
+++ b/Cyril/Diapositives/Projet Théléton.pptx
@@ -5,7 +5,7 @@
     <p:sldMasterId id="2147483660" r:id="rId1"/>
   </p:sldMasterIdLst>
   <p:notesMasterIdLst>
-    <p:notesMasterId r:id="rId9"/>
+    <p:notesMasterId r:id="rId13"/>
   </p:notesMasterIdLst>
   <p:sldIdLst>
     <p:sldId id="266" r:id="rId2"/>
@@ -13,8 +13,12 @@
     <p:sldId id="269" r:id="rId4"/>
     <p:sldId id="258" r:id="rId5"/>
     <p:sldId id="259" r:id="rId6"/>
-    <p:sldId id="263" r:id="rId7"/>
-    <p:sldId id="268" r:id="rId8"/>
+    <p:sldId id="271" r:id="rId7"/>
+    <p:sldId id="263" r:id="rId8"/>
+    <p:sldId id="264" r:id="rId9"/>
+    <p:sldId id="265" r:id="rId10"/>
+    <p:sldId id="273" r:id="rId11"/>
+    <p:sldId id="268" r:id="rId12"/>
   </p:sldIdLst>
   <p:sldSz cx="12192000" cy="6858000"/>
   <p:notesSz cx="6858000" cy="9144000"/>
@@ -206,7 +210,7 @@
           <a:p>
             <a:fld id="{C6B1AD4F-F5E1-44BF-B2CE-5CC53752312E}" type="datetimeFigureOut">
               <a:rPr lang="fr-FR" smtClean="0"/>
-              <a:t>04/02/2020</a:t>
+              <a:t>03/03/2020</a:t>
             </a:fld>
             <a:endParaRPr lang="fr-FR"/>
           </a:p>
@@ -622,7 +626,7 @@
           <a:p>
             <a:fld id="{0EE03F40-5359-45BD-BFB3-41D3E922B839}" type="slidenum">
               <a:rPr lang="fr-FR" smtClean="0"/>
-              <a:t>6</a:t>
+              <a:t>7</a:t>
             </a:fld>
             <a:endParaRPr lang="fr-FR"/>
           </a:p>
@@ -706,7 +710,7 @@
           <a:p>
             <a:fld id="{0EE03F40-5359-45BD-BFB3-41D3E922B839}" type="slidenum">
               <a:rPr lang="fr-FR" smtClean="0"/>
-              <a:t>7</a:t>
+              <a:t>11</a:t>
             </a:fld>
             <a:endParaRPr lang="fr-FR"/>
           </a:p>
@@ -1448,7 +1452,7 @@
             <a:fld id="{B61BEF0D-F0BB-DE4B-95CE-6DB70DBA9567}" type="datetimeFigureOut">
               <a:rPr lang="en-US" dirty="0"/>
               <a:pPr/>
-              <a:t>2/4/2020</a:t>
+              <a:t>3/3/2020</a:t>
             </a:fld>
             <a:endParaRPr lang="en-US" dirty="0"/>
           </a:p>
@@ -1701,7 +1705,7 @@
             <a:fld id="{B61BEF0D-F0BB-DE4B-95CE-6DB70DBA9567}" type="datetimeFigureOut">
               <a:rPr lang="en-US" dirty="0"/>
               <a:pPr/>
-              <a:t>2/4/2020</a:t>
+              <a:t>3/3/2020</a:t>
             </a:fld>
             <a:endParaRPr lang="en-US" dirty="0"/>
           </a:p>
@@ -2017,7 +2021,7 @@
             <a:fld id="{B61BEF0D-F0BB-DE4B-95CE-6DB70DBA9567}" type="datetimeFigureOut">
               <a:rPr lang="en-US" dirty="0"/>
               <a:pPr/>
-              <a:t>2/4/2020</a:t>
+              <a:t>3/3/2020</a:t>
             </a:fld>
             <a:endParaRPr lang="en-US" dirty="0"/>
           </a:p>
@@ -2360,7 +2364,7 @@
             <a:fld id="{B61BEF0D-F0BB-DE4B-95CE-6DB70DBA9567}" type="datetimeFigureOut">
               <a:rPr lang="en-US" dirty="0"/>
               <a:pPr/>
-              <a:t>2/4/2020</a:t>
+              <a:t>3/3/2020</a:t>
             </a:fld>
             <a:endParaRPr lang="en-US" dirty="0"/>
           </a:p>
@@ -2676,7 +2680,7 @@
             <a:fld id="{B61BEF0D-F0BB-DE4B-95CE-6DB70DBA9567}" type="datetimeFigureOut">
               <a:rPr lang="en-US" dirty="0"/>
               <a:pPr/>
-              <a:t>2/4/2020</a:t>
+              <a:t>3/3/2020</a:t>
             </a:fld>
             <a:endParaRPr lang="en-US" dirty="0"/>
           </a:p>
@@ -3071,7 +3075,7 @@
             <a:fld id="{B61BEF0D-F0BB-DE4B-95CE-6DB70DBA9567}" type="datetimeFigureOut">
               <a:rPr lang="en-US" dirty="0"/>
               <a:pPr/>
-              <a:t>2/4/2020</a:t>
+              <a:t>3/3/2020</a:t>
             </a:fld>
             <a:endParaRPr lang="en-US" dirty="0"/>
           </a:p>
@@ -3242,7 +3246,7 @@
           <a:p>
             <a:fld id="{55C6B4A9-1611-4792-9094-5F34BCA07E0B}" type="datetimeFigureOut">
               <a:rPr lang="en-US" dirty="0"/>
-              <a:t>2/4/2020</a:t>
+              <a:t>3/3/2020</a:t>
             </a:fld>
             <a:endParaRPr lang="en-US" dirty="0"/>
           </a:p>
@@ -3423,7 +3427,7 @@
             <a:fld id="{B61BEF0D-F0BB-DE4B-95CE-6DB70DBA9567}" type="datetimeFigureOut">
               <a:rPr lang="en-US" dirty="0"/>
               <a:pPr/>
-              <a:t>2/4/2020</a:t>
+              <a:t>3/3/2020</a:t>
             </a:fld>
             <a:endParaRPr lang="en-US" dirty="0"/>
           </a:p>
@@ -3601,7 +3605,7 @@
             <a:fld id="{B61BEF0D-F0BB-DE4B-95CE-6DB70DBA9567}" type="datetimeFigureOut">
               <a:rPr lang="en-US" dirty="0"/>
               <a:pPr/>
-              <a:t>2/4/2020</a:t>
+              <a:t>3/3/2020</a:t>
             </a:fld>
             <a:endParaRPr lang="en-US" dirty="0"/>
           </a:p>
@@ -3850,7 +3854,7 @@
             <a:fld id="{B61BEF0D-F0BB-DE4B-95CE-6DB70DBA9567}" type="datetimeFigureOut">
               <a:rPr lang="en-US" dirty="0"/>
               <a:pPr/>
-              <a:t>2/4/2020</a:t>
+              <a:t>3/3/2020</a:t>
             </a:fld>
             <a:endParaRPr lang="en-US" dirty="0"/>
           </a:p>
@@ -4083,7 +4087,7 @@
           <a:p>
             <a:fld id="{EB712588-04B1-427B-82EE-E8DB90309F08}" type="datetimeFigureOut">
               <a:rPr lang="en-US" dirty="0"/>
-              <a:t>2/4/2020</a:t>
+              <a:t>3/3/2020</a:t>
             </a:fld>
             <a:endParaRPr lang="en-US" dirty="0"/>
           </a:p>
@@ -4458,7 +4462,7 @@
             <a:fld id="{B61BEF0D-F0BB-DE4B-95CE-6DB70DBA9567}" type="datetimeFigureOut">
               <a:rPr lang="en-US" dirty="0"/>
               <a:pPr/>
-              <a:t>2/4/2020</a:t>
+              <a:t>3/3/2020</a:t>
             </a:fld>
             <a:endParaRPr lang="en-US" dirty="0"/>
           </a:p>
@@ -4583,7 +4587,7 @@
             <a:fld id="{B61BEF0D-F0BB-DE4B-95CE-6DB70DBA9567}" type="datetimeFigureOut">
               <a:rPr lang="en-US" dirty="0"/>
               <a:pPr/>
-              <a:t>2/4/2020</a:t>
+              <a:t>3/3/2020</a:t>
             </a:fld>
             <a:endParaRPr lang="en-US" dirty="0"/>
           </a:p>
@@ -4680,7 +4684,7 @@
             <a:fld id="{B61BEF0D-F0BB-DE4B-95CE-6DB70DBA9567}" type="datetimeFigureOut">
               <a:rPr lang="en-US" dirty="0"/>
               <a:pPr/>
-              <a:t>2/4/2020</a:t>
+              <a:t>3/3/2020</a:t>
             </a:fld>
             <a:endParaRPr lang="en-US" dirty="0"/>
           </a:p>
@@ -4936,7 +4940,7 @@
           <a:p>
             <a:fld id="{42A54C80-263E-416B-A8E0-580EDEADCBDC}" type="datetimeFigureOut">
               <a:rPr lang="en-US" dirty="0"/>
-              <a:t>2/4/2020</a:t>
+              <a:t>3/3/2020</a:t>
             </a:fld>
             <a:endParaRPr lang="en-US" dirty="0"/>
           </a:p>
@@ -5200,7 +5204,7 @@
             <a:fld id="{B61BEF0D-F0BB-DE4B-95CE-6DB70DBA9567}" type="datetimeFigureOut">
               <a:rPr lang="en-US" dirty="0"/>
               <a:pPr/>
-              <a:t>2/4/2020</a:t>
+              <a:t>3/3/2020</a:t>
             </a:fld>
             <a:endParaRPr lang="en-US" dirty="0"/>
           </a:p>
@@ -5945,7 +5949,7 @@
             <a:fld id="{B61BEF0D-F0BB-DE4B-95CE-6DB70DBA9567}" type="datetimeFigureOut">
               <a:rPr lang="en-US" dirty="0"/>
               <a:pPr/>
-              <a:t>2/4/2020</a:t>
+              <a:t>3/3/2020</a:t>
             </a:fld>
             <a:endParaRPr lang="en-US" dirty="0"/>
           </a:p>
@@ -7915,6 +7919,2092 @@
 </p:sld>
 </file>
 
+<file path=ppt/slides/slide10.xml><?xml version="1.0" encoding="utf-8"?>
+<p:sld xmlns:a="http://schemas.openxmlformats.org/drawingml/2006/main" xmlns:r="http://schemas.openxmlformats.org/officeDocument/2006/relationships" xmlns:p="http://schemas.openxmlformats.org/presentationml/2006/main">
+  <p:cSld>
+    <p:spTree>
+      <p:nvGrpSpPr>
+        <p:cNvPr id="1" name=""/>
+        <p:cNvGrpSpPr/>
+        <p:nvPr/>
+      </p:nvGrpSpPr>
+      <p:grpSpPr>
+        <a:xfrm>
+          <a:off x="0" y="0"/>
+          <a:ext cx="0" cy="0"/>
+          <a:chOff x="0" y="0"/>
+          <a:chExt cx="0" cy="0"/>
+        </a:xfrm>
+      </p:grpSpPr>
+      <p:sp>
+        <p:nvSpPr>
+          <p:cNvPr id="2" name="Titre 1">
+            <a:extLst>
+              <a:ext uri="{FF2B5EF4-FFF2-40B4-BE49-F238E27FC236}">
+                <a16:creationId xmlns:a16="http://schemas.microsoft.com/office/drawing/2014/main" id="{61EE730F-638A-4AD6-805E-26DCB391FEC3}"/>
+              </a:ext>
+            </a:extLst>
+          </p:cNvPr>
+          <p:cNvSpPr>
+            <a:spLocks noGrp="1"/>
+          </p:cNvSpPr>
+          <p:nvPr>
+            <p:ph type="title"/>
+          </p:nvPr>
+        </p:nvSpPr>
+        <p:spPr>
+          <a:xfrm>
+            <a:off x="287042" y="872797"/>
+            <a:ext cx="4496831" cy="766432"/>
+          </a:xfrm>
+        </p:spPr>
+        <p:txBody>
+          <a:bodyPr>
+            <a:normAutofit fontScale="90000"/>
+          </a:bodyPr>
+          <a:lstStyle/>
+          <a:p>
+            <a:r>
+              <a:rPr lang="fr-FR" dirty="0"/>
+              <a:t>Connexion du buzzer</a:t>
+            </a:r>
+            <a:br>
+              <a:rPr lang="fr-FR" dirty="0"/>
+            </a:br>
+            <a:endParaRPr lang="fr-FR" dirty="0"/>
+          </a:p>
+        </p:txBody>
+      </p:sp>
+      <p:pic>
+        <p:nvPicPr>
+          <p:cNvPr id="4" name="Espace réservé du contenu 3">
+            <a:extLst>
+              <a:ext uri="{FF2B5EF4-FFF2-40B4-BE49-F238E27FC236}">
+                <a16:creationId xmlns:a16="http://schemas.microsoft.com/office/drawing/2014/main" id="{A0A4F665-5FA9-4A3A-B03C-4508567F265E}"/>
+              </a:ext>
+            </a:extLst>
+          </p:cNvPr>
+          <p:cNvPicPr>
+            <a:picLocks noGrp="1"/>
+          </p:cNvPicPr>
+          <p:nvPr>
+            <p:ph idx="1"/>
+          </p:nvPr>
+        </p:nvPicPr>
+        <p:blipFill>
+          <a:blip r:embed="rId2">
+            <a:extLst>
+              <a:ext uri="{28A0092B-C50C-407E-A947-70E740481C1C}">
+                <a14:useLocalDpi xmlns:a14="http://schemas.microsoft.com/office/drawing/2010/main" val="0"/>
+              </a:ext>
+            </a:extLst>
+          </a:blip>
+          <a:stretch>
+            <a:fillRect/>
+          </a:stretch>
+        </p:blipFill>
+        <p:spPr>
+          <a:xfrm>
+            <a:off x="588124" y="2514505"/>
+            <a:ext cx="3702882" cy="2280520"/>
+          </a:xfrm>
+          <a:prstGeom prst="rect">
+            <a:avLst/>
+          </a:prstGeom>
+        </p:spPr>
+      </p:pic>
+      <p:sp>
+        <p:nvSpPr>
+          <p:cNvPr id="5" name="Espace réservé du contenu 2">
+            <a:extLst>
+              <a:ext uri="{FF2B5EF4-FFF2-40B4-BE49-F238E27FC236}">
+                <a16:creationId xmlns:a16="http://schemas.microsoft.com/office/drawing/2014/main" id="{EACE1002-9451-499A-8E57-11C489542EF4}"/>
+              </a:ext>
+            </a:extLst>
+          </p:cNvPr>
+          <p:cNvSpPr txBox="1">
+            <a:spLocks/>
+          </p:cNvSpPr>
+          <p:nvPr/>
+        </p:nvSpPr>
+        <p:spPr>
+          <a:xfrm>
+            <a:off x="676656" y="1930400"/>
+            <a:ext cx="4575568" cy="4526156"/>
+          </a:xfrm>
+          <a:prstGeom prst="rect">
+            <a:avLst/>
+          </a:prstGeom>
+        </p:spPr>
+        <p:txBody>
+          <a:bodyPr vert="horz" lIns="91440" tIns="45720" rIns="91440" bIns="45720" rtlCol="0">
+            <a:normAutofit/>
+          </a:bodyPr>
+          <a:lstStyle>
+            <a:lvl1pPr marL="342900" indent="-342900" algn="l" defTabSz="457200" rtl="0" eaLnBrk="1" latinLnBrk="0" hangingPunct="1">
+              <a:spcBef>
+                <a:spcPts val="1000"/>
+              </a:spcBef>
+              <a:spcAft>
+                <a:spcPts val="0"/>
+              </a:spcAft>
+              <a:buClr>
+                <a:schemeClr val="accent1"/>
+              </a:buClr>
+              <a:buSzPct val="80000"/>
+              <a:buFont typeface="Wingdings 3" charset="2"/>
+              <a:buChar char=""/>
+              <a:defRPr sz="1800" kern="1200">
+                <a:solidFill>
+                  <a:schemeClr val="tx1">
+                    <a:lumMod val="75000"/>
+                    <a:lumOff val="25000"/>
+                  </a:schemeClr>
+                </a:solidFill>
+                <a:latin typeface="+mn-lt"/>
+                <a:ea typeface="+mn-ea"/>
+                <a:cs typeface="+mn-cs"/>
+              </a:defRPr>
+            </a:lvl1pPr>
+            <a:lvl2pPr marL="742950" indent="-285750" algn="l" defTabSz="457200" rtl="0" eaLnBrk="1" latinLnBrk="0" hangingPunct="1">
+              <a:spcBef>
+                <a:spcPts val="1000"/>
+              </a:spcBef>
+              <a:spcAft>
+                <a:spcPts val="0"/>
+              </a:spcAft>
+              <a:buClr>
+                <a:schemeClr val="accent1"/>
+              </a:buClr>
+              <a:buSzPct val="80000"/>
+              <a:buFont typeface="Wingdings 3" charset="2"/>
+              <a:buChar char=""/>
+              <a:defRPr sz="1600" kern="1200">
+                <a:solidFill>
+                  <a:schemeClr val="tx1">
+                    <a:lumMod val="75000"/>
+                    <a:lumOff val="25000"/>
+                  </a:schemeClr>
+                </a:solidFill>
+                <a:latin typeface="+mn-lt"/>
+                <a:ea typeface="+mn-ea"/>
+                <a:cs typeface="+mn-cs"/>
+              </a:defRPr>
+            </a:lvl2pPr>
+            <a:lvl3pPr marL="1143000" indent="-228600" algn="l" defTabSz="457200" rtl="0" eaLnBrk="1" latinLnBrk="0" hangingPunct="1">
+              <a:spcBef>
+                <a:spcPts val="1000"/>
+              </a:spcBef>
+              <a:spcAft>
+                <a:spcPts val="0"/>
+              </a:spcAft>
+              <a:buClr>
+                <a:schemeClr val="accent1"/>
+              </a:buClr>
+              <a:buSzPct val="80000"/>
+              <a:buFont typeface="Wingdings 3" charset="2"/>
+              <a:buChar char=""/>
+              <a:defRPr sz="1400" kern="1200">
+                <a:solidFill>
+                  <a:schemeClr val="tx1">
+                    <a:lumMod val="75000"/>
+                    <a:lumOff val="25000"/>
+                  </a:schemeClr>
+                </a:solidFill>
+                <a:latin typeface="+mn-lt"/>
+                <a:ea typeface="+mn-ea"/>
+                <a:cs typeface="+mn-cs"/>
+              </a:defRPr>
+            </a:lvl3pPr>
+            <a:lvl4pPr marL="1600200" indent="-228600" algn="l" defTabSz="457200" rtl="0" eaLnBrk="1" latinLnBrk="0" hangingPunct="1">
+              <a:spcBef>
+                <a:spcPts val="1000"/>
+              </a:spcBef>
+              <a:spcAft>
+                <a:spcPts val="0"/>
+              </a:spcAft>
+              <a:buClr>
+                <a:schemeClr val="accent1"/>
+              </a:buClr>
+              <a:buSzPct val="80000"/>
+              <a:buFont typeface="Wingdings 3" charset="2"/>
+              <a:buChar char=""/>
+              <a:defRPr sz="1200" kern="1200">
+                <a:solidFill>
+                  <a:schemeClr val="tx1">
+                    <a:lumMod val="75000"/>
+                    <a:lumOff val="25000"/>
+                  </a:schemeClr>
+                </a:solidFill>
+                <a:latin typeface="+mn-lt"/>
+                <a:ea typeface="+mn-ea"/>
+                <a:cs typeface="+mn-cs"/>
+              </a:defRPr>
+            </a:lvl4pPr>
+            <a:lvl5pPr marL="2057400" indent="-228600" algn="l" defTabSz="457200" rtl="0" eaLnBrk="1" latinLnBrk="0" hangingPunct="1">
+              <a:spcBef>
+                <a:spcPts val="1000"/>
+              </a:spcBef>
+              <a:spcAft>
+                <a:spcPts val="0"/>
+              </a:spcAft>
+              <a:buClr>
+                <a:schemeClr val="accent1"/>
+              </a:buClr>
+              <a:buSzPct val="80000"/>
+              <a:buFont typeface="Wingdings 3" charset="2"/>
+              <a:buChar char=""/>
+              <a:defRPr sz="1200" kern="1200">
+                <a:solidFill>
+                  <a:schemeClr val="tx1">
+                    <a:lumMod val="75000"/>
+                    <a:lumOff val="25000"/>
+                  </a:schemeClr>
+                </a:solidFill>
+                <a:latin typeface="+mn-lt"/>
+                <a:ea typeface="+mn-ea"/>
+                <a:cs typeface="+mn-cs"/>
+              </a:defRPr>
+            </a:lvl5pPr>
+            <a:lvl6pPr marL="2514600" indent="-228600" algn="l" defTabSz="457200" rtl="0" eaLnBrk="1" latinLnBrk="0" hangingPunct="1">
+              <a:spcBef>
+                <a:spcPts val="1000"/>
+              </a:spcBef>
+              <a:spcAft>
+                <a:spcPts val="0"/>
+              </a:spcAft>
+              <a:buClr>
+                <a:schemeClr val="accent1"/>
+              </a:buClr>
+              <a:buSzPct val="80000"/>
+              <a:buFont typeface="Wingdings 3" charset="2"/>
+              <a:buChar char=""/>
+              <a:defRPr sz="1200" kern="1200">
+                <a:solidFill>
+                  <a:schemeClr val="tx1">
+                    <a:lumMod val="75000"/>
+                    <a:lumOff val="25000"/>
+                  </a:schemeClr>
+                </a:solidFill>
+                <a:latin typeface="+mn-lt"/>
+                <a:ea typeface="+mn-ea"/>
+                <a:cs typeface="+mn-cs"/>
+              </a:defRPr>
+            </a:lvl6pPr>
+            <a:lvl7pPr marL="2971800" indent="-228600" algn="l" defTabSz="457200" rtl="0" eaLnBrk="1" latinLnBrk="0" hangingPunct="1">
+              <a:spcBef>
+                <a:spcPts val="1000"/>
+              </a:spcBef>
+              <a:spcAft>
+                <a:spcPts val="0"/>
+              </a:spcAft>
+              <a:buClr>
+                <a:schemeClr val="accent1"/>
+              </a:buClr>
+              <a:buSzPct val="80000"/>
+              <a:buFont typeface="Wingdings 3" charset="2"/>
+              <a:buChar char=""/>
+              <a:defRPr sz="1200" kern="1200">
+                <a:solidFill>
+                  <a:schemeClr val="tx1">
+                    <a:lumMod val="75000"/>
+                    <a:lumOff val="25000"/>
+                  </a:schemeClr>
+                </a:solidFill>
+                <a:latin typeface="+mn-lt"/>
+                <a:ea typeface="+mn-ea"/>
+                <a:cs typeface="+mn-cs"/>
+              </a:defRPr>
+            </a:lvl7pPr>
+            <a:lvl8pPr marL="3429000" indent="-228600" algn="l" defTabSz="457200" rtl="0" eaLnBrk="1" latinLnBrk="0" hangingPunct="1">
+              <a:spcBef>
+                <a:spcPts val="1000"/>
+              </a:spcBef>
+              <a:spcAft>
+                <a:spcPts val="0"/>
+              </a:spcAft>
+              <a:buClr>
+                <a:schemeClr val="accent1"/>
+              </a:buClr>
+              <a:buSzPct val="80000"/>
+              <a:buFont typeface="Wingdings 3" charset="2"/>
+              <a:buChar char=""/>
+              <a:defRPr sz="1200" kern="1200">
+                <a:solidFill>
+                  <a:schemeClr val="tx1">
+                    <a:lumMod val="75000"/>
+                    <a:lumOff val="25000"/>
+                  </a:schemeClr>
+                </a:solidFill>
+                <a:latin typeface="+mn-lt"/>
+                <a:ea typeface="+mn-ea"/>
+                <a:cs typeface="+mn-cs"/>
+              </a:defRPr>
+            </a:lvl8pPr>
+            <a:lvl9pPr marL="3886200" indent="-228600" algn="l" defTabSz="457200" rtl="0" eaLnBrk="1" latinLnBrk="0" hangingPunct="1">
+              <a:spcBef>
+                <a:spcPts val="1000"/>
+              </a:spcBef>
+              <a:spcAft>
+                <a:spcPts val="0"/>
+              </a:spcAft>
+              <a:buClr>
+                <a:schemeClr val="accent1"/>
+              </a:buClr>
+              <a:buSzPct val="80000"/>
+              <a:buFont typeface="Wingdings 3" charset="2"/>
+              <a:buChar char=""/>
+              <a:defRPr sz="1200" kern="1200">
+                <a:solidFill>
+                  <a:schemeClr val="tx1">
+                    <a:lumMod val="75000"/>
+                    <a:lumOff val="25000"/>
+                  </a:schemeClr>
+                </a:solidFill>
+                <a:latin typeface="+mn-lt"/>
+                <a:ea typeface="+mn-ea"/>
+                <a:cs typeface="+mn-cs"/>
+              </a:defRPr>
+            </a:lvl9pPr>
+          </a:lstStyle>
+          <a:p>
+            <a:pPr>
+              <a:buClr>
+                <a:schemeClr val="accent4"/>
+              </a:buClr>
+            </a:pPr>
+            <a:r>
+              <a:rPr lang="fr-FR" dirty="0"/>
+              <a:t>Connecter le buzzer</a:t>
+            </a:r>
+          </a:p>
+          <a:p>
+            <a:endParaRPr lang="fr-FR" dirty="0"/>
+          </a:p>
+          <a:p>
+            <a:endParaRPr lang="fr-FR" dirty="0"/>
+          </a:p>
+          <a:p>
+            <a:endParaRPr lang="fr-FR" dirty="0"/>
+          </a:p>
+          <a:p>
+            <a:endParaRPr lang="fr-FR" dirty="0"/>
+          </a:p>
+          <a:p>
+            <a:endParaRPr lang="fr-FR" dirty="0"/>
+          </a:p>
+          <a:p>
+            <a:endParaRPr lang="fr-FR" dirty="0"/>
+          </a:p>
+          <a:p>
+            <a:endParaRPr lang="fr-FR" dirty="0"/>
+          </a:p>
+          <a:p>
+            <a:pPr>
+              <a:buClr>
+                <a:schemeClr val="accent4"/>
+              </a:buClr>
+            </a:pPr>
+            <a:r>
+              <a:rPr lang="fr-FR" dirty="0"/>
+              <a:t>Buzzer activer quand le code est bon</a:t>
+            </a:r>
+          </a:p>
+          <a:p>
+            <a:endParaRPr lang="fr-FR" dirty="0"/>
+          </a:p>
+          <a:p>
+            <a:endParaRPr lang="fr-FR" dirty="0"/>
+          </a:p>
+          <a:p>
+            <a:endParaRPr lang="fr-FR" dirty="0"/>
+          </a:p>
+          <a:p>
+            <a:endParaRPr lang="fr-FR" dirty="0"/>
+          </a:p>
+          <a:p>
+            <a:endParaRPr lang="fr-FR" dirty="0"/>
+          </a:p>
+          <a:p>
+            <a:endParaRPr lang="fr-FR" dirty="0"/>
+          </a:p>
+          <a:p>
+            <a:endParaRPr lang="fr-FR" dirty="0"/>
+          </a:p>
+          <a:p>
+            <a:endParaRPr lang="fr-FR" dirty="0"/>
+          </a:p>
+          <a:p>
+            <a:pPr marL="0" indent="0">
+              <a:buNone/>
+            </a:pPr>
+            <a:endParaRPr lang="fr-FR" dirty="0"/>
+          </a:p>
+          <a:p>
+            <a:pPr marL="0" indent="0">
+              <a:buFont typeface="Wingdings 3" charset="2"/>
+              <a:buNone/>
+            </a:pPr>
+            <a:endParaRPr lang="fr-FR" dirty="0"/>
+          </a:p>
+        </p:txBody>
+      </p:sp>
+      <p:sp>
+        <p:nvSpPr>
+          <p:cNvPr id="6" name="Espace réservé du contenu 2">
+            <a:extLst>
+              <a:ext uri="{FF2B5EF4-FFF2-40B4-BE49-F238E27FC236}">
+                <a16:creationId xmlns:a16="http://schemas.microsoft.com/office/drawing/2014/main" id="{8143EE69-EB99-46A2-A8C6-6FEC45AE874C}"/>
+              </a:ext>
+            </a:extLst>
+          </p:cNvPr>
+          <p:cNvSpPr txBox="1">
+            <a:spLocks/>
+          </p:cNvSpPr>
+          <p:nvPr/>
+        </p:nvSpPr>
+        <p:spPr>
+          <a:xfrm>
+            <a:off x="5424412" y="633140"/>
+            <a:ext cx="4664100" cy="5934075"/>
+          </a:xfrm>
+          <a:prstGeom prst="rect">
+            <a:avLst/>
+          </a:prstGeom>
+        </p:spPr>
+        <p:txBody>
+          <a:bodyPr vert="horz" lIns="91440" tIns="45720" rIns="91440" bIns="45720" rtlCol="0">
+            <a:normAutofit/>
+          </a:bodyPr>
+          <a:lstStyle>
+            <a:lvl1pPr marL="342900" indent="-342900" algn="l" defTabSz="457200" rtl="0" eaLnBrk="1" latinLnBrk="0" hangingPunct="1">
+              <a:spcBef>
+                <a:spcPts val="1000"/>
+              </a:spcBef>
+              <a:spcAft>
+                <a:spcPts val="0"/>
+              </a:spcAft>
+              <a:buClr>
+                <a:schemeClr val="accent1"/>
+              </a:buClr>
+              <a:buSzPct val="80000"/>
+              <a:buFont typeface="Wingdings 3" charset="2"/>
+              <a:buChar char=""/>
+              <a:defRPr sz="1800" kern="1200">
+                <a:solidFill>
+                  <a:schemeClr val="tx1">
+                    <a:lumMod val="75000"/>
+                    <a:lumOff val="25000"/>
+                  </a:schemeClr>
+                </a:solidFill>
+                <a:latin typeface="+mn-lt"/>
+                <a:ea typeface="+mn-ea"/>
+                <a:cs typeface="+mn-cs"/>
+              </a:defRPr>
+            </a:lvl1pPr>
+            <a:lvl2pPr marL="742950" indent="-285750" algn="l" defTabSz="457200" rtl="0" eaLnBrk="1" latinLnBrk="0" hangingPunct="1">
+              <a:spcBef>
+                <a:spcPts val="1000"/>
+              </a:spcBef>
+              <a:spcAft>
+                <a:spcPts val="0"/>
+              </a:spcAft>
+              <a:buClr>
+                <a:schemeClr val="accent1"/>
+              </a:buClr>
+              <a:buSzPct val="80000"/>
+              <a:buFont typeface="Wingdings 3" charset="2"/>
+              <a:buChar char=""/>
+              <a:defRPr sz="1600" kern="1200">
+                <a:solidFill>
+                  <a:schemeClr val="tx1">
+                    <a:lumMod val="75000"/>
+                    <a:lumOff val="25000"/>
+                  </a:schemeClr>
+                </a:solidFill>
+                <a:latin typeface="+mn-lt"/>
+                <a:ea typeface="+mn-ea"/>
+                <a:cs typeface="+mn-cs"/>
+              </a:defRPr>
+            </a:lvl2pPr>
+            <a:lvl3pPr marL="1143000" indent="-228600" algn="l" defTabSz="457200" rtl="0" eaLnBrk="1" latinLnBrk="0" hangingPunct="1">
+              <a:spcBef>
+                <a:spcPts val="1000"/>
+              </a:spcBef>
+              <a:spcAft>
+                <a:spcPts val="0"/>
+              </a:spcAft>
+              <a:buClr>
+                <a:schemeClr val="accent1"/>
+              </a:buClr>
+              <a:buSzPct val="80000"/>
+              <a:buFont typeface="Wingdings 3" charset="2"/>
+              <a:buChar char=""/>
+              <a:defRPr sz="1400" kern="1200">
+                <a:solidFill>
+                  <a:schemeClr val="tx1">
+                    <a:lumMod val="75000"/>
+                    <a:lumOff val="25000"/>
+                  </a:schemeClr>
+                </a:solidFill>
+                <a:latin typeface="+mn-lt"/>
+                <a:ea typeface="+mn-ea"/>
+                <a:cs typeface="+mn-cs"/>
+              </a:defRPr>
+            </a:lvl3pPr>
+            <a:lvl4pPr marL="1600200" indent="-228600" algn="l" defTabSz="457200" rtl="0" eaLnBrk="1" latinLnBrk="0" hangingPunct="1">
+              <a:spcBef>
+                <a:spcPts val="1000"/>
+              </a:spcBef>
+              <a:spcAft>
+                <a:spcPts val="0"/>
+              </a:spcAft>
+              <a:buClr>
+                <a:schemeClr val="accent1"/>
+              </a:buClr>
+              <a:buSzPct val="80000"/>
+              <a:buFont typeface="Wingdings 3" charset="2"/>
+              <a:buChar char=""/>
+              <a:defRPr sz="1200" kern="1200">
+                <a:solidFill>
+                  <a:schemeClr val="tx1">
+                    <a:lumMod val="75000"/>
+                    <a:lumOff val="25000"/>
+                  </a:schemeClr>
+                </a:solidFill>
+                <a:latin typeface="+mn-lt"/>
+                <a:ea typeface="+mn-ea"/>
+                <a:cs typeface="+mn-cs"/>
+              </a:defRPr>
+            </a:lvl4pPr>
+            <a:lvl5pPr marL="2057400" indent="-228600" algn="l" defTabSz="457200" rtl="0" eaLnBrk="1" latinLnBrk="0" hangingPunct="1">
+              <a:spcBef>
+                <a:spcPts val="1000"/>
+              </a:spcBef>
+              <a:spcAft>
+                <a:spcPts val="0"/>
+              </a:spcAft>
+              <a:buClr>
+                <a:schemeClr val="accent1"/>
+              </a:buClr>
+              <a:buSzPct val="80000"/>
+              <a:buFont typeface="Wingdings 3" charset="2"/>
+              <a:buChar char=""/>
+              <a:defRPr sz="1200" kern="1200">
+                <a:solidFill>
+                  <a:schemeClr val="tx1">
+                    <a:lumMod val="75000"/>
+                    <a:lumOff val="25000"/>
+                  </a:schemeClr>
+                </a:solidFill>
+                <a:latin typeface="+mn-lt"/>
+                <a:ea typeface="+mn-ea"/>
+                <a:cs typeface="+mn-cs"/>
+              </a:defRPr>
+            </a:lvl5pPr>
+            <a:lvl6pPr marL="2514600" indent="-228600" algn="l" defTabSz="457200" rtl="0" eaLnBrk="1" latinLnBrk="0" hangingPunct="1">
+              <a:spcBef>
+                <a:spcPts val="1000"/>
+              </a:spcBef>
+              <a:spcAft>
+                <a:spcPts val="0"/>
+              </a:spcAft>
+              <a:buClr>
+                <a:schemeClr val="accent1"/>
+              </a:buClr>
+              <a:buSzPct val="80000"/>
+              <a:buFont typeface="Wingdings 3" charset="2"/>
+              <a:buChar char=""/>
+              <a:defRPr sz="1200" kern="1200">
+                <a:solidFill>
+                  <a:schemeClr val="tx1">
+                    <a:lumMod val="75000"/>
+                    <a:lumOff val="25000"/>
+                  </a:schemeClr>
+                </a:solidFill>
+                <a:latin typeface="+mn-lt"/>
+                <a:ea typeface="+mn-ea"/>
+                <a:cs typeface="+mn-cs"/>
+              </a:defRPr>
+            </a:lvl6pPr>
+            <a:lvl7pPr marL="2971800" indent="-228600" algn="l" defTabSz="457200" rtl="0" eaLnBrk="1" latinLnBrk="0" hangingPunct="1">
+              <a:spcBef>
+                <a:spcPts val="1000"/>
+              </a:spcBef>
+              <a:spcAft>
+                <a:spcPts val="0"/>
+              </a:spcAft>
+              <a:buClr>
+                <a:schemeClr val="accent1"/>
+              </a:buClr>
+              <a:buSzPct val="80000"/>
+              <a:buFont typeface="Wingdings 3" charset="2"/>
+              <a:buChar char=""/>
+              <a:defRPr sz="1200" kern="1200">
+                <a:solidFill>
+                  <a:schemeClr val="tx1">
+                    <a:lumMod val="75000"/>
+                    <a:lumOff val="25000"/>
+                  </a:schemeClr>
+                </a:solidFill>
+                <a:latin typeface="+mn-lt"/>
+                <a:ea typeface="+mn-ea"/>
+                <a:cs typeface="+mn-cs"/>
+              </a:defRPr>
+            </a:lvl7pPr>
+            <a:lvl8pPr marL="3429000" indent="-228600" algn="l" defTabSz="457200" rtl="0" eaLnBrk="1" latinLnBrk="0" hangingPunct="1">
+              <a:spcBef>
+                <a:spcPts val="1000"/>
+              </a:spcBef>
+              <a:spcAft>
+                <a:spcPts val="0"/>
+              </a:spcAft>
+              <a:buClr>
+                <a:schemeClr val="accent1"/>
+              </a:buClr>
+              <a:buSzPct val="80000"/>
+              <a:buFont typeface="Wingdings 3" charset="2"/>
+              <a:buChar char=""/>
+              <a:defRPr sz="1200" kern="1200">
+                <a:solidFill>
+                  <a:schemeClr val="tx1">
+                    <a:lumMod val="75000"/>
+                    <a:lumOff val="25000"/>
+                  </a:schemeClr>
+                </a:solidFill>
+                <a:latin typeface="+mn-lt"/>
+                <a:ea typeface="+mn-ea"/>
+                <a:cs typeface="+mn-cs"/>
+              </a:defRPr>
+            </a:lvl8pPr>
+            <a:lvl9pPr marL="3886200" indent="-228600" algn="l" defTabSz="457200" rtl="0" eaLnBrk="1" latinLnBrk="0" hangingPunct="1">
+              <a:spcBef>
+                <a:spcPts val="1000"/>
+              </a:spcBef>
+              <a:spcAft>
+                <a:spcPts val="0"/>
+              </a:spcAft>
+              <a:buClr>
+                <a:schemeClr val="accent1"/>
+              </a:buClr>
+              <a:buSzPct val="80000"/>
+              <a:buFont typeface="Wingdings 3" charset="2"/>
+              <a:buChar char=""/>
+              <a:defRPr sz="1200" kern="1200">
+                <a:solidFill>
+                  <a:schemeClr val="tx1">
+                    <a:lumMod val="75000"/>
+                    <a:lumOff val="25000"/>
+                  </a:schemeClr>
+                </a:solidFill>
+                <a:latin typeface="+mn-lt"/>
+                <a:ea typeface="+mn-ea"/>
+                <a:cs typeface="+mn-cs"/>
+              </a:defRPr>
+            </a:lvl9pPr>
+          </a:lstStyle>
+          <a:p>
+            <a:pPr>
+              <a:buClr>
+                <a:schemeClr val="accent4"/>
+              </a:buClr>
+            </a:pPr>
+            <a:r>
+              <a:rPr lang="fr-FR" dirty="0"/>
+              <a:t>Définir les constantes de fréquences</a:t>
+            </a:r>
+          </a:p>
+          <a:p>
+            <a:pPr>
+              <a:buClr>
+                <a:schemeClr val="accent4"/>
+              </a:buClr>
+            </a:pPr>
+            <a:r>
+              <a:rPr lang="fr-FR" dirty="0"/>
+              <a:t>Tableau pour la mélodie </a:t>
+            </a:r>
+          </a:p>
+          <a:p>
+            <a:pPr marL="0" indent="0">
+              <a:buNone/>
+            </a:pPr>
+            <a:endParaRPr lang="fr-FR" dirty="0"/>
+          </a:p>
+          <a:p>
+            <a:endParaRPr lang="fr-FR" dirty="0"/>
+          </a:p>
+          <a:p>
+            <a:endParaRPr lang="fr-FR" dirty="0"/>
+          </a:p>
+          <a:p>
+            <a:endParaRPr lang="fr-FR" dirty="0"/>
+          </a:p>
+          <a:p>
+            <a:endParaRPr lang="fr-FR" dirty="0"/>
+          </a:p>
+          <a:p>
+            <a:endParaRPr lang="fr-FR" dirty="0"/>
+          </a:p>
+          <a:p>
+            <a:endParaRPr lang="fr-FR" dirty="0"/>
+          </a:p>
+          <a:p>
+            <a:endParaRPr lang="fr-FR" dirty="0"/>
+          </a:p>
+          <a:p>
+            <a:endParaRPr lang="fr-FR" dirty="0"/>
+          </a:p>
+          <a:p>
+            <a:endParaRPr lang="fr-FR" dirty="0"/>
+          </a:p>
+          <a:p>
+            <a:endParaRPr lang="fr-FR" dirty="0"/>
+          </a:p>
+          <a:p>
+            <a:endParaRPr lang="fr-FR" dirty="0"/>
+          </a:p>
+          <a:p>
+            <a:endParaRPr lang="fr-FR" dirty="0"/>
+          </a:p>
+          <a:p>
+            <a:endParaRPr lang="fr-FR" dirty="0"/>
+          </a:p>
+          <a:p>
+            <a:endParaRPr lang="fr-FR" dirty="0"/>
+          </a:p>
+          <a:p>
+            <a:endParaRPr lang="fr-FR" dirty="0"/>
+          </a:p>
+          <a:p>
+            <a:endParaRPr lang="fr-FR" dirty="0"/>
+          </a:p>
+          <a:p>
+            <a:endParaRPr lang="fr-FR" dirty="0"/>
+          </a:p>
+          <a:p>
+            <a:endParaRPr lang="fr-FR" dirty="0"/>
+          </a:p>
+          <a:p>
+            <a:endParaRPr lang="fr-FR" dirty="0"/>
+          </a:p>
+          <a:p>
+            <a:pPr marL="0" indent="0">
+              <a:buNone/>
+            </a:pPr>
+            <a:endParaRPr lang="fr-FR" dirty="0"/>
+          </a:p>
+          <a:p>
+            <a:pPr marL="0" indent="0">
+              <a:buFont typeface="Wingdings 3" charset="2"/>
+              <a:buNone/>
+            </a:pPr>
+            <a:endParaRPr lang="fr-FR" dirty="0"/>
+          </a:p>
+        </p:txBody>
+      </p:sp>
+      <p:pic>
+        <p:nvPicPr>
+          <p:cNvPr id="8" name="Image 7">
+            <a:extLst>
+              <a:ext uri="{FF2B5EF4-FFF2-40B4-BE49-F238E27FC236}">
+                <a16:creationId xmlns:a16="http://schemas.microsoft.com/office/drawing/2014/main" id="{A4439E21-B2E8-4D78-B73E-9D60727A1688}"/>
+              </a:ext>
+            </a:extLst>
+          </p:cNvPr>
+          <p:cNvPicPr/>
+          <p:nvPr/>
+        </p:nvPicPr>
+        <p:blipFill>
+          <a:blip r:embed="rId3">
+            <a:extLst>
+              <a:ext uri="{28A0092B-C50C-407E-A947-70E740481C1C}">
+                <a14:useLocalDpi xmlns:a14="http://schemas.microsoft.com/office/drawing/2010/main" val="0"/>
+              </a:ext>
+            </a:extLst>
+          </a:blip>
+          <a:stretch>
+            <a:fillRect/>
+          </a:stretch>
+        </p:blipFill>
+        <p:spPr>
+          <a:xfrm>
+            <a:off x="5341434" y="1554782"/>
+            <a:ext cx="4104755" cy="5012434"/>
+          </a:xfrm>
+          <a:prstGeom prst="rect">
+            <a:avLst/>
+          </a:prstGeom>
+        </p:spPr>
+      </p:pic>
+      <p:pic>
+        <p:nvPicPr>
+          <p:cNvPr id="7" name="Picture 2" descr="Image associée">
+            <a:extLst>
+              <a:ext uri="{FF2B5EF4-FFF2-40B4-BE49-F238E27FC236}">
+                <a16:creationId xmlns:a16="http://schemas.microsoft.com/office/drawing/2014/main" id="{0D70B7B2-5CF2-4E69-B68B-58C46E2FBCEE}"/>
+              </a:ext>
+            </a:extLst>
+          </p:cNvPr>
+          <p:cNvPicPr>
+            <a:picLocks noChangeAspect="1" noChangeArrowheads="1"/>
+          </p:cNvPicPr>
+          <p:nvPr/>
+        </p:nvPicPr>
+        <p:blipFill rotWithShape="1">
+          <a:blip r:embed="rId4">
+            <a:extLst>
+              <a:ext uri="{28A0092B-C50C-407E-A947-70E740481C1C}">
+                <a14:useLocalDpi xmlns:a14="http://schemas.microsoft.com/office/drawing/2010/main" val="0"/>
+              </a:ext>
+            </a:extLst>
+          </a:blip>
+          <a:srcRect l="18677" r="15441"/>
+          <a:stretch/>
+        </p:blipFill>
+        <p:spPr bwMode="auto">
+          <a:xfrm>
+            <a:off x="143436" y="143435"/>
+            <a:ext cx="2269635" cy="609600"/>
+          </a:xfrm>
+          <a:prstGeom prst="rect">
+            <a:avLst/>
+          </a:prstGeom>
+          <a:noFill/>
+          <a:extLst>
+            <a:ext uri="{909E8E84-426E-40DD-AFC4-6F175D3DCCD1}">
+              <a14:hiddenFill xmlns:a14="http://schemas.microsoft.com/office/drawing/2010/main">
+                <a:solidFill>
+                  <a:srgbClr val="FFFFFF"/>
+                </a:solidFill>
+              </a14:hiddenFill>
+            </a:ext>
+          </a:extLst>
+        </p:spPr>
+      </p:pic>
+    </p:spTree>
+    <p:extLst>
+      <p:ext uri="{BB962C8B-B14F-4D97-AF65-F5344CB8AC3E}">
+        <p14:creationId xmlns:p14="http://schemas.microsoft.com/office/powerpoint/2010/main" val="826222197"/>
+      </p:ext>
+    </p:extLst>
+  </p:cSld>
+  <p:clrMapOvr>
+    <a:masterClrMapping/>
+  </p:clrMapOvr>
+</p:sld>
+</file>
+
+<file path=ppt/slides/slide11.xml><?xml version="1.0" encoding="utf-8"?>
+<p:sld xmlns:a="http://schemas.openxmlformats.org/drawingml/2006/main" xmlns:r="http://schemas.openxmlformats.org/officeDocument/2006/relationships" xmlns:p="http://schemas.openxmlformats.org/presentationml/2006/main">
+  <p:cSld>
+    <p:spTree>
+      <p:nvGrpSpPr>
+        <p:cNvPr id="1" name=""/>
+        <p:cNvGrpSpPr/>
+        <p:nvPr/>
+      </p:nvGrpSpPr>
+      <p:grpSpPr>
+        <a:xfrm>
+          <a:off x="0" y="0"/>
+          <a:ext cx="0" cy="0"/>
+          <a:chOff x="0" y="0"/>
+          <a:chExt cx="0" cy="0"/>
+        </a:xfrm>
+      </p:grpSpPr>
+      <p:sp>
+        <p:nvSpPr>
+          <p:cNvPr id="3" name="Espace réservé du contenu 2">
+            <a:extLst>
+              <a:ext uri="{FF2B5EF4-FFF2-40B4-BE49-F238E27FC236}">
+                <a16:creationId xmlns:a16="http://schemas.microsoft.com/office/drawing/2014/main" id="{7AF902F3-9937-4DB7-AC73-46E736BF1E98}"/>
+              </a:ext>
+            </a:extLst>
+          </p:cNvPr>
+          <p:cNvSpPr>
+            <a:spLocks noGrp="1"/>
+          </p:cNvSpPr>
+          <p:nvPr>
+            <p:ph idx="1"/>
+          </p:nvPr>
+        </p:nvSpPr>
+        <p:spPr>
+          <a:xfrm>
+            <a:off x="677333" y="2160589"/>
+            <a:ext cx="3458439" cy="3880773"/>
+          </a:xfrm>
+        </p:spPr>
+        <p:txBody>
+          <a:bodyPr/>
+          <a:lstStyle/>
+          <a:p>
+            <a:pPr marL="0" indent="0">
+              <a:buNone/>
+            </a:pPr>
+            <a:r>
+              <a:rPr lang="fr-FR" sz="2000" u="sng" dirty="0"/>
+              <a:t>Connexion des composants :</a:t>
+            </a:r>
+          </a:p>
+          <a:p>
+            <a:pPr marL="0" indent="0">
+              <a:buNone/>
+            </a:pPr>
+            <a:endParaRPr lang="fr-FR" sz="2000" u="sng" dirty="0"/>
+          </a:p>
+          <a:p>
+            <a:r>
+              <a:rPr lang="fr-FR" dirty="0"/>
+              <a:t>Câbler les composants sur l'Arduino.</a:t>
+            </a:r>
+          </a:p>
+          <a:p>
+            <a:r>
+              <a:rPr lang="fr-FR" dirty="0"/>
+              <a:t>Coder le programme de connexion sur l’Arduino avec les librairies correspondantes.</a:t>
+            </a:r>
+          </a:p>
+        </p:txBody>
+      </p:sp>
+      <p:sp>
+        <p:nvSpPr>
+          <p:cNvPr id="4" name="Titre 1">
+            <a:extLst>
+              <a:ext uri="{FF2B5EF4-FFF2-40B4-BE49-F238E27FC236}">
+                <a16:creationId xmlns:a16="http://schemas.microsoft.com/office/drawing/2014/main" id="{BCD23E67-4CEA-4EF2-A1F5-BF44ED402977}"/>
+              </a:ext>
+            </a:extLst>
+          </p:cNvPr>
+          <p:cNvSpPr txBox="1">
+            <a:spLocks/>
+          </p:cNvSpPr>
+          <p:nvPr/>
+        </p:nvSpPr>
+        <p:spPr>
+          <a:xfrm>
+            <a:off x="677333" y="568326"/>
+            <a:ext cx="5921049" cy="1320800"/>
+          </a:xfrm>
+          <a:prstGeom prst="rect">
+            <a:avLst/>
+          </a:prstGeom>
+        </p:spPr>
+        <p:txBody>
+          <a:bodyPr vert="horz" lIns="91440" tIns="45720" rIns="91440" bIns="45720" rtlCol="0" anchor="ctr">
+            <a:normAutofit/>
+          </a:bodyPr>
+          <a:lstStyle>
+            <a:lvl1pPr algn="l" defTabSz="457200" rtl="0" eaLnBrk="1" latinLnBrk="0" hangingPunct="1">
+              <a:spcBef>
+                <a:spcPct val="0"/>
+              </a:spcBef>
+              <a:buNone/>
+              <a:defRPr sz="3600" kern="1200">
+                <a:solidFill>
+                  <a:schemeClr val="accent1"/>
+                </a:solidFill>
+                <a:latin typeface="+mj-lt"/>
+                <a:ea typeface="+mj-ea"/>
+                <a:cs typeface="+mj-cs"/>
+              </a:defRPr>
+            </a:lvl1pPr>
+            <a:lvl2pPr eaLnBrk="1" hangingPunct="1">
+              <a:defRPr>
+                <a:solidFill>
+                  <a:schemeClr val="tx2"/>
+                </a:solidFill>
+              </a:defRPr>
+            </a:lvl2pPr>
+            <a:lvl3pPr eaLnBrk="1" hangingPunct="1">
+              <a:defRPr>
+                <a:solidFill>
+                  <a:schemeClr val="tx2"/>
+                </a:solidFill>
+              </a:defRPr>
+            </a:lvl3pPr>
+            <a:lvl4pPr eaLnBrk="1" hangingPunct="1">
+              <a:defRPr>
+                <a:solidFill>
+                  <a:schemeClr val="tx2"/>
+                </a:solidFill>
+              </a:defRPr>
+            </a:lvl4pPr>
+            <a:lvl5pPr eaLnBrk="1" hangingPunct="1">
+              <a:defRPr>
+                <a:solidFill>
+                  <a:schemeClr val="tx2"/>
+                </a:solidFill>
+              </a:defRPr>
+            </a:lvl5pPr>
+            <a:lvl6pPr eaLnBrk="1" hangingPunct="1">
+              <a:defRPr>
+                <a:solidFill>
+                  <a:schemeClr val="tx2"/>
+                </a:solidFill>
+              </a:defRPr>
+            </a:lvl6pPr>
+            <a:lvl7pPr eaLnBrk="1" hangingPunct="1">
+              <a:defRPr>
+                <a:solidFill>
+                  <a:schemeClr val="tx2"/>
+                </a:solidFill>
+              </a:defRPr>
+            </a:lvl7pPr>
+            <a:lvl8pPr eaLnBrk="1" hangingPunct="1">
+              <a:defRPr>
+                <a:solidFill>
+                  <a:schemeClr val="tx2"/>
+                </a:solidFill>
+              </a:defRPr>
+            </a:lvl8pPr>
+            <a:lvl9pPr eaLnBrk="1" hangingPunct="1">
+              <a:defRPr>
+                <a:solidFill>
+                  <a:schemeClr val="tx2"/>
+                </a:solidFill>
+              </a:defRPr>
+            </a:lvl9pPr>
+          </a:lstStyle>
+          <a:p>
+            <a:r>
+              <a:rPr lang="fr-FR" dirty="0"/>
+              <a:t>Développement Arduino</a:t>
+            </a:r>
+          </a:p>
+        </p:txBody>
+      </p:sp>
+      <p:pic>
+        <p:nvPicPr>
+          <p:cNvPr id="7" name="Picture 2" descr="Image associée">
+            <a:extLst>
+              <a:ext uri="{FF2B5EF4-FFF2-40B4-BE49-F238E27FC236}">
+                <a16:creationId xmlns:a16="http://schemas.microsoft.com/office/drawing/2014/main" id="{B23DB64B-9248-4262-BD92-EE7F6FE67D5E}"/>
+              </a:ext>
+            </a:extLst>
+          </p:cNvPr>
+          <p:cNvPicPr>
+            <a:picLocks noChangeAspect="1" noChangeArrowheads="1"/>
+          </p:cNvPicPr>
+          <p:nvPr/>
+        </p:nvPicPr>
+        <p:blipFill rotWithShape="1">
+          <a:blip r:embed="rId3">
+            <a:extLst>
+              <a:ext uri="{28A0092B-C50C-407E-A947-70E740481C1C}">
+                <a14:useLocalDpi xmlns:a14="http://schemas.microsoft.com/office/drawing/2010/main" val="0"/>
+              </a:ext>
+            </a:extLst>
+          </a:blip>
+          <a:srcRect l="18677" r="15441"/>
+          <a:stretch/>
+        </p:blipFill>
+        <p:spPr bwMode="auto">
+          <a:xfrm>
+            <a:off x="143436" y="143435"/>
+            <a:ext cx="2269635" cy="609600"/>
+          </a:xfrm>
+          <a:prstGeom prst="rect">
+            <a:avLst/>
+          </a:prstGeom>
+          <a:noFill/>
+          <a:extLst>
+            <a:ext uri="{909E8E84-426E-40DD-AFC4-6F175D3DCCD1}">
+              <a14:hiddenFill xmlns:a14="http://schemas.microsoft.com/office/drawing/2010/main">
+                <a:solidFill>
+                  <a:srgbClr val="FFFFFF"/>
+                </a:solidFill>
+              </a14:hiddenFill>
+            </a:ext>
+          </a:extLst>
+        </p:spPr>
+      </p:pic>
+      <p:sp>
+        <p:nvSpPr>
+          <p:cNvPr id="8" name="Espace réservé du contenu 2">
+            <a:extLst>
+              <a:ext uri="{FF2B5EF4-FFF2-40B4-BE49-F238E27FC236}">
+                <a16:creationId xmlns:a16="http://schemas.microsoft.com/office/drawing/2014/main" id="{989E1277-11F9-412A-948F-626C83E2E89F}"/>
+              </a:ext>
+            </a:extLst>
+          </p:cNvPr>
+          <p:cNvSpPr txBox="1">
+            <a:spLocks/>
+          </p:cNvSpPr>
+          <p:nvPr/>
+        </p:nvSpPr>
+        <p:spPr>
+          <a:xfrm>
+            <a:off x="5150063" y="2072104"/>
+            <a:ext cx="4329497" cy="3880773"/>
+          </a:xfrm>
+          <a:prstGeom prst="rect">
+            <a:avLst/>
+          </a:prstGeom>
+        </p:spPr>
+        <p:txBody>
+          <a:bodyPr vert="horz" lIns="91440" tIns="45720" rIns="91440" bIns="45720" rtlCol="0">
+            <a:normAutofit/>
+          </a:bodyPr>
+          <a:lstStyle>
+            <a:lvl1pPr marL="342900" indent="-342900" algn="l" defTabSz="457200" rtl="0" eaLnBrk="1" latinLnBrk="0" hangingPunct="1">
+              <a:spcBef>
+                <a:spcPts val="1000"/>
+              </a:spcBef>
+              <a:spcAft>
+                <a:spcPts val="0"/>
+              </a:spcAft>
+              <a:buClr>
+                <a:schemeClr val="accent1"/>
+              </a:buClr>
+              <a:buSzPct val="80000"/>
+              <a:buFont typeface="Wingdings 3" charset="2"/>
+              <a:buChar char=""/>
+              <a:defRPr sz="1800" kern="1200">
+                <a:solidFill>
+                  <a:schemeClr val="tx1">
+                    <a:lumMod val="75000"/>
+                    <a:lumOff val="25000"/>
+                  </a:schemeClr>
+                </a:solidFill>
+                <a:latin typeface="+mn-lt"/>
+                <a:ea typeface="+mn-ea"/>
+                <a:cs typeface="+mn-cs"/>
+              </a:defRPr>
+            </a:lvl1pPr>
+            <a:lvl2pPr marL="742950" indent="-285750" algn="l" defTabSz="457200" rtl="0" eaLnBrk="1" latinLnBrk="0" hangingPunct="1">
+              <a:spcBef>
+                <a:spcPts val="1000"/>
+              </a:spcBef>
+              <a:spcAft>
+                <a:spcPts val="0"/>
+              </a:spcAft>
+              <a:buClr>
+                <a:schemeClr val="accent1"/>
+              </a:buClr>
+              <a:buSzPct val="80000"/>
+              <a:buFont typeface="Wingdings 3" charset="2"/>
+              <a:buChar char=""/>
+              <a:defRPr sz="1600" kern="1200">
+                <a:solidFill>
+                  <a:schemeClr val="tx1">
+                    <a:lumMod val="75000"/>
+                    <a:lumOff val="25000"/>
+                  </a:schemeClr>
+                </a:solidFill>
+                <a:latin typeface="+mn-lt"/>
+                <a:ea typeface="+mn-ea"/>
+                <a:cs typeface="+mn-cs"/>
+              </a:defRPr>
+            </a:lvl2pPr>
+            <a:lvl3pPr marL="1143000" indent="-228600" algn="l" defTabSz="457200" rtl="0" eaLnBrk="1" latinLnBrk="0" hangingPunct="1">
+              <a:spcBef>
+                <a:spcPts val="1000"/>
+              </a:spcBef>
+              <a:spcAft>
+                <a:spcPts val="0"/>
+              </a:spcAft>
+              <a:buClr>
+                <a:schemeClr val="accent1"/>
+              </a:buClr>
+              <a:buSzPct val="80000"/>
+              <a:buFont typeface="Wingdings 3" charset="2"/>
+              <a:buChar char=""/>
+              <a:defRPr sz="1400" kern="1200">
+                <a:solidFill>
+                  <a:schemeClr val="tx1">
+                    <a:lumMod val="75000"/>
+                    <a:lumOff val="25000"/>
+                  </a:schemeClr>
+                </a:solidFill>
+                <a:latin typeface="+mn-lt"/>
+                <a:ea typeface="+mn-ea"/>
+                <a:cs typeface="+mn-cs"/>
+              </a:defRPr>
+            </a:lvl3pPr>
+            <a:lvl4pPr marL="1600200" indent="-228600" algn="l" defTabSz="457200" rtl="0" eaLnBrk="1" latinLnBrk="0" hangingPunct="1">
+              <a:spcBef>
+                <a:spcPts val="1000"/>
+              </a:spcBef>
+              <a:spcAft>
+                <a:spcPts val="0"/>
+              </a:spcAft>
+              <a:buClr>
+                <a:schemeClr val="accent1"/>
+              </a:buClr>
+              <a:buSzPct val="80000"/>
+              <a:buFont typeface="Wingdings 3" charset="2"/>
+              <a:buChar char=""/>
+              <a:defRPr sz="1200" kern="1200">
+                <a:solidFill>
+                  <a:schemeClr val="tx1">
+                    <a:lumMod val="75000"/>
+                    <a:lumOff val="25000"/>
+                  </a:schemeClr>
+                </a:solidFill>
+                <a:latin typeface="+mn-lt"/>
+                <a:ea typeface="+mn-ea"/>
+                <a:cs typeface="+mn-cs"/>
+              </a:defRPr>
+            </a:lvl4pPr>
+            <a:lvl5pPr marL="2057400" indent="-228600" algn="l" defTabSz="457200" rtl="0" eaLnBrk="1" latinLnBrk="0" hangingPunct="1">
+              <a:spcBef>
+                <a:spcPts val="1000"/>
+              </a:spcBef>
+              <a:spcAft>
+                <a:spcPts val="0"/>
+              </a:spcAft>
+              <a:buClr>
+                <a:schemeClr val="accent1"/>
+              </a:buClr>
+              <a:buSzPct val="80000"/>
+              <a:buFont typeface="Wingdings 3" charset="2"/>
+              <a:buChar char=""/>
+              <a:defRPr sz="1200" kern="1200">
+                <a:solidFill>
+                  <a:schemeClr val="tx1">
+                    <a:lumMod val="75000"/>
+                    <a:lumOff val="25000"/>
+                  </a:schemeClr>
+                </a:solidFill>
+                <a:latin typeface="+mn-lt"/>
+                <a:ea typeface="+mn-ea"/>
+                <a:cs typeface="+mn-cs"/>
+              </a:defRPr>
+            </a:lvl5pPr>
+            <a:lvl6pPr marL="2514600" indent="-228600" algn="l" defTabSz="457200" rtl="0" eaLnBrk="1" latinLnBrk="0" hangingPunct="1">
+              <a:spcBef>
+                <a:spcPts val="1000"/>
+              </a:spcBef>
+              <a:spcAft>
+                <a:spcPts val="0"/>
+              </a:spcAft>
+              <a:buClr>
+                <a:schemeClr val="accent1"/>
+              </a:buClr>
+              <a:buSzPct val="80000"/>
+              <a:buFont typeface="Wingdings 3" charset="2"/>
+              <a:buChar char=""/>
+              <a:defRPr sz="1200" kern="1200">
+                <a:solidFill>
+                  <a:schemeClr val="tx1">
+                    <a:lumMod val="75000"/>
+                    <a:lumOff val="25000"/>
+                  </a:schemeClr>
+                </a:solidFill>
+                <a:latin typeface="+mn-lt"/>
+                <a:ea typeface="+mn-ea"/>
+                <a:cs typeface="+mn-cs"/>
+              </a:defRPr>
+            </a:lvl6pPr>
+            <a:lvl7pPr marL="2971800" indent="-228600" algn="l" defTabSz="457200" rtl="0" eaLnBrk="1" latinLnBrk="0" hangingPunct="1">
+              <a:spcBef>
+                <a:spcPts val="1000"/>
+              </a:spcBef>
+              <a:spcAft>
+                <a:spcPts val="0"/>
+              </a:spcAft>
+              <a:buClr>
+                <a:schemeClr val="accent1"/>
+              </a:buClr>
+              <a:buSzPct val="80000"/>
+              <a:buFont typeface="Wingdings 3" charset="2"/>
+              <a:buChar char=""/>
+              <a:defRPr sz="1200" kern="1200">
+                <a:solidFill>
+                  <a:schemeClr val="tx1">
+                    <a:lumMod val="75000"/>
+                    <a:lumOff val="25000"/>
+                  </a:schemeClr>
+                </a:solidFill>
+                <a:latin typeface="+mn-lt"/>
+                <a:ea typeface="+mn-ea"/>
+                <a:cs typeface="+mn-cs"/>
+              </a:defRPr>
+            </a:lvl7pPr>
+            <a:lvl8pPr marL="3429000" indent="-228600" algn="l" defTabSz="457200" rtl="0" eaLnBrk="1" latinLnBrk="0" hangingPunct="1">
+              <a:spcBef>
+                <a:spcPts val="1000"/>
+              </a:spcBef>
+              <a:spcAft>
+                <a:spcPts val="0"/>
+              </a:spcAft>
+              <a:buClr>
+                <a:schemeClr val="accent1"/>
+              </a:buClr>
+              <a:buSzPct val="80000"/>
+              <a:buFont typeface="Wingdings 3" charset="2"/>
+              <a:buChar char=""/>
+              <a:defRPr sz="1200" kern="1200">
+                <a:solidFill>
+                  <a:schemeClr val="tx1">
+                    <a:lumMod val="75000"/>
+                    <a:lumOff val="25000"/>
+                  </a:schemeClr>
+                </a:solidFill>
+                <a:latin typeface="+mn-lt"/>
+                <a:ea typeface="+mn-ea"/>
+                <a:cs typeface="+mn-cs"/>
+              </a:defRPr>
+            </a:lvl8pPr>
+            <a:lvl9pPr marL="3886200" indent="-228600" algn="l" defTabSz="457200" rtl="0" eaLnBrk="1" latinLnBrk="0" hangingPunct="1">
+              <a:spcBef>
+                <a:spcPts val="1000"/>
+              </a:spcBef>
+              <a:spcAft>
+                <a:spcPts val="0"/>
+              </a:spcAft>
+              <a:buClr>
+                <a:schemeClr val="accent1"/>
+              </a:buClr>
+              <a:buSzPct val="80000"/>
+              <a:buFont typeface="Wingdings 3" charset="2"/>
+              <a:buChar char=""/>
+              <a:defRPr sz="1200" kern="1200">
+                <a:solidFill>
+                  <a:schemeClr val="tx1">
+                    <a:lumMod val="75000"/>
+                    <a:lumOff val="25000"/>
+                  </a:schemeClr>
+                </a:solidFill>
+                <a:latin typeface="+mn-lt"/>
+                <a:ea typeface="+mn-ea"/>
+                <a:cs typeface="+mn-cs"/>
+              </a:defRPr>
+            </a:lvl9pPr>
+          </a:lstStyle>
+          <a:p>
+            <a:pPr marL="0" indent="0">
+              <a:buNone/>
+            </a:pPr>
+            <a:r>
+              <a:rPr lang="fr-FR" sz="2000" u="sng" dirty="0"/>
+              <a:t>Afficher l’énigme et activer le buzzer :</a:t>
+            </a:r>
+          </a:p>
+          <a:p>
+            <a:pPr marL="0" indent="0">
+              <a:buNone/>
+            </a:pPr>
+            <a:endParaRPr lang="fr-FR" sz="2000" u="sng" dirty="0"/>
+          </a:p>
+          <a:p>
+            <a:pPr>
+              <a:buClr>
+                <a:schemeClr val="accent4"/>
+              </a:buClr>
+            </a:pPr>
+            <a:r>
+              <a:rPr lang="fr-FR" dirty="0"/>
+              <a:t>Coder sur l'Arduino le programme permettant d’activer le buzzer et d’afficher l’énigme sur l’écran LCD. </a:t>
+            </a:r>
+          </a:p>
+          <a:p>
+            <a:pPr>
+              <a:buClr>
+                <a:schemeClr val="accent4"/>
+              </a:buClr>
+            </a:pPr>
+            <a:r>
+              <a:rPr lang="fr-FR" dirty="0"/>
+              <a:t>Fonction permettant de vérifié le code du pavé numérique.</a:t>
+            </a:r>
+          </a:p>
+        </p:txBody>
+      </p:sp>
+      <p:sp>
+        <p:nvSpPr>
+          <p:cNvPr id="16" name="Organigramme : Terminateur 15">
+            <a:extLst>
+              <a:ext uri="{FF2B5EF4-FFF2-40B4-BE49-F238E27FC236}">
+                <a16:creationId xmlns:a16="http://schemas.microsoft.com/office/drawing/2014/main" id="{41FDEEF8-9A75-4299-8AD1-68DEF044FA12}"/>
+              </a:ext>
+            </a:extLst>
+          </p:cNvPr>
+          <p:cNvSpPr/>
+          <p:nvPr/>
+        </p:nvSpPr>
+        <p:spPr>
+          <a:xfrm>
+            <a:off x="11349562" y="1532114"/>
+            <a:ext cx="358260" cy="85725"/>
+          </a:xfrm>
+          <a:prstGeom prst="flowChartTerminator">
+            <a:avLst/>
+          </a:prstGeom>
+          <a:solidFill>
+            <a:srgbClr val="A8135A"/>
+          </a:solidFill>
+          <a:ln>
+            <a:solidFill>
+              <a:schemeClr val="bg1"/>
+            </a:solidFill>
+          </a:ln>
+        </p:spPr>
+        <p:style>
+          <a:lnRef idx="2">
+            <a:schemeClr val="accent1">
+              <a:shade val="50000"/>
+            </a:schemeClr>
+          </a:lnRef>
+          <a:fillRef idx="1">
+            <a:schemeClr val="accent1"/>
+          </a:fillRef>
+          <a:effectRef idx="0">
+            <a:schemeClr val="accent1"/>
+          </a:effectRef>
+          <a:fontRef idx="minor">
+            <a:schemeClr val="lt1"/>
+          </a:fontRef>
+        </p:style>
+        <p:txBody>
+          <a:bodyPr rtlCol="0" anchor="ctr"/>
+          <a:lstStyle/>
+          <a:p>
+            <a:pPr marL="0" marR="0" lvl="0" indent="0" algn="ctr" defTabSz="457200" rtl="0" eaLnBrk="1" fontAlgn="auto" latinLnBrk="0" hangingPunct="1">
+              <a:lnSpc>
+                <a:spcPct val="100000"/>
+              </a:lnSpc>
+              <a:spcBef>
+                <a:spcPts val="0"/>
+              </a:spcBef>
+              <a:spcAft>
+                <a:spcPts val="0"/>
+              </a:spcAft>
+              <a:buClrTx/>
+              <a:buSzTx/>
+              <a:buFontTx/>
+              <a:buNone/>
+              <a:tabLst/>
+              <a:defRPr/>
+            </a:pPr>
+            <a:endParaRPr kumimoji="0" lang="fr-FR" sz="1800" b="0" i="0" u="none" strike="noStrike" kern="1200" cap="none" spc="0" normalizeH="0" baseline="0" noProof="0" dirty="0">
+              <a:ln>
+                <a:noFill/>
+              </a:ln>
+              <a:solidFill>
+                <a:prstClr val="white"/>
+              </a:solidFill>
+              <a:effectLst/>
+              <a:uLnTx/>
+              <a:uFillTx/>
+              <a:latin typeface="Trebuchet MS" panose="020B0603020202020204"/>
+              <a:ea typeface="+mn-ea"/>
+              <a:cs typeface="+mn-cs"/>
+            </a:endParaRPr>
+          </a:p>
+        </p:txBody>
+      </p:sp>
+      <p:sp>
+        <p:nvSpPr>
+          <p:cNvPr id="17" name="Rectangle 16">
+            <a:extLst>
+              <a:ext uri="{FF2B5EF4-FFF2-40B4-BE49-F238E27FC236}">
+                <a16:creationId xmlns:a16="http://schemas.microsoft.com/office/drawing/2014/main" id="{7A4B9DD9-0780-4E42-BB36-A4FFFC19FD9F}"/>
+              </a:ext>
+            </a:extLst>
+          </p:cNvPr>
+          <p:cNvSpPr/>
+          <p:nvPr/>
+        </p:nvSpPr>
+        <p:spPr>
+          <a:xfrm>
+            <a:off x="11603047" y="770674"/>
+            <a:ext cx="104775" cy="5614778"/>
+          </a:xfrm>
+          <a:prstGeom prst="rect">
+            <a:avLst/>
+          </a:prstGeom>
+          <a:solidFill>
+            <a:schemeClr val="bg1"/>
+          </a:solidFill>
+          <a:ln>
+            <a:solidFill>
+              <a:schemeClr val="bg1"/>
+            </a:solidFill>
+          </a:ln>
+        </p:spPr>
+        <p:style>
+          <a:lnRef idx="2">
+            <a:schemeClr val="accent1">
+              <a:shade val="50000"/>
+            </a:schemeClr>
+          </a:lnRef>
+          <a:fillRef idx="1">
+            <a:schemeClr val="accent1"/>
+          </a:fillRef>
+          <a:effectRef idx="0">
+            <a:schemeClr val="accent1"/>
+          </a:effectRef>
+          <a:fontRef idx="minor">
+            <a:schemeClr val="lt1"/>
+          </a:fontRef>
+        </p:style>
+        <p:txBody>
+          <a:bodyPr rtlCol="0" anchor="ctr"/>
+          <a:lstStyle/>
+          <a:p>
+            <a:pPr marL="0" marR="0" lvl="0" indent="0" algn="ctr" defTabSz="457200" rtl="0" eaLnBrk="1" fontAlgn="auto" latinLnBrk="0" hangingPunct="1">
+              <a:lnSpc>
+                <a:spcPct val="100000"/>
+              </a:lnSpc>
+              <a:spcBef>
+                <a:spcPts val="0"/>
+              </a:spcBef>
+              <a:spcAft>
+                <a:spcPts val="0"/>
+              </a:spcAft>
+              <a:buClrTx/>
+              <a:buSzTx/>
+              <a:buFontTx/>
+              <a:buNone/>
+              <a:tabLst/>
+              <a:defRPr/>
+            </a:pPr>
+            <a:endParaRPr kumimoji="0" lang="fr-FR" sz="1800" b="0" i="0" u="none" strike="noStrike" kern="1200" cap="none" spc="0" normalizeH="0" baseline="0" noProof="0" dirty="0">
+              <a:ln>
+                <a:noFill/>
+              </a:ln>
+              <a:solidFill>
+                <a:prstClr val="white"/>
+              </a:solidFill>
+              <a:effectLst/>
+              <a:uLnTx/>
+              <a:uFillTx/>
+              <a:latin typeface="Trebuchet MS" panose="020B0603020202020204"/>
+              <a:ea typeface="+mn-ea"/>
+              <a:cs typeface="+mn-cs"/>
+            </a:endParaRPr>
+          </a:p>
+        </p:txBody>
+      </p:sp>
+      <p:sp>
+        <p:nvSpPr>
+          <p:cNvPr id="20" name="Organigramme : Terminateur 19">
+            <a:extLst>
+              <a:ext uri="{FF2B5EF4-FFF2-40B4-BE49-F238E27FC236}">
+                <a16:creationId xmlns:a16="http://schemas.microsoft.com/office/drawing/2014/main" id="{8A2697BC-A7E2-43CB-ACEB-82F07B61B86A}"/>
+              </a:ext>
+            </a:extLst>
+          </p:cNvPr>
+          <p:cNvSpPr/>
+          <p:nvPr/>
+        </p:nvSpPr>
+        <p:spPr>
+          <a:xfrm>
+            <a:off x="11349562" y="2365463"/>
+            <a:ext cx="267772" cy="85725"/>
+          </a:xfrm>
+          <a:prstGeom prst="flowChartTerminator">
+            <a:avLst/>
+          </a:prstGeom>
+          <a:solidFill>
+            <a:srgbClr val="A8135A"/>
+          </a:solidFill>
+          <a:ln>
+            <a:solidFill>
+              <a:schemeClr val="bg1"/>
+            </a:solidFill>
+          </a:ln>
+        </p:spPr>
+        <p:style>
+          <a:lnRef idx="2">
+            <a:schemeClr val="accent1">
+              <a:shade val="50000"/>
+            </a:schemeClr>
+          </a:lnRef>
+          <a:fillRef idx="1">
+            <a:schemeClr val="accent1"/>
+          </a:fillRef>
+          <a:effectRef idx="0">
+            <a:schemeClr val="accent1"/>
+          </a:effectRef>
+          <a:fontRef idx="minor">
+            <a:schemeClr val="lt1"/>
+          </a:fontRef>
+        </p:style>
+        <p:txBody>
+          <a:bodyPr rtlCol="0" anchor="ctr"/>
+          <a:lstStyle/>
+          <a:p>
+            <a:pPr marL="0" marR="0" lvl="0" indent="0" algn="ctr" defTabSz="457200" rtl="0" eaLnBrk="1" fontAlgn="auto" latinLnBrk="0" hangingPunct="1">
+              <a:lnSpc>
+                <a:spcPct val="100000"/>
+              </a:lnSpc>
+              <a:spcBef>
+                <a:spcPts val="0"/>
+              </a:spcBef>
+              <a:spcAft>
+                <a:spcPts val="0"/>
+              </a:spcAft>
+              <a:buClrTx/>
+              <a:buSzTx/>
+              <a:buFontTx/>
+              <a:buNone/>
+              <a:tabLst/>
+              <a:defRPr/>
+            </a:pPr>
+            <a:endParaRPr kumimoji="0" lang="fr-FR" sz="1800" b="0" i="0" u="none" strike="noStrike" kern="1200" cap="none" spc="0" normalizeH="0" baseline="0" noProof="0" dirty="0">
+              <a:ln>
+                <a:noFill/>
+              </a:ln>
+              <a:solidFill>
+                <a:prstClr val="white"/>
+              </a:solidFill>
+              <a:effectLst/>
+              <a:uLnTx/>
+              <a:uFillTx/>
+              <a:latin typeface="Trebuchet MS" panose="020B0603020202020204"/>
+              <a:ea typeface="+mn-ea"/>
+              <a:cs typeface="+mn-cs"/>
+            </a:endParaRPr>
+          </a:p>
+        </p:txBody>
+      </p:sp>
+      <p:sp>
+        <p:nvSpPr>
+          <p:cNvPr id="21" name="Rectangle 20">
+            <a:extLst>
+              <a:ext uri="{FF2B5EF4-FFF2-40B4-BE49-F238E27FC236}">
+                <a16:creationId xmlns:a16="http://schemas.microsoft.com/office/drawing/2014/main" id="{A2C9E07C-A9E8-4C22-9B58-1E9E02CA8E57}"/>
+              </a:ext>
+            </a:extLst>
+          </p:cNvPr>
+          <p:cNvSpPr/>
+          <p:nvPr/>
+        </p:nvSpPr>
+        <p:spPr>
+          <a:xfrm>
+            <a:off x="11603047" y="973022"/>
+            <a:ext cx="104775" cy="4979855"/>
+          </a:xfrm>
+          <a:prstGeom prst="rect">
+            <a:avLst/>
+          </a:prstGeom>
+          <a:solidFill>
+            <a:srgbClr val="A8135A"/>
+          </a:solidFill>
+          <a:ln>
+            <a:solidFill>
+              <a:schemeClr val="bg1"/>
+            </a:solidFill>
+          </a:ln>
+        </p:spPr>
+        <p:style>
+          <a:lnRef idx="2">
+            <a:schemeClr val="accent1">
+              <a:shade val="50000"/>
+            </a:schemeClr>
+          </a:lnRef>
+          <a:fillRef idx="1">
+            <a:schemeClr val="accent1"/>
+          </a:fillRef>
+          <a:effectRef idx="0">
+            <a:schemeClr val="accent1"/>
+          </a:effectRef>
+          <a:fontRef idx="minor">
+            <a:schemeClr val="lt1"/>
+          </a:fontRef>
+        </p:style>
+        <p:txBody>
+          <a:bodyPr rtlCol="0" anchor="ctr"/>
+          <a:lstStyle/>
+          <a:p>
+            <a:pPr marL="0" marR="0" lvl="0" indent="0" algn="ctr" defTabSz="457200" rtl="0" eaLnBrk="1" fontAlgn="auto" latinLnBrk="0" hangingPunct="1">
+              <a:lnSpc>
+                <a:spcPct val="100000"/>
+              </a:lnSpc>
+              <a:spcBef>
+                <a:spcPts val="0"/>
+              </a:spcBef>
+              <a:spcAft>
+                <a:spcPts val="0"/>
+              </a:spcAft>
+              <a:buClrTx/>
+              <a:buSzTx/>
+              <a:buFontTx/>
+              <a:buNone/>
+              <a:tabLst/>
+              <a:defRPr/>
+            </a:pPr>
+            <a:endParaRPr kumimoji="0" lang="fr-FR" sz="1800" b="0" i="0" u="none" strike="noStrike" kern="1200" cap="none" spc="0" normalizeH="0" baseline="0" noProof="0">
+              <a:ln>
+                <a:noFill/>
+              </a:ln>
+              <a:solidFill>
+                <a:prstClr val="white"/>
+              </a:solidFill>
+              <a:effectLst/>
+              <a:uLnTx/>
+              <a:uFillTx/>
+              <a:latin typeface="Trebuchet MS" panose="020B0603020202020204"/>
+              <a:ea typeface="+mn-ea"/>
+              <a:cs typeface="+mn-cs"/>
+            </a:endParaRPr>
+          </a:p>
+        </p:txBody>
+      </p:sp>
+      <p:sp>
+        <p:nvSpPr>
+          <p:cNvPr id="22" name="Ellipse 21">
+            <a:extLst>
+              <a:ext uri="{FF2B5EF4-FFF2-40B4-BE49-F238E27FC236}">
+                <a16:creationId xmlns:a16="http://schemas.microsoft.com/office/drawing/2014/main" id="{95147BC9-ADEE-4627-BECE-807CBC77E0F7}"/>
+              </a:ext>
+            </a:extLst>
+          </p:cNvPr>
+          <p:cNvSpPr/>
+          <p:nvPr/>
+        </p:nvSpPr>
+        <p:spPr>
+          <a:xfrm>
+            <a:off x="11373375" y="568326"/>
+            <a:ext cx="564118" cy="542925"/>
+          </a:xfrm>
+          <a:prstGeom prst="ellipse">
+            <a:avLst/>
+          </a:prstGeom>
+          <a:solidFill>
+            <a:srgbClr val="A8135A"/>
+          </a:solidFill>
+          <a:ln>
+            <a:solidFill>
+              <a:schemeClr val="bg1"/>
+            </a:solidFill>
+          </a:ln>
+        </p:spPr>
+        <p:style>
+          <a:lnRef idx="2">
+            <a:schemeClr val="accent1">
+              <a:shade val="50000"/>
+            </a:schemeClr>
+          </a:lnRef>
+          <a:fillRef idx="1">
+            <a:schemeClr val="accent1"/>
+          </a:fillRef>
+          <a:effectRef idx="0">
+            <a:schemeClr val="accent1"/>
+          </a:effectRef>
+          <a:fontRef idx="minor">
+            <a:schemeClr val="lt1"/>
+          </a:fontRef>
+        </p:style>
+        <p:txBody>
+          <a:bodyPr rtlCol="0" anchor="ctr"/>
+          <a:lstStyle/>
+          <a:p>
+            <a:pPr marL="0" marR="0" lvl="0" indent="0" algn="ctr" defTabSz="457200" rtl="0" eaLnBrk="1" fontAlgn="auto" latinLnBrk="0" hangingPunct="1">
+              <a:lnSpc>
+                <a:spcPct val="100000"/>
+              </a:lnSpc>
+              <a:spcBef>
+                <a:spcPts val="0"/>
+              </a:spcBef>
+              <a:spcAft>
+                <a:spcPts val="0"/>
+              </a:spcAft>
+              <a:buClrTx/>
+              <a:buSzTx/>
+              <a:buFontTx/>
+              <a:buNone/>
+              <a:tabLst/>
+              <a:defRPr/>
+            </a:pPr>
+            <a:endParaRPr kumimoji="0" lang="fr-FR" sz="1800" b="0" i="0" u="none" strike="noStrike" kern="1200" cap="none" spc="0" normalizeH="0" baseline="0" noProof="0">
+              <a:ln>
+                <a:noFill/>
+              </a:ln>
+              <a:solidFill>
+                <a:prstClr val="white"/>
+              </a:solidFill>
+              <a:effectLst/>
+              <a:uLnTx/>
+              <a:uFillTx/>
+              <a:latin typeface="Trebuchet MS" panose="020B0603020202020204"/>
+              <a:ea typeface="+mn-ea"/>
+              <a:cs typeface="+mn-cs"/>
+            </a:endParaRPr>
+          </a:p>
+        </p:txBody>
+      </p:sp>
+      <p:sp>
+        <p:nvSpPr>
+          <p:cNvPr id="23" name="ZoneTexte 22">
+            <a:extLst>
+              <a:ext uri="{FF2B5EF4-FFF2-40B4-BE49-F238E27FC236}">
+                <a16:creationId xmlns:a16="http://schemas.microsoft.com/office/drawing/2014/main" id="{5BBBBEC6-3E7D-4924-A672-32FBECB5BED8}"/>
+              </a:ext>
+            </a:extLst>
+          </p:cNvPr>
+          <p:cNvSpPr txBox="1"/>
+          <p:nvPr/>
+        </p:nvSpPr>
+        <p:spPr>
+          <a:xfrm>
+            <a:off x="9733045" y="5951767"/>
+            <a:ext cx="1667150" cy="584775"/>
+          </a:xfrm>
+          <a:prstGeom prst="rect">
+            <a:avLst/>
+          </a:prstGeom>
+          <a:noFill/>
+        </p:spPr>
+        <p:txBody>
+          <a:bodyPr wrap="square" rtlCol="0">
+            <a:spAutoFit/>
+          </a:bodyPr>
+          <a:lstStyle/>
+          <a:p>
+            <a:pPr marL="0" marR="0" lvl="0" indent="0" algn="l" defTabSz="457200" rtl="0" eaLnBrk="1" fontAlgn="auto" latinLnBrk="0" hangingPunct="1">
+              <a:lnSpc>
+                <a:spcPct val="100000"/>
+              </a:lnSpc>
+              <a:spcBef>
+                <a:spcPts val="0"/>
+              </a:spcBef>
+              <a:spcAft>
+                <a:spcPts val="0"/>
+              </a:spcAft>
+              <a:buClrTx/>
+              <a:buSzTx/>
+              <a:buFontTx/>
+              <a:buNone/>
+              <a:tabLst/>
+              <a:defRPr/>
+            </a:pPr>
+            <a:r>
+              <a:rPr kumimoji="0" lang="fr-FR" sz="1600" b="0" i="0" u="none" strike="noStrike" kern="1200" cap="none" spc="0" normalizeH="0" baseline="0" noProof="0" dirty="0">
+                <a:ln>
+                  <a:noFill/>
+                </a:ln>
+                <a:solidFill>
+                  <a:prstClr val="black"/>
+                </a:solidFill>
+                <a:effectLst/>
+                <a:uLnTx/>
+                <a:uFillTx/>
+                <a:latin typeface="Trebuchet MS" panose="020B0603020202020204"/>
+                <a:ea typeface="+mn-ea"/>
+                <a:cs typeface="+mn-cs"/>
+              </a:rPr>
+              <a:t>Développement </a:t>
+            </a:r>
+            <a:r>
+              <a:rPr lang="fr-FR" sz="1600" dirty="0">
+                <a:solidFill>
+                  <a:prstClr val="black"/>
+                </a:solidFill>
+                <a:latin typeface="Trebuchet MS" panose="020B0603020202020204"/>
+              </a:rPr>
+              <a:t>Arduino</a:t>
+            </a:r>
+            <a:endParaRPr kumimoji="0" lang="fr-FR" sz="1600" b="0" i="0" u="none" strike="noStrike" kern="1200" cap="none" spc="0" normalizeH="0" baseline="0" noProof="0" dirty="0">
+              <a:ln>
+                <a:noFill/>
+              </a:ln>
+              <a:solidFill>
+                <a:prstClr val="black"/>
+              </a:solidFill>
+              <a:effectLst/>
+              <a:uLnTx/>
+              <a:uFillTx/>
+              <a:latin typeface="Trebuchet MS" panose="020B0603020202020204"/>
+              <a:ea typeface="+mn-ea"/>
+              <a:cs typeface="+mn-cs"/>
+            </a:endParaRPr>
+          </a:p>
+        </p:txBody>
+      </p:sp>
+      <p:sp>
+        <p:nvSpPr>
+          <p:cNvPr id="18" name="Ellipse 17">
+            <a:extLst>
+              <a:ext uri="{FF2B5EF4-FFF2-40B4-BE49-F238E27FC236}">
+                <a16:creationId xmlns:a16="http://schemas.microsoft.com/office/drawing/2014/main" id="{56EC6663-532F-4461-BF97-5FB79B299CFF}"/>
+              </a:ext>
+            </a:extLst>
+          </p:cNvPr>
+          <p:cNvSpPr/>
+          <p:nvPr/>
+        </p:nvSpPr>
+        <p:spPr>
+          <a:xfrm>
+            <a:off x="11373375" y="3218832"/>
+            <a:ext cx="564118" cy="542925"/>
+          </a:xfrm>
+          <a:prstGeom prst="ellipse">
+            <a:avLst/>
+          </a:prstGeom>
+          <a:solidFill>
+            <a:srgbClr val="A8135A"/>
+          </a:solidFill>
+          <a:ln>
+            <a:solidFill>
+              <a:schemeClr val="bg1"/>
+            </a:solidFill>
+          </a:ln>
+        </p:spPr>
+        <p:style>
+          <a:lnRef idx="2">
+            <a:schemeClr val="accent1">
+              <a:shade val="50000"/>
+            </a:schemeClr>
+          </a:lnRef>
+          <a:fillRef idx="1">
+            <a:schemeClr val="accent1"/>
+          </a:fillRef>
+          <a:effectRef idx="0">
+            <a:schemeClr val="accent1"/>
+          </a:effectRef>
+          <a:fontRef idx="minor">
+            <a:schemeClr val="lt1"/>
+          </a:fontRef>
+        </p:style>
+        <p:txBody>
+          <a:bodyPr rtlCol="0" anchor="ctr"/>
+          <a:lstStyle/>
+          <a:p>
+            <a:pPr marL="0" marR="0" lvl="0" indent="0" algn="ctr" defTabSz="457200" rtl="0" eaLnBrk="1" fontAlgn="auto" latinLnBrk="0" hangingPunct="1">
+              <a:lnSpc>
+                <a:spcPct val="100000"/>
+              </a:lnSpc>
+              <a:spcBef>
+                <a:spcPts val="0"/>
+              </a:spcBef>
+              <a:spcAft>
+                <a:spcPts val="0"/>
+              </a:spcAft>
+              <a:buClrTx/>
+              <a:buSzTx/>
+              <a:buFontTx/>
+              <a:buNone/>
+              <a:tabLst/>
+              <a:defRPr/>
+            </a:pPr>
+            <a:endParaRPr kumimoji="0" lang="fr-FR" sz="1800" b="0" i="0" u="none" strike="noStrike" kern="1200" cap="none" spc="0" normalizeH="0" baseline="0" noProof="0" dirty="0">
+              <a:ln>
+                <a:noFill/>
+              </a:ln>
+              <a:solidFill>
+                <a:prstClr val="white"/>
+              </a:solidFill>
+              <a:effectLst/>
+              <a:uLnTx/>
+              <a:uFillTx/>
+              <a:latin typeface="Trebuchet MS" panose="020B0603020202020204"/>
+              <a:ea typeface="+mn-ea"/>
+              <a:cs typeface="+mn-cs"/>
+            </a:endParaRPr>
+          </a:p>
+        </p:txBody>
+      </p:sp>
+      <p:sp>
+        <p:nvSpPr>
+          <p:cNvPr id="19" name="Ellipse 18">
+            <a:extLst>
+              <a:ext uri="{FF2B5EF4-FFF2-40B4-BE49-F238E27FC236}">
+                <a16:creationId xmlns:a16="http://schemas.microsoft.com/office/drawing/2014/main" id="{FEA445A8-208D-426C-92BF-3F8E1D9F5C39}"/>
+              </a:ext>
+            </a:extLst>
+          </p:cNvPr>
+          <p:cNvSpPr/>
+          <p:nvPr/>
+        </p:nvSpPr>
+        <p:spPr>
+          <a:xfrm>
+            <a:off x="11359088" y="5869338"/>
+            <a:ext cx="564118" cy="542925"/>
+          </a:xfrm>
+          <a:prstGeom prst="ellipse">
+            <a:avLst/>
+          </a:prstGeom>
+          <a:solidFill>
+            <a:srgbClr val="A8135A"/>
+          </a:solidFill>
+          <a:ln>
+            <a:solidFill>
+              <a:schemeClr val="bg1"/>
+            </a:solidFill>
+          </a:ln>
+        </p:spPr>
+        <p:style>
+          <a:lnRef idx="2">
+            <a:schemeClr val="accent1">
+              <a:shade val="50000"/>
+            </a:schemeClr>
+          </a:lnRef>
+          <a:fillRef idx="1">
+            <a:schemeClr val="accent1"/>
+          </a:fillRef>
+          <a:effectRef idx="0">
+            <a:schemeClr val="accent1"/>
+          </a:effectRef>
+          <a:fontRef idx="minor">
+            <a:schemeClr val="lt1"/>
+          </a:fontRef>
+        </p:style>
+        <p:txBody>
+          <a:bodyPr rtlCol="0" anchor="ctr"/>
+          <a:lstStyle/>
+          <a:p>
+            <a:pPr marL="0" marR="0" lvl="0" indent="0" algn="ctr" defTabSz="457200" rtl="0" eaLnBrk="1" fontAlgn="auto" latinLnBrk="0" hangingPunct="1">
+              <a:lnSpc>
+                <a:spcPct val="100000"/>
+              </a:lnSpc>
+              <a:spcBef>
+                <a:spcPts val="0"/>
+              </a:spcBef>
+              <a:spcAft>
+                <a:spcPts val="0"/>
+              </a:spcAft>
+              <a:buClrTx/>
+              <a:buSzTx/>
+              <a:buFontTx/>
+              <a:buNone/>
+              <a:tabLst/>
+              <a:defRPr/>
+            </a:pPr>
+            <a:endParaRPr kumimoji="0" lang="fr-FR" sz="1800" b="0" i="0" u="none" strike="noStrike" kern="1200" cap="none" spc="0" normalizeH="0" baseline="0" noProof="0">
+              <a:ln>
+                <a:noFill/>
+              </a:ln>
+              <a:solidFill>
+                <a:prstClr val="white"/>
+              </a:solidFill>
+              <a:effectLst/>
+              <a:uLnTx/>
+              <a:uFillTx/>
+              <a:latin typeface="Trebuchet MS" panose="020B0603020202020204"/>
+              <a:ea typeface="+mn-ea"/>
+              <a:cs typeface="+mn-cs"/>
+            </a:endParaRPr>
+          </a:p>
+        </p:txBody>
+      </p:sp>
+    </p:spTree>
+    <p:extLst>
+      <p:ext uri="{BB962C8B-B14F-4D97-AF65-F5344CB8AC3E}">
+        <p14:creationId xmlns:p14="http://schemas.microsoft.com/office/powerpoint/2010/main" val="2593474235"/>
+      </p:ext>
+    </p:extLst>
+  </p:cSld>
+  <p:clrMapOvr>
+    <a:masterClrMapping/>
+  </p:clrMapOvr>
+  <mc:AlternateContent xmlns:mc="http://schemas.openxmlformats.org/markup-compatibility/2006" xmlns:p159="http://schemas.microsoft.com/office/powerpoint/2015/09/main">
+    <mc:Choice Requires="p159">
+      <p:transition xmlns:p14="http://schemas.microsoft.com/office/powerpoint/2010/main" spd="slow" p14:dur="2000">
+        <p159:morph option="byObject"/>
+      </p:transition>
+    </mc:Choice>
+    <mc:Fallback xmlns="">
+      <p:transition spd="slow">
+        <p:fade/>
+      </p:transition>
+    </mc:Fallback>
+  </mc:AlternateContent>
+</p:sld>
+</file>
+
 <file path=ppt/slides/slide2.xml><?xml version="1.0" encoding="utf-8"?>
 <p:sld xmlns:a="http://schemas.openxmlformats.org/drawingml/2006/main" xmlns:r="http://schemas.openxmlformats.org/officeDocument/2006/relationships" xmlns:p="http://schemas.openxmlformats.org/presentationml/2006/main">
   <p:cSld>
@@ -11897,6 +13987,96 @@
 <file path=ppt/slides/slide6.xml><?xml version="1.0" encoding="utf-8"?>
 <p:sld xmlns:a="http://schemas.openxmlformats.org/drawingml/2006/main" xmlns:r="http://schemas.openxmlformats.org/officeDocument/2006/relationships" xmlns:p="http://schemas.openxmlformats.org/presentationml/2006/main">
   <p:cSld>
+    <p:spTree>
+      <p:nvGrpSpPr>
+        <p:cNvPr id="1" name=""/>
+        <p:cNvGrpSpPr/>
+        <p:nvPr/>
+      </p:nvGrpSpPr>
+      <p:grpSpPr>
+        <a:xfrm>
+          <a:off x="0" y="0"/>
+          <a:ext cx="0" cy="0"/>
+          <a:chOff x="0" y="0"/>
+          <a:chExt cx="0" cy="0"/>
+        </a:xfrm>
+      </p:grpSpPr>
+      <p:sp>
+        <p:nvSpPr>
+          <p:cNvPr id="2" name="Titre 1">
+            <a:extLst>
+              <a:ext uri="{FF2B5EF4-FFF2-40B4-BE49-F238E27FC236}">
+                <a16:creationId xmlns:a16="http://schemas.microsoft.com/office/drawing/2014/main" id="{670F7C0E-6519-4A48-A994-BD9E492E9A93}"/>
+              </a:ext>
+            </a:extLst>
+          </p:cNvPr>
+          <p:cNvSpPr>
+            <a:spLocks noGrp="1"/>
+          </p:cNvSpPr>
+          <p:nvPr>
+            <p:ph type="title"/>
+          </p:nvPr>
+        </p:nvSpPr>
+        <p:spPr/>
+        <p:txBody>
+          <a:bodyPr/>
+          <a:lstStyle/>
+          <a:p>
+            <a:r>
+              <a:rPr lang="fr-FR" dirty="0"/>
+              <a:t>Base de données</a:t>
+            </a:r>
+          </a:p>
+        </p:txBody>
+      </p:sp>
+      <p:pic>
+        <p:nvPicPr>
+          <p:cNvPr id="4" name="Espace réservé du contenu 3">
+            <a:extLst>
+              <a:ext uri="{FF2B5EF4-FFF2-40B4-BE49-F238E27FC236}">
+                <a16:creationId xmlns:a16="http://schemas.microsoft.com/office/drawing/2014/main" id="{9230DE0C-7554-466F-AC52-A2E32650D6F3}"/>
+              </a:ext>
+            </a:extLst>
+          </p:cNvPr>
+          <p:cNvPicPr>
+            <a:picLocks noGrp="1" noChangeAspect="1"/>
+          </p:cNvPicPr>
+          <p:nvPr>
+            <p:ph idx="1"/>
+          </p:nvPr>
+        </p:nvPicPr>
+        <p:blipFill>
+          <a:blip r:embed="rId2"/>
+          <a:stretch>
+            <a:fillRect/>
+          </a:stretch>
+        </p:blipFill>
+        <p:spPr>
+          <a:xfrm>
+            <a:off x="677690" y="2071063"/>
+            <a:ext cx="8596312" cy="2856538"/>
+          </a:xfrm>
+          <a:prstGeom prst="rect">
+            <a:avLst/>
+          </a:prstGeom>
+        </p:spPr>
+      </p:pic>
+    </p:spTree>
+    <p:extLst>
+      <p:ext uri="{BB962C8B-B14F-4D97-AF65-F5344CB8AC3E}">
+        <p14:creationId xmlns:p14="http://schemas.microsoft.com/office/powerpoint/2010/main" val="3062661303"/>
+      </p:ext>
+    </p:extLst>
+  </p:cSld>
+  <p:clrMapOvr>
+    <a:masterClrMapping/>
+  </p:clrMapOvr>
+</p:sld>
+</file>
+
+<file path=ppt/slides/slide7.xml><?xml version="1.0" encoding="utf-8"?>
+<p:sld xmlns:a="http://schemas.openxmlformats.org/drawingml/2006/main" xmlns:r="http://schemas.openxmlformats.org/officeDocument/2006/relationships" xmlns:p="http://schemas.openxmlformats.org/presentationml/2006/main">
+  <p:cSld>
     <p:bg>
       <p:bgPr>
         <a:solidFill>
@@ -12803,7 +14983,7 @@
 </p:sld>
 </file>
 
-<file path=ppt/slides/slide7.xml><?xml version="1.0" encoding="utf-8"?>
+<file path=ppt/slides/slide8.xml><?xml version="1.0" encoding="utf-8"?>
 <p:sld xmlns:a="http://schemas.openxmlformats.org/drawingml/2006/main" xmlns:r="http://schemas.openxmlformats.org/officeDocument/2006/relationships" xmlns:p="http://schemas.openxmlformats.org/presentationml/2006/main">
   <p:cSld>
     <p:spTree>
@@ -12822,10 +15002,47 @@
       </p:grpSpPr>
       <p:sp>
         <p:nvSpPr>
-          <p:cNvPr id="3" name="Espace réservé du contenu 2">
+          <p:cNvPr id="2" name="Titre 1">
             <a:extLst>
               <a:ext uri="{FF2B5EF4-FFF2-40B4-BE49-F238E27FC236}">
-                <a16:creationId xmlns:a16="http://schemas.microsoft.com/office/drawing/2014/main" id="{7AF902F3-9937-4DB7-AC73-46E736BF1E98}"/>
+                <a16:creationId xmlns:a16="http://schemas.microsoft.com/office/drawing/2014/main" id="{52464457-C548-4C11-937B-D5CE18637792}"/>
+              </a:ext>
+            </a:extLst>
+          </p:cNvPr>
+          <p:cNvSpPr>
+            <a:spLocks noGrp="1"/>
+          </p:cNvSpPr>
+          <p:nvPr>
+            <p:ph type="title"/>
+          </p:nvPr>
+        </p:nvSpPr>
+        <p:spPr>
+          <a:xfrm>
+            <a:off x="143436" y="914632"/>
+            <a:ext cx="8596668" cy="1320800"/>
+          </a:xfrm>
+        </p:spPr>
+        <p:txBody>
+          <a:bodyPr/>
+          <a:lstStyle/>
+          <a:p>
+            <a:r>
+              <a:rPr lang="fr-FR" dirty="0"/>
+              <a:t>Connexion du pavé numérique</a:t>
+            </a:r>
+            <a:br>
+              <a:rPr lang="fr-FR" dirty="0"/>
+            </a:br>
+            <a:endParaRPr lang="fr-FR" dirty="0"/>
+          </a:p>
+        </p:txBody>
+      </p:sp>
+      <p:sp>
+        <p:nvSpPr>
+          <p:cNvPr id="4" name="Espace réservé du contenu 2">
+            <a:extLst>
+              <a:ext uri="{FF2B5EF4-FFF2-40B4-BE49-F238E27FC236}">
+                <a16:creationId xmlns:a16="http://schemas.microsoft.com/office/drawing/2014/main" id="{1FA1AE2A-B082-496C-A1E0-46A52A5F4400}"/>
               </a:ext>
             </a:extLst>
           </p:cNvPr>
@@ -12838,48 +15055,77 @@
         </p:nvSpPr>
         <p:spPr>
           <a:xfrm>
-            <a:off x="677333" y="2160589"/>
-            <a:ext cx="3458439" cy="3880773"/>
+            <a:off x="677334" y="1930400"/>
+            <a:ext cx="3711257" cy="3881437"/>
           </a:xfrm>
         </p:spPr>
         <p:txBody>
           <a:bodyPr/>
           <a:lstStyle/>
           <a:p>
-            <a:pPr marL="0" indent="0">
-              <a:buNone/>
+            <a:pPr>
+              <a:buClr>
+                <a:schemeClr val="accent4"/>
+              </a:buClr>
+              <a:buFont typeface="Wingdings" panose="05000000000000000000" pitchFamily="2" charset="2"/>
+              <a:buChar char="Ø"/>
             </a:pPr>
             <a:r>
-              <a:rPr lang="fr-FR" sz="2000" u="sng" dirty="0"/>
-              <a:t>Connexion des composants :</a:t>
+              <a:rPr lang="fr-FR" dirty="0"/>
+              <a:t>Câblage du pavé numérique</a:t>
             </a:r>
           </a:p>
           <a:p>
             <a:pPr marL="0" indent="0">
               <a:buNone/>
             </a:pPr>
-            <a:endParaRPr lang="fr-FR" sz="2000" u="sng" dirty="0"/>
-          </a:p>
-          <a:p>
             <a:r>
               <a:rPr lang="fr-FR" dirty="0"/>
-              <a:t>Câbler les composants sur l'Arduino.</a:t>
+              <a:t> </a:t>
             </a:r>
           </a:p>
           <a:p>
-            <a:r>
-              <a:rPr lang="fr-FR" dirty="0"/>
-              <a:t>Coder le programme de connexion sur l’Arduino avec les librairies correspondantes.</a:t>
-            </a:r>
-          </a:p>
-        </p:txBody>
-      </p:sp>
-      <p:sp>
-        <p:nvSpPr>
-          <p:cNvPr id="4" name="Titre 1">
+            <a:endParaRPr lang="fr-FR" dirty="0"/>
+          </a:p>
+          <a:p>
+            <a:endParaRPr lang="fr-FR" dirty="0"/>
+          </a:p>
+        </p:txBody>
+      </p:sp>
+      <p:pic>
+        <p:nvPicPr>
+          <p:cNvPr id="5" name="Image 4">
             <a:extLst>
               <a:ext uri="{FF2B5EF4-FFF2-40B4-BE49-F238E27FC236}">
-                <a16:creationId xmlns:a16="http://schemas.microsoft.com/office/drawing/2014/main" id="{BCD23E67-4CEA-4EF2-A1F5-BF44ED402977}"/>
+                <a16:creationId xmlns:a16="http://schemas.microsoft.com/office/drawing/2014/main" id="{BC29CBE0-F8EC-4217-A56C-BCEB6B74CB77}"/>
+              </a:ext>
+            </a:extLst>
+          </p:cNvPr>
+          <p:cNvPicPr/>
+          <p:nvPr/>
+        </p:nvPicPr>
+        <p:blipFill>
+          <a:blip r:embed="rId2"/>
+          <a:stretch>
+            <a:fillRect/>
+          </a:stretch>
+        </p:blipFill>
+        <p:spPr>
+          <a:xfrm>
+            <a:off x="870717" y="2540464"/>
+            <a:ext cx="3481388" cy="3840797"/>
+          </a:xfrm>
+          <a:prstGeom prst="rect">
+            <a:avLst/>
+          </a:prstGeom>
+        </p:spPr>
+      </p:pic>
+      <p:sp>
+        <p:nvSpPr>
+          <p:cNvPr id="6" name="Espace réservé du contenu 2">
+            <a:extLst>
+              <a:ext uri="{FF2B5EF4-FFF2-40B4-BE49-F238E27FC236}">
+                <a16:creationId xmlns:a16="http://schemas.microsoft.com/office/drawing/2014/main" id="{283A3324-3406-4F47-8935-BF75427E0CC2}"/>
               </a:ext>
             </a:extLst>
           </p:cNvPr>
@@ -12890,103 +15136,276 @@
         </p:nvSpPr>
         <p:spPr>
           <a:xfrm>
-            <a:off x="677333" y="568326"/>
-            <a:ext cx="5921049" cy="1320800"/>
+            <a:off x="4348293" y="1949704"/>
+            <a:ext cx="6466904" cy="4351338"/>
           </a:xfrm>
           <a:prstGeom prst="rect">
             <a:avLst/>
           </a:prstGeom>
         </p:spPr>
         <p:txBody>
-          <a:bodyPr vert="horz" lIns="91440" tIns="45720" rIns="91440" bIns="45720" rtlCol="0" anchor="ctr">
+          <a:bodyPr vert="horz" lIns="91440" tIns="45720" rIns="91440" bIns="45720" rtlCol="0">
             <a:normAutofit/>
           </a:bodyPr>
           <a:lstStyle>
-            <a:lvl1pPr algn="l" defTabSz="457200" rtl="0" eaLnBrk="1" latinLnBrk="0" hangingPunct="1">
+            <a:lvl1pPr marL="228600" indent="-228600" algn="l" defTabSz="914400" rtl="0" eaLnBrk="1" latinLnBrk="0" hangingPunct="1">
+              <a:lnSpc>
+                <a:spcPct val="90000"/>
+              </a:lnSpc>
               <a:spcBef>
-                <a:spcPct val="0"/>
+                <a:spcPts val="1000"/>
               </a:spcBef>
-              <a:buNone/>
-              <a:defRPr sz="3600" kern="1200">
-                <a:solidFill>
-                  <a:schemeClr val="accent1"/>
-                </a:solidFill>
-                <a:latin typeface="+mj-lt"/>
-                <a:ea typeface="+mj-ea"/>
-                <a:cs typeface="+mj-cs"/>
+              <a:buFont typeface="Arial" panose="020B0604020202020204" pitchFamily="34" charset="0"/>
+              <a:buChar char="•"/>
+              <a:defRPr sz="2800" kern="1200">
+                <a:solidFill>
+                  <a:schemeClr val="tx1"/>
+                </a:solidFill>
+                <a:latin typeface="+mn-lt"/>
+                <a:ea typeface="+mn-ea"/>
+                <a:cs typeface="+mn-cs"/>
               </a:defRPr>
             </a:lvl1pPr>
-            <a:lvl2pPr eaLnBrk="1" hangingPunct="1">
-              <a:defRPr>
-                <a:solidFill>
-                  <a:schemeClr val="tx2"/>
-                </a:solidFill>
+            <a:lvl2pPr marL="685800" indent="-228600" algn="l" defTabSz="914400" rtl="0" eaLnBrk="1" latinLnBrk="0" hangingPunct="1">
+              <a:lnSpc>
+                <a:spcPct val="90000"/>
+              </a:lnSpc>
+              <a:spcBef>
+                <a:spcPts val="500"/>
+              </a:spcBef>
+              <a:buFont typeface="Arial" panose="020B0604020202020204" pitchFamily="34" charset="0"/>
+              <a:buChar char="•"/>
+              <a:defRPr sz="2400" kern="1200">
+                <a:solidFill>
+                  <a:schemeClr val="tx1"/>
+                </a:solidFill>
+                <a:latin typeface="+mn-lt"/>
+                <a:ea typeface="+mn-ea"/>
+                <a:cs typeface="+mn-cs"/>
               </a:defRPr>
             </a:lvl2pPr>
-            <a:lvl3pPr eaLnBrk="1" hangingPunct="1">
-              <a:defRPr>
-                <a:solidFill>
-                  <a:schemeClr val="tx2"/>
-                </a:solidFill>
+            <a:lvl3pPr marL="1143000" indent="-228600" algn="l" defTabSz="914400" rtl="0" eaLnBrk="1" latinLnBrk="0" hangingPunct="1">
+              <a:lnSpc>
+                <a:spcPct val="90000"/>
+              </a:lnSpc>
+              <a:spcBef>
+                <a:spcPts val="500"/>
+              </a:spcBef>
+              <a:buFont typeface="Arial" panose="020B0604020202020204" pitchFamily="34" charset="0"/>
+              <a:buChar char="•"/>
+              <a:defRPr sz="2000" kern="1200">
+                <a:solidFill>
+                  <a:schemeClr val="tx1"/>
+                </a:solidFill>
+                <a:latin typeface="+mn-lt"/>
+                <a:ea typeface="+mn-ea"/>
+                <a:cs typeface="+mn-cs"/>
               </a:defRPr>
             </a:lvl3pPr>
-            <a:lvl4pPr eaLnBrk="1" hangingPunct="1">
-              <a:defRPr>
-                <a:solidFill>
-                  <a:schemeClr val="tx2"/>
-                </a:solidFill>
+            <a:lvl4pPr marL="1600200" indent="-228600" algn="l" defTabSz="914400" rtl="0" eaLnBrk="1" latinLnBrk="0" hangingPunct="1">
+              <a:lnSpc>
+                <a:spcPct val="90000"/>
+              </a:lnSpc>
+              <a:spcBef>
+                <a:spcPts val="500"/>
+              </a:spcBef>
+              <a:buFont typeface="Arial" panose="020B0604020202020204" pitchFamily="34" charset="0"/>
+              <a:buChar char="•"/>
+              <a:defRPr sz="1800" kern="1200">
+                <a:solidFill>
+                  <a:schemeClr val="tx1"/>
+                </a:solidFill>
+                <a:latin typeface="+mn-lt"/>
+                <a:ea typeface="+mn-ea"/>
+                <a:cs typeface="+mn-cs"/>
               </a:defRPr>
             </a:lvl4pPr>
-            <a:lvl5pPr eaLnBrk="1" hangingPunct="1">
-              <a:defRPr>
-                <a:solidFill>
-                  <a:schemeClr val="tx2"/>
-                </a:solidFill>
+            <a:lvl5pPr marL="2057400" indent="-228600" algn="l" defTabSz="914400" rtl="0" eaLnBrk="1" latinLnBrk="0" hangingPunct="1">
+              <a:lnSpc>
+                <a:spcPct val="90000"/>
+              </a:lnSpc>
+              <a:spcBef>
+                <a:spcPts val="500"/>
+              </a:spcBef>
+              <a:buFont typeface="Arial" panose="020B0604020202020204" pitchFamily="34" charset="0"/>
+              <a:buChar char="•"/>
+              <a:defRPr sz="1800" kern="1200">
+                <a:solidFill>
+                  <a:schemeClr val="tx1"/>
+                </a:solidFill>
+                <a:latin typeface="+mn-lt"/>
+                <a:ea typeface="+mn-ea"/>
+                <a:cs typeface="+mn-cs"/>
               </a:defRPr>
             </a:lvl5pPr>
-            <a:lvl6pPr eaLnBrk="1" hangingPunct="1">
-              <a:defRPr>
-                <a:solidFill>
-                  <a:schemeClr val="tx2"/>
-                </a:solidFill>
+            <a:lvl6pPr marL="2514600" indent="-228600" algn="l" defTabSz="914400" rtl="0" eaLnBrk="1" latinLnBrk="0" hangingPunct="1">
+              <a:lnSpc>
+                <a:spcPct val="90000"/>
+              </a:lnSpc>
+              <a:spcBef>
+                <a:spcPts val="500"/>
+              </a:spcBef>
+              <a:buFont typeface="Arial" panose="020B0604020202020204" pitchFamily="34" charset="0"/>
+              <a:buChar char="•"/>
+              <a:defRPr sz="1800" kern="1200">
+                <a:solidFill>
+                  <a:schemeClr val="tx1"/>
+                </a:solidFill>
+                <a:latin typeface="+mn-lt"/>
+                <a:ea typeface="+mn-ea"/>
+                <a:cs typeface="+mn-cs"/>
               </a:defRPr>
             </a:lvl6pPr>
-            <a:lvl7pPr eaLnBrk="1" hangingPunct="1">
-              <a:defRPr>
-                <a:solidFill>
-                  <a:schemeClr val="tx2"/>
-                </a:solidFill>
+            <a:lvl7pPr marL="2971800" indent="-228600" algn="l" defTabSz="914400" rtl="0" eaLnBrk="1" latinLnBrk="0" hangingPunct="1">
+              <a:lnSpc>
+                <a:spcPct val="90000"/>
+              </a:lnSpc>
+              <a:spcBef>
+                <a:spcPts val="500"/>
+              </a:spcBef>
+              <a:buFont typeface="Arial" panose="020B0604020202020204" pitchFamily="34" charset="0"/>
+              <a:buChar char="•"/>
+              <a:defRPr sz="1800" kern="1200">
+                <a:solidFill>
+                  <a:schemeClr val="tx1"/>
+                </a:solidFill>
+                <a:latin typeface="+mn-lt"/>
+                <a:ea typeface="+mn-ea"/>
+                <a:cs typeface="+mn-cs"/>
               </a:defRPr>
             </a:lvl7pPr>
-            <a:lvl8pPr eaLnBrk="1" hangingPunct="1">
-              <a:defRPr>
-                <a:solidFill>
-                  <a:schemeClr val="tx2"/>
-                </a:solidFill>
+            <a:lvl8pPr marL="3429000" indent="-228600" algn="l" defTabSz="914400" rtl="0" eaLnBrk="1" latinLnBrk="0" hangingPunct="1">
+              <a:lnSpc>
+                <a:spcPct val="90000"/>
+              </a:lnSpc>
+              <a:spcBef>
+                <a:spcPts val="500"/>
+              </a:spcBef>
+              <a:buFont typeface="Arial" panose="020B0604020202020204" pitchFamily="34" charset="0"/>
+              <a:buChar char="•"/>
+              <a:defRPr sz="1800" kern="1200">
+                <a:solidFill>
+                  <a:schemeClr val="tx1"/>
+                </a:solidFill>
+                <a:latin typeface="+mn-lt"/>
+                <a:ea typeface="+mn-ea"/>
+                <a:cs typeface="+mn-cs"/>
               </a:defRPr>
             </a:lvl8pPr>
-            <a:lvl9pPr eaLnBrk="1" hangingPunct="1">
-              <a:defRPr>
-                <a:solidFill>
-                  <a:schemeClr val="tx2"/>
-                </a:solidFill>
+            <a:lvl9pPr marL="3886200" indent="-228600" algn="l" defTabSz="914400" rtl="0" eaLnBrk="1" latinLnBrk="0" hangingPunct="1">
+              <a:lnSpc>
+                <a:spcPct val="90000"/>
+              </a:lnSpc>
+              <a:spcBef>
+                <a:spcPts val="500"/>
+              </a:spcBef>
+              <a:buFont typeface="Arial" panose="020B0604020202020204" pitchFamily="34" charset="0"/>
+              <a:buChar char="•"/>
+              <a:defRPr sz="1800" kern="1200">
+                <a:solidFill>
+                  <a:schemeClr val="tx1"/>
+                </a:solidFill>
+                <a:latin typeface="+mn-lt"/>
+                <a:ea typeface="+mn-ea"/>
+                <a:cs typeface="+mn-cs"/>
               </a:defRPr>
             </a:lvl9pPr>
           </a:lstStyle>
           <a:p>
+            <a:pPr lvl="1">
+              <a:buClr>
+                <a:schemeClr val="accent4"/>
+              </a:buClr>
+              <a:buFont typeface="Wingdings" panose="05000000000000000000" pitchFamily="2" charset="2"/>
+              <a:buChar char="Ø"/>
+            </a:pPr>
             <a:r>
-              <a:rPr lang="fr-FR" dirty="0"/>
-              <a:t>Développement Arduino</a:t>
+              <a:rPr lang="fr-FR" sz="1800" dirty="0">
+                <a:solidFill>
+                  <a:schemeClr val="tx1">
+                    <a:lumMod val="75000"/>
+                    <a:lumOff val="25000"/>
+                  </a:schemeClr>
+                </a:solidFill>
+              </a:rPr>
+              <a:t>Code de connexion avec la bibliothèque &lt;</a:t>
             </a:r>
+            <a:r>
+              <a:rPr lang="fr-FR" sz="1800" dirty="0" err="1">
+                <a:solidFill>
+                  <a:schemeClr val="tx1">
+                    <a:lumMod val="75000"/>
+                    <a:lumOff val="25000"/>
+                  </a:schemeClr>
+                </a:solidFill>
+              </a:rPr>
+              <a:t>Keypad.h</a:t>
+            </a:r>
+            <a:r>
+              <a:rPr lang="fr-FR" sz="1800" dirty="0">
+                <a:solidFill>
+                  <a:schemeClr val="tx1">
+                    <a:lumMod val="75000"/>
+                    <a:lumOff val="25000"/>
+                  </a:schemeClr>
+                </a:solidFill>
+              </a:rPr>
+              <a:t>&gt;</a:t>
+            </a:r>
+          </a:p>
+          <a:p>
+            <a:endParaRPr lang="fr-FR" dirty="0"/>
+          </a:p>
+          <a:p>
+            <a:endParaRPr lang="fr-FR" dirty="0"/>
+          </a:p>
+          <a:p>
+            <a:endParaRPr lang="fr-FR" dirty="0"/>
+          </a:p>
+          <a:p>
+            <a:endParaRPr lang="fr-FR" dirty="0"/>
+          </a:p>
+          <a:p>
+            <a:endParaRPr lang="fr-FR" dirty="0"/>
           </a:p>
         </p:txBody>
       </p:sp>
       <p:pic>
         <p:nvPicPr>
-          <p:cNvPr id="7" name="Picture 2" descr="Image associée">
+          <p:cNvPr id="7" name="Image 6">
             <a:extLst>
               <a:ext uri="{FF2B5EF4-FFF2-40B4-BE49-F238E27FC236}">
-                <a16:creationId xmlns:a16="http://schemas.microsoft.com/office/drawing/2014/main" id="{B23DB64B-9248-4262-BD92-EE7F6FE67D5E}"/>
+                <a16:creationId xmlns:a16="http://schemas.microsoft.com/office/drawing/2014/main" id="{443BB8CF-31F0-470A-87AB-AA6A92CCA668}"/>
+              </a:ext>
+            </a:extLst>
+          </p:cNvPr>
+          <p:cNvPicPr>
+            <a:picLocks noChangeAspect="1"/>
+          </p:cNvPicPr>
+          <p:nvPr/>
+        </p:nvPicPr>
+        <p:blipFill>
+          <a:blip r:embed="rId3"/>
+          <a:stretch>
+            <a:fillRect/>
+          </a:stretch>
+        </p:blipFill>
+        <p:spPr>
+          <a:xfrm>
+            <a:off x="5081723" y="2540464"/>
+            <a:ext cx="4556054" cy="2799419"/>
+          </a:xfrm>
+          <a:prstGeom prst="rect">
+            <a:avLst/>
+          </a:prstGeom>
+        </p:spPr>
+      </p:pic>
+      <p:pic>
+        <p:nvPicPr>
+          <p:cNvPr id="8" name="Picture 2" descr="Image associée">
+            <a:extLst>
+              <a:ext uri="{FF2B5EF4-FFF2-40B4-BE49-F238E27FC236}">
+                <a16:creationId xmlns:a16="http://schemas.microsoft.com/office/drawing/2014/main" id="{4B20E71C-E7D2-49CF-9E2A-461F6DEFA0EC}"/>
               </a:ext>
             </a:extLst>
           </p:cNvPr>
@@ -12996,7 +15415,7 @@
           <p:nvPr/>
         </p:nvPicPr>
         <p:blipFill rotWithShape="1">
-          <a:blip r:embed="rId3">
+          <a:blip r:embed="rId4">
             <a:extLst>
               <a:ext uri="{28A0092B-C50C-407E-A947-70E740481C1C}">
                 <a14:useLocalDpi xmlns:a14="http://schemas.microsoft.com/office/drawing/2010/main" val="0"/>
@@ -13026,12 +15445,334 @@
           </a:extLst>
         </p:spPr>
       </p:pic>
-      <p:sp>
-        <p:nvSpPr>
-          <p:cNvPr id="8" name="Espace réservé du contenu 2">
+    </p:spTree>
+    <p:extLst>
+      <p:ext uri="{BB962C8B-B14F-4D97-AF65-F5344CB8AC3E}">
+        <p14:creationId xmlns:p14="http://schemas.microsoft.com/office/powerpoint/2010/main" val="1448785139"/>
+      </p:ext>
+    </p:extLst>
+  </p:cSld>
+  <p:clrMapOvr>
+    <a:masterClrMapping/>
+  </p:clrMapOvr>
+</p:sld>
+</file>
+
+<file path=ppt/slides/slide9.xml><?xml version="1.0" encoding="utf-8"?>
+<p:sld xmlns:a="http://schemas.openxmlformats.org/drawingml/2006/main" xmlns:r="http://schemas.openxmlformats.org/officeDocument/2006/relationships" xmlns:p="http://schemas.openxmlformats.org/presentationml/2006/main">
+  <p:cSld>
+    <p:spTree>
+      <p:nvGrpSpPr>
+        <p:cNvPr id="1" name=""/>
+        <p:cNvGrpSpPr/>
+        <p:nvPr/>
+      </p:nvGrpSpPr>
+      <p:grpSpPr>
+        <a:xfrm>
+          <a:off x="0" y="0"/>
+          <a:ext cx="0" cy="0"/>
+          <a:chOff x="0" y="0"/>
+          <a:chExt cx="0" cy="0"/>
+        </a:xfrm>
+      </p:grpSpPr>
+      <p:sp>
+        <p:nvSpPr>
+          <p:cNvPr id="2" name="Titre 1">
             <a:extLst>
               <a:ext uri="{FF2B5EF4-FFF2-40B4-BE49-F238E27FC236}">
-                <a16:creationId xmlns:a16="http://schemas.microsoft.com/office/drawing/2014/main" id="{989E1277-11F9-412A-948F-626C83E2E89F}"/>
+                <a16:creationId xmlns:a16="http://schemas.microsoft.com/office/drawing/2014/main" id="{C08AD442-B16F-476B-9790-6E67B56D2E21}"/>
+              </a:ext>
+            </a:extLst>
+          </p:cNvPr>
+          <p:cNvSpPr>
+            <a:spLocks noGrp="1"/>
+          </p:cNvSpPr>
+          <p:nvPr>
+            <p:ph type="title"/>
+          </p:nvPr>
+        </p:nvSpPr>
+        <p:spPr>
+          <a:xfrm>
+            <a:off x="367304" y="799292"/>
+            <a:ext cx="4890164" cy="728546"/>
+          </a:xfrm>
+        </p:spPr>
+        <p:txBody>
+          <a:bodyPr>
+            <a:normAutofit fontScale="90000"/>
+          </a:bodyPr>
+          <a:lstStyle/>
+          <a:p>
+            <a:r>
+              <a:rPr lang="fr-FR" dirty="0"/>
+              <a:t>Connexion de l’afficheur </a:t>
+            </a:r>
+            <a:br>
+              <a:rPr lang="fr-FR" dirty="0"/>
+            </a:br>
+            <a:endParaRPr lang="fr-FR" dirty="0"/>
+          </a:p>
+        </p:txBody>
+      </p:sp>
+      <p:sp>
+        <p:nvSpPr>
+          <p:cNvPr id="4" name="Espace réservé du contenu 2">
+            <a:extLst>
+              <a:ext uri="{FF2B5EF4-FFF2-40B4-BE49-F238E27FC236}">
+                <a16:creationId xmlns:a16="http://schemas.microsoft.com/office/drawing/2014/main" id="{9851E94F-E7E0-4881-A550-675FD40C88F1}"/>
+              </a:ext>
+            </a:extLst>
+          </p:cNvPr>
+          <p:cNvSpPr txBox="1">
+            <a:spLocks noGrp="1"/>
+          </p:cNvSpPr>
+          <p:nvPr>
+            <p:ph idx="1"/>
+          </p:nvPr>
+        </p:nvSpPr>
+        <p:spPr>
+          <a:xfrm>
+            <a:off x="440119" y="1730820"/>
+            <a:ext cx="4890164" cy="4404804"/>
+          </a:xfrm>
+          <a:prstGeom prst="rect">
+            <a:avLst/>
+          </a:prstGeom>
+        </p:spPr>
+        <p:txBody>
+          <a:bodyPr vert="horz" lIns="91440" tIns="45720" rIns="91440" bIns="45720" rtlCol="0">
+            <a:normAutofit/>
+          </a:bodyPr>
+          <a:lstStyle>
+            <a:lvl1pPr marL="228600" indent="-228600" algn="l" defTabSz="914400" rtl="0" eaLnBrk="1" latinLnBrk="0" hangingPunct="1">
+              <a:lnSpc>
+                <a:spcPct val="90000"/>
+              </a:lnSpc>
+              <a:spcBef>
+                <a:spcPts val="1000"/>
+              </a:spcBef>
+              <a:buFont typeface="Arial" panose="020B0604020202020204" pitchFamily="34" charset="0"/>
+              <a:buChar char="•"/>
+              <a:defRPr sz="2800" kern="1200">
+                <a:solidFill>
+                  <a:schemeClr val="tx1"/>
+                </a:solidFill>
+                <a:latin typeface="+mn-lt"/>
+                <a:ea typeface="+mn-ea"/>
+                <a:cs typeface="+mn-cs"/>
+              </a:defRPr>
+            </a:lvl1pPr>
+            <a:lvl2pPr marL="685800" indent="-228600" algn="l" defTabSz="914400" rtl="0" eaLnBrk="1" latinLnBrk="0" hangingPunct="1">
+              <a:lnSpc>
+                <a:spcPct val="90000"/>
+              </a:lnSpc>
+              <a:spcBef>
+                <a:spcPts val="500"/>
+              </a:spcBef>
+              <a:buFont typeface="Arial" panose="020B0604020202020204" pitchFamily="34" charset="0"/>
+              <a:buChar char="•"/>
+              <a:defRPr sz="2400" kern="1200">
+                <a:solidFill>
+                  <a:schemeClr val="tx1"/>
+                </a:solidFill>
+                <a:latin typeface="+mn-lt"/>
+                <a:ea typeface="+mn-ea"/>
+                <a:cs typeface="+mn-cs"/>
+              </a:defRPr>
+            </a:lvl2pPr>
+            <a:lvl3pPr marL="1143000" indent="-228600" algn="l" defTabSz="914400" rtl="0" eaLnBrk="1" latinLnBrk="0" hangingPunct="1">
+              <a:lnSpc>
+                <a:spcPct val="90000"/>
+              </a:lnSpc>
+              <a:spcBef>
+                <a:spcPts val="500"/>
+              </a:spcBef>
+              <a:buFont typeface="Arial" panose="020B0604020202020204" pitchFamily="34" charset="0"/>
+              <a:buChar char="•"/>
+              <a:defRPr sz="2000" kern="1200">
+                <a:solidFill>
+                  <a:schemeClr val="tx1"/>
+                </a:solidFill>
+                <a:latin typeface="+mn-lt"/>
+                <a:ea typeface="+mn-ea"/>
+                <a:cs typeface="+mn-cs"/>
+              </a:defRPr>
+            </a:lvl3pPr>
+            <a:lvl4pPr marL="1600200" indent="-228600" algn="l" defTabSz="914400" rtl="0" eaLnBrk="1" latinLnBrk="0" hangingPunct="1">
+              <a:lnSpc>
+                <a:spcPct val="90000"/>
+              </a:lnSpc>
+              <a:spcBef>
+                <a:spcPts val="500"/>
+              </a:spcBef>
+              <a:buFont typeface="Arial" panose="020B0604020202020204" pitchFamily="34" charset="0"/>
+              <a:buChar char="•"/>
+              <a:defRPr sz="1800" kern="1200">
+                <a:solidFill>
+                  <a:schemeClr val="tx1"/>
+                </a:solidFill>
+                <a:latin typeface="+mn-lt"/>
+                <a:ea typeface="+mn-ea"/>
+                <a:cs typeface="+mn-cs"/>
+              </a:defRPr>
+            </a:lvl4pPr>
+            <a:lvl5pPr marL="2057400" indent="-228600" algn="l" defTabSz="914400" rtl="0" eaLnBrk="1" latinLnBrk="0" hangingPunct="1">
+              <a:lnSpc>
+                <a:spcPct val="90000"/>
+              </a:lnSpc>
+              <a:spcBef>
+                <a:spcPts val="500"/>
+              </a:spcBef>
+              <a:buFont typeface="Arial" panose="020B0604020202020204" pitchFamily="34" charset="0"/>
+              <a:buChar char="•"/>
+              <a:defRPr sz="1800" kern="1200">
+                <a:solidFill>
+                  <a:schemeClr val="tx1"/>
+                </a:solidFill>
+                <a:latin typeface="+mn-lt"/>
+                <a:ea typeface="+mn-ea"/>
+                <a:cs typeface="+mn-cs"/>
+              </a:defRPr>
+            </a:lvl5pPr>
+            <a:lvl6pPr marL="2514600" indent="-228600" algn="l" defTabSz="914400" rtl="0" eaLnBrk="1" latinLnBrk="0" hangingPunct="1">
+              <a:lnSpc>
+                <a:spcPct val="90000"/>
+              </a:lnSpc>
+              <a:spcBef>
+                <a:spcPts val="500"/>
+              </a:spcBef>
+              <a:buFont typeface="Arial" panose="020B0604020202020204" pitchFamily="34" charset="0"/>
+              <a:buChar char="•"/>
+              <a:defRPr sz="1800" kern="1200">
+                <a:solidFill>
+                  <a:schemeClr val="tx1"/>
+                </a:solidFill>
+                <a:latin typeface="+mn-lt"/>
+                <a:ea typeface="+mn-ea"/>
+                <a:cs typeface="+mn-cs"/>
+              </a:defRPr>
+            </a:lvl6pPr>
+            <a:lvl7pPr marL="2971800" indent="-228600" algn="l" defTabSz="914400" rtl="0" eaLnBrk="1" latinLnBrk="0" hangingPunct="1">
+              <a:lnSpc>
+                <a:spcPct val="90000"/>
+              </a:lnSpc>
+              <a:spcBef>
+                <a:spcPts val="500"/>
+              </a:spcBef>
+              <a:buFont typeface="Arial" panose="020B0604020202020204" pitchFamily="34" charset="0"/>
+              <a:buChar char="•"/>
+              <a:defRPr sz="1800" kern="1200">
+                <a:solidFill>
+                  <a:schemeClr val="tx1"/>
+                </a:solidFill>
+                <a:latin typeface="+mn-lt"/>
+                <a:ea typeface="+mn-ea"/>
+                <a:cs typeface="+mn-cs"/>
+              </a:defRPr>
+            </a:lvl7pPr>
+            <a:lvl8pPr marL="3429000" indent="-228600" algn="l" defTabSz="914400" rtl="0" eaLnBrk="1" latinLnBrk="0" hangingPunct="1">
+              <a:lnSpc>
+                <a:spcPct val="90000"/>
+              </a:lnSpc>
+              <a:spcBef>
+                <a:spcPts val="500"/>
+              </a:spcBef>
+              <a:buFont typeface="Arial" panose="020B0604020202020204" pitchFamily="34" charset="0"/>
+              <a:buChar char="•"/>
+              <a:defRPr sz="1800" kern="1200">
+                <a:solidFill>
+                  <a:schemeClr val="tx1"/>
+                </a:solidFill>
+                <a:latin typeface="+mn-lt"/>
+                <a:ea typeface="+mn-ea"/>
+                <a:cs typeface="+mn-cs"/>
+              </a:defRPr>
+            </a:lvl8pPr>
+            <a:lvl9pPr marL="3886200" indent="-228600" algn="l" defTabSz="914400" rtl="0" eaLnBrk="1" latinLnBrk="0" hangingPunct="1">
+              <a:lnSpc>
+                <a:spcPct val="90000"/>
+              </a:lnSpc>
+              <a:spcBef>
+                <a:spcPts val="500"/>
+              </a:spcBef>
+              <a:buFont typeface="Arial" panose="020B0604020202020204" pitchFamily="34" charset="0"/>
+              <a:buChar char="•"/>
+              <a:defRPr sz="1800" kern="1200">
+                <a:solidFill>
+                  <a:schemeClr val="tx1"/>
+                </a:solidFill>
+                <a:latin typeface="+mn-lt"/>
+                <a:ea typeface="+mn-ea"/>
+                <a:cs typeface="+mn-cs"/>
+              </a:defRPr>
+            </a:lvl9pPr>
+          </a:lstStyle>
+          <a:p>
+            <a:pPr>
+              <a:buClr>
+                <a:schemeClr val="accent4"/>
+              </a:buClr>
+              <a:buFont typeface="Wingdings" panose="05000000000000000000" pitchFamily="2" charset="2"/>
+              <a:buChar char="Ø"/>
+            </a:pPr>
+            <a:r>
+              <a:rPr lang="fr-FR" sz="1800" dirty="0"/>
+              <a:t>Connecter Ecran LCD</a:t>
+            </a:r>
+          </a:p>
+          <a:p>
+            <a:endParaRPr lang="fr-FR" dirty="0"/>
+          </a:p>
+          <a:p>
+            <a:endParaRPr lang="fr-FR" dirty="0"/>
+          </a:p>
+          <a:p>
+            <a:endParaRPr lang="fr-FR" dirty="0"/>
+          </a:p>
+          <a:p>
+            <a:endParaRPr lang="fr-FR" dirty="0"/>
+          </a:p>
+          <a:p>
+            <a:endParaRPr lang="fr-FR" dirty="0"/>
+          </a:p>
+          <a:p>
+            <a:pPr marL="0" indent="0">
+              <a:buNone/>
+            </a:pPr>
+            <a:endParaRPr lang="fr-FR" dirty="0"/>
+          </a:p>
+          <a:p>
+            <a:pPr>
+              <a:buClr>
+                <a:schemeClr val="accent4"/>
+              </a:buClr>
+              <a:buFont typeface="Wingdings" panose="05000000000000000000" pitchFamily="2" charset="2"/>
+              <a:buChar char="Ø"/>
+            </a:pPr>
+            <a:r>
+              <a:rPr lang="fr-FR" sz="1800" dirty="0"/>
+              <a:t>Affichage de l’énigme sur l’</a:t>
+            </a:r>
+            <a:r>
+              <a:rPr lang="fr-FR" sz="1800" dirty="0" err="1"/>
+              <a:t>ecran</a:t>
+            </a:r>
+            <a:r>
+              <a:rPr lang="fr-FR" sz="1800" dirty="0"/>
+              <a:t> quand le code est bon</a:t>
+            </a:r>
+          </a:p>
+          <a:p>
+            <a:endParaRPr lang="fr-FR" dirty="0"/>
+          </a:p>
+        </p:txBody>
+      </p:sp>
+      <p:sp>
+        <p:nvSpPr>
+          <p:cNvPr id="5" name="Espace réservé du contenu 2">
+            <a:extLst>
+              <a:ext uri="{FF2B5EF4-FFF2-40B4-BE49-F238E27FC236}">
+                <a16:creationId xmlns:a16="http://schemas.microsoft.com/office/drawing/2014/main" id="{4EA4B949-06FA-4096-83AB-E011A5F55242}"/>
               </a:ext>
             </a:extLst>
           </p:cNvPr>
@@ -13042,8 +15783,8 @@
         </p:nvSpPr>
         <p:spPr>
           <a:xfrm>
-            <a:off x="5150063" y="2072104"/>
-            <a:ext cx="4329497" cy="3880773"/>
+            <a:off x="5499627" y="1703834"/>
+            <a:ext cx="5257800" cy="4351338"/>
           </a:xfrm>
           <a:prstGeom prst="rect">
             <a:avLst/>
@@ -13281,735 +16022,150 @@
             </a:lvl9pPr>
           </a:lstStyle>
           <a:p>
-            <a:pPr marL="0" indent="0">
-              <a:buNone/>
-            </a:pPr>
-            <a:r>
-              <a:rPr lang="fr-FR" sz="2000" u="sng" dirty="0"/>
-              <a:t>Afficher l’énigme et activer le buzzer :</a:t>
-            </a:r>
-          </a:p>
-          <a:p>
-            <a:pPr marL="0" indent="0">
-              <a:buNone/>
-            </a:pPr>
-            <a:endParaRPr lang="fr-FR" sz="2000" u="sng" dirty="0"/>
-          </a:p>
-          <a:p>
             <a:pPr>
               <a:buClr>
                 <a:schemeClr val="accent4"/>
               </a:buClr>
+              <a:buFont typeface="Wingdings" panose="05000000000000000000" pitchFamily="2" charset="2"/>
+              <a:buChar char="Ø"/>
             </a:pPr>
             <a:r>
               <a:rPr lang="fr-FR" dirty="0"/>
-              <a:t>Coder sur l'Arduino le programme permettant d’activer le buzzer et d’afficher l’énigme sur l’écran LCD. </a:t>
+              <a:t>Code de connexion avec librairie "</a:t>
             </a:r>
-          </a:p>
-          <a:p>
-            <a:pPr>
-              <a:buClr>
-                <a:schemeClr val="accent4"/>
-              </a:buClr>
-            </a:pPr>
+            <a:r>
+              <a:rPr lang="fr-FR" dirty="0" err="1"/>
+              <a:t>LiquidCrystal.h</a:t>
+            </a:r>
             <a:r>
               <a:rPr lang="fr-FR" dirty="0"/>
-              <a:t>Fonction permettant de vérifié le code du pavé numérique.</a:t>
+              <a:t>"  </a:t>
             </a:r>
           </a:p>
-        </p:txBody>
-      </p:sp>
-      <p:sp>
-        <p:nvSpPr>
-          <p:cNvPr id="16" name="Organigramme : Terminateur 15">
+          <a:p>
+            <a:endParaRPr lang="fr-FR" dirty="0"/>
+          </a:p>
+        </p:txBody>
+      </p:sp>
+      <p:pic>
+        <p:nvPicPr>
+          <p:cNvPr id="6" name="Image 5">
             <a:extLst>
               <a:ext uri="{FF2B5EF4-FFF2-40B4-BE49-F238E27FC236}">
-                <a16:creationId xmlns:a16="http://schemas.microsoft.com/office/drawing/2014/main" id="{41FDEEF8-9A75-4299-8AD1-68DEF044FA12}"/>
+                <a16:creationId xmlns:a16="http://schemas.microsoft.com/office/drawing/2014/main" id="{347D77F9-F00E-4AF1-BE02-1057BAD09A07}"/>
               </a:ext>
             </a:extLst>
           </p:cNvPr>
-          <p:cNvSpPr/>
+          <p:cNvPicPr>
+            <a:picLocks noChangeAspect="1"/>
+          </p:cNvPicPr>
           <p:nvPr/>
-        </p:nvSpPr>
+        </p:nvPicPr>
+        <p:blipFill>
+          <a:blip r:embed="rId2"/>
+          <a:stretch>
+            <a:fillRect/>
+          </a:stretch>
+        </p:blipFill>
         <p:spPr>
           <a:xfrm>
-            <a:off x="11349562" y="1532114"/>
-            <a:ext cx="358260" cy="85725"/>
-          </a:xfrm>
-          <a:prstGeom prst="flowChartTerminator">
-            <a:avLst/>
-          </a:prstGeom>
-          <a:solidFill>
-            <a:srgbClr val="A8135A"/>
-          </a:solidFill>
-          <a:ln>
-            <a:solidFill>
-              <a:schemeClr val="bg1"/>
-            </a:solidFill>
-          </a:ln>
-        </p:spPr>
-        <p:style>
-          <a:lnRef idx="2">
-            <a:schemeClr val="accent1">
-              <a:shade val="50000"/>
-            </a:schemeClr>
-          </a:lnRef>
-          <a:fillRef idx="1">
-            <a:schemeClr val="accent1"/>
-          </a:fillRef>
-          <a:effectRef idx="0">
-            <a:schemeClr val="accent1"/>
-          </a:effectRef>
-          <a:fontRef idx="minor">
-            <a:schemeClr val="lt1"/>
-          </a:fontRef>
-        </p:style>
-        <p:txBody>
-          <a:bodyPr rtlCol="0" anchor="ctr"/>
-          <a:lstStyle/>
-          <a:p>
-            <a:pPr marL="0" marR="0" lvl="0" indent="0" algn="ctr" defTabSz="457200" rtl="0" eaLnBrk="1" fontAlgn="auto" latinLnBrk="0" hangingPunct="1">
-              <a:lnSpc>
-                <a:spcPct val="100000"/>
-              </a:lnSpc>
-              <a:spcBef>
-                <a:spcPts val="0"/>
-              </a:spcBef>
-              <a:spcAft>
-                <a:spcPts val="0"/>
-              </a:spcAft>
-              <a:buClrTx/>
-              <a:buSzTx/>
-              <a:buFontTx/>
-              <a:buNone/>
-              <a:tabLst/>
-              <a:defRPr/>
-            </a:pPr>
-            <a:endParaRPr kumimoji="0" lang="fr-FR" sz="1800" b="0" i="0" u="none" strike="noStrike" kern="1200" cap="none" spc="0" normalizeH="0" baseline="0" noProof="0" dirty="0">
-              <a:ln>
-                <a:noFill/>
-              </a:ln>
-              <a:solidFill>
-                <a:prstClr val="white"/>
-              </a:solidFill>
-              <a:effectLst/>
-              <a:uLnTx/>
-              <a:uFillTx/>
-              <a:latin typeface="Trebuchet MS" panose="020B0603020202020204"/>
-              <a:ea typeface="+mn-ea"/>
-              <a:cs typeface="+mn-cs"/>
-            </a:endParaRPr>
-          </a:p>
-        </p:txBody>
-      </p:sp>
-      <p:sp>
-        <p:nvSpPr>
-          <p:cNvPr id="17" name="Rectangle 16">
-            <a:extLst>
-              <a:ext uri="{FF2B5EF4-FFF2-40B4-BE49-F238E27FC236}">
-                <a16:creationId xmlns:a16="http://schemas.microsoft.com/office/drawing/2014/main" id="{7A4B9DD9-0780-4E42-BB36-A4FFFC19FD9F}"/>
-              </a:ext>
-            </a:extLst>
-          </p:cNvPr>
-          <p:cNvSpPr/>
-          <p:nvPr/>
-        </p:nvSpPr>
-        <p:spPr>
-          <a:xfrm>
-            <a:off x="11603047" y="770674"/>
-            <a:ext cx="104775" cy="5614778"/>
+            <a:off x="5226968" y="2568147"/>
+            <a:ext cx="4401664" cy="2461053"/>
           </a:xfrm>
           <a:prstGeom prst="rect">
             <a:avLst/>
           </a:prstGeom>
-          <a:solidFill>
-            <a:schemeClr val="bg1"/>
-          </a:solidFill>
-          <a:ln>
-            <a:solidFill>
-              <a:schemeClr val="bg1"/>
-            </a:solidFill>
-          </a:ln>
         </p:spPr>
-        <p:style>
-          <a:lnRef idx="2">
-            <a:schemeClr val="accent1">
-              <a:shade val="50000"/>
-            </a:schemeClr>
-          </a:lnRef>
-          <a:fillRef idx="1">
-            <a:schemeClr val="accent1"/>
-          </a:fillRef>
-          <a:effectRef idx="0">
-            <a:schemeClr val="accent1"/>
-          </a:effectRef>
-          <a:fontRef idx="minor">
-            <a:schemeClr val="lt1"/>
-          </a:fontRef>
-        </p:style>
-        <p:txBody>
-          <a:bodyPr rtlCol="0" anchor="ctr"/>
-          <a:lstStyle/>
-          <a:p>
-            <a:pPr marL="0" marR="0" lvl="0" indent="0" algn="ctr" defTabSz="457200" rtl="0" eaLnBrk="1" fontAlgn="auto" latinLnBrk="0" hangingPunct="1">
-              <a:lnSpc>
-                <a:spcPct val="100000"/>
-              </a:lnSpc>
-              <a:spcBef>
-                <a:spcPts val="0"/>
-              </a:spcBef>
-              <a:spcAft>
-                <a:spcPts val="0"/>
-              </a:spcAft>
-              <a:buClrTx/>
-              <a:buSzTx/>
-              <a:buFontTx/>
-              <a:buNone/>
-              <a:tabLst/>
-              <a:defRPr/>
-            </a:pPr>
-            <a:endParaRPr kumimoji="0" lang="fr-FR" sz="1800" b="0" i="0" u="none" strike="noStrike" kern="1200" cap="none" spc="0" normalizeH="0" baseline="0" noProof="0" dirty="0">
-              <a:ln>
-                <a:noFill/>
-              </a:ln>
-              <a:solidFill>
-                <a:prstClr val="white"/>
-              </a:solidFill>
-              <a:effectLst/>
-              <a:uLnTx/>
-              <a:uFillTx/>
-              <a:latin typeface="Trebuchet MS" panose="020B0603020202020204"/>
-              <a:ea typeface="+mn-ea"/>
-              <a:cs typeface="+mn-cs"/>
-            </a:endParaRPr>
-          </a:p>
-        </p:txBody>
-      </p:sp>
-      <p:sp>
-        <p:nvSpPr>
-          <p:cNvPr id="20" name="Organigramme : Terminateur 19">
+      </p:pic>
+      <p:pic>
+        <p:nvPicPr>
+          <p:cNvPr id="7" name="Image 6">
             <a:extLst>
               <a:ext uri="{FF2B5EF4-FFF2-40B4-BE49-F238E27FC236}">
-                <a16:creationId xmlns:a16="http://schemas.microsoft.com/office/drawing/2014/main" id="{8A2697BC-A7E2-43CB-ACEB-82F07B61B86A}"/>
+                <a16:creationId xmlns:a16="http://schemas.microsoft.com/office/drawing/2014/main" id="{1459C5C6-CB41-4C0D-8DFB-05145DEC6DD6}"/>
               </a:ext>
             </a:extLst>
           </p:cNvPr>
-          <p:cNvSpPr/>
+          <p:cNvPicPr/>
           <p:nvPr/>
-        </p:nvSpPr>
+        </p:nvPicPr>
+        <p:blipFill>
+          <a:blip r:embed="rId3">
+            <a:extLst>
+              <a:ext uri="{28A0092B-C50C-407E-A947-70E740481C1C}">
+                <a14:useLocalDpi xmlns:a14="http://schemas.microsoft.com/office/drawing/2010/main" val="0"/>
+              </a:ext>
+            </a:extLst>
+          </a:blip>
+          <a:stretch>
+            <a:fillRect/>
+          </a:stretch>
+        </p:blipFill>
         <p:spPr>
           <a:xfrm>
-            <a:off x="11349562" y="2365463"/>
-            <a:ext cx="267772" cy="85725"/>
-          </a:xfrm>
-          <a:prstGeom prst="flowChartTerminator">
-            <a:avLst/>
-          </a:prstGeom>
-          <a:solidFill>
-            <a:srgbClr val="A8135A"/>
-          </a:solidFill>
-          <a:ln>
-            <a:solidFill>
-              <a:schemeClr val="bg1"/>
-            </a:solidFill>
-          </a:ln>
-        </p:spPr>
-        <p:style>
-          <a:lnRef idx="2">
-            <a:schemeClr val="accent1">
-              <a:shade val="50000"/>
-            </a:schemeClr>
-          </a:lnRef>
-          <a:fillRef idx="1">
-            <a:schemeClr val="accent1"/>
-          </a:fillRef>
-          <a:effectRef idx="0">
-            <a:schemeClr val="accent1"/>
-          </a:effectRef>
-          <a:fontRef idx="minor">
-            <a:schemeClr val="lt1"/>
-          </a:fontRef>
-        </p:style>
-        <p:txBody>
-          <a:bodyPr rtlCol="0" anchor="ctr"/>
-          <a:lstStyle/>
-          <a:p>
-            <a:pPr marL="0" marR="0" lvl="0" indent="0" algn="ctr" defTabSz="457200" rtl="0" eaLnBrk="1" fontAlgn="auto" latinLnBrk="0" hangingPunct="1">
-              <a:lnSpc>
-                <a:spcPct val="100000"/>
-              </a:lnSpc>
-              <a:spcBef>
-                <a:spcPts val="0"/>
-              </a:spcBef>
-              <a:spcAft>
-                <a:spcPts val="0"/>
-              </a:spcAft>
-              <a:buClrTx/>
-              <a:buSzTx/>
-              <a:buFontTx/>
-              <a:buNone/>
-              <a:tabLst/>
-              <a:defRPr/>
-            </a:pPr>
-            <a:endParaRPr kumimoji="0" lang="fr-FR" sz="1800" b="0" i="0" u="none" strike="noStrike" kern="1200" cap="none" spc="0" normalizeH="0" baseline="0" noProof="0" dirty="0">
-              <a:ln>
-                <a:noFill/>
-              </a:ln>
-              <a:solidFill>
-                <a:prstClr val="white"/>
-              </a:solidFill>
-              <a:effectLst/>
-              <a:uLnTx/>
-              <a:uFillTx/>
-              <a:latin typeface="Trebuchet MS" panose="020B0603020202020204"/>
-              <a:ea typeface="+mn-ea"/>
-              <a:cs typeface="+mn-cs"/>
-            </a:endParaRPr>
-          </a:p>
-        </p:txBody>
-      </p:sp>
-      <p:sp>
-        <p:nvSpPr>
-          <p:cNvPr id="21" name="Rectangle 20">
-            <a:extLst>
-              <a:ext uri="{FF2B5EF4-FFF2-40B4-BE49-F238E27FC236}">
-                <a16:creationId xmlns:a16="http://schemas.microsoft.com/office/drawing/2014/main" id="{A2C9E07C-A9E8-4C22-9B58-1E9E02CA8E57}"/>
-              </a:ext>
-            </a:extLst>
-          </p:cNvPr>
-          <p:cNvSpPr/>
-          <p:nvPr/>
-        </p:nvSpPr>
-        <p:spPr>
-          <a:xfrm>
-            <a:off x="11603047" y="973022"/>
-            <a:ext cx="104775" cy="4979855"/>
+            <a:off x="392430" y="2235169"/>
+            <a:ext cx="4133850" cy="2186940"/>
           </a:xfrm>
           <a:prstGeom prst="rect">
             <a:avLst/>
           </a:prstGeom>
-          <a:solidFill>
-            <a:srgbClr val="A8135A"/>
-          </a:solidFill>
-          <a:ln>
-            <a:solidFill>
-              <a:schemeClr val="bg1"/>
-            </a:solidFill>
-          </a:ln>
         </p:spPr>
-        <p:style>
-          <a:lnRef idx="2">
-            <a:schemeClr val="accent1">
-              <a:shade val="50000"/>
-            </a:schemeClr>
-          </a:lnRef>
-          <a:fillRef idx="1">
-            <a:schemeClr val="accent1"/>
-          </a:fillRef>
-          <a:effectRef idx="0">
-            <a:schemeClr val="accent1"/>
-          </a:effectRef>
-          <a:fontRef idx="minor">
-            <a:schemeClr val="lt1"/>
-          </a:fontRef>
-        </p:style>
-        <p:txBody>
-          <a:bodyPr rtlCol="0" anchor="ctr"/>
-          <a:lstStyle/>
-          <a:p>
-            <a:pPr marL="0" marR="0" lvl="0" indent="0" algn="ctr" defTabSz="457200" rtl="0" eaLnBrk="1" fontAlgn="auto" latinLnBrk="0" hangingPunct="1">
-              <a:lnSpc>
-                <a:spcPct val="100000"/>
-              </a:lnSpc>
-              <a:spcBef>
-                <a:spcPts val="0"/>
-              </a:spcBef>
-              <a:spcAft>
-                <a:spcPts val="0"/>
-              </a:spcAft>
-              <a:buClrTx/>
-              <a:buSzTx/>
-              <a:buFontTx/>
-              <a:buNone/>
-              <a:tabLst/>
-              <a:defRPr/>
-            </a:pPr>
-            <a:endParaRPr kumimoji="0" lang="fr-FR" sz="1800" b="0" i="0" u="none" strike="noStrike" kern="1200" cap="none" spc="0" normalizeH="0" baseline="0" noProof="0">
-              <a:ln>
-                <a:noFill/>
-              </a:ln>
-              <a:solidFill>
-                <a:prstClr val="white"/>
-              </a:solidFill>
-              <a:effectLst/>
-              <a:uLnTx/>
-              <a:uFillTx/>
-              <a:latin typeface="Trebuchet MS" panose="020B0603020202020204"/>
-              <a:ea typeface="+mn-ea"/>
-              <a:cs typeface="+mn-cs"/>
-            </a:endParaRPr>
-          </a:p>
-        </p:txBody>
-      </p:sp>
-      <p:sp>
-        <p:nvSpPr>
-          <p:cNvPr id="22" name="Ellipse 21">
+      </p:pic>
+      <p:pic>
+        <p:nvPicPr>
+          <p:cNvPr id="8" name="Picture 2" descr="Image associée">
             <a:extLst>
               <a:ext uri="{FF2B5EF4-FFF2-40B4-BE49-F238E27FC236}">
-                <a16:creationId xmlns:a16="http://schemas.microsoft.com/office/drawing/2014/main" id="{95147BC9-ADEE-4627-BECE-807CBC77E0F7}"/>
+                <a16:creationId xmlns:a16="http://schemas.microsoft.com/office/drawing/2014/main" id="{1D2A2ED6-3334-446B-B7F9-4AEDA8226A7B}"/>
               </a:ext>
             </a:extLst>
           </p:cNvPr>
-          <p:cNvSpPr/>
+          <p:cNvPicPr>
+            <a:picLocks noChangeAspect="1" noChangeArrowheads="1"/>
+          </p:cNvPicPr>
           <p:nvPr/>
-        </p:nvSpPr>
-        <p:spPr>
-          <a:xfrm>
-            <a:off x="11373375" y="568326"/>
-            <a:ext cx="564118" cy="542925"/>
-          </a:xfrm>
-          <a:prstGeom prst="ellipse">
-            <a:avLst/>
-          </a:prstGeom>
-          <a:solidFill>
-            <a:srgbClr val="A8135A"/>
-          </a:solidFill>
-          <a:ln>
-            <a:solidFill>
-              <a:schemeClr val="bg1"/>
-            </a:solidFill>
-          </a:ln>
-        </p:spPr>
-        <p:style>
-          <a:lnRef idx="2">
-            <a:schemeClr val="accent1">
-              <a:shade val="50000"/>
-            </a:schemeClr>
-          </a:lnRef>
-          <a:fillRef idx="1">
-            <a:schemeClr val="accent1"/>
-          </a:fillRef>
-          <a:effectRef idx="0">
-            <a:schemeClr val="accent1"/>
-          </a:effectRef>
-          <a:fontRef idx="minor">
-            <a:schemeClr val="lt1"/>
-          </a:fontRef>
-        </p:style>
-        <p:txBody>
-          <a:bodyPr rtlCol="0" anchor="ctr"/>
-          <a:lstStyle/>
-          <a:p>
-            <a:pPr marL="0" marR="0" lvl="0" indent="0" algn="ctr" defTabSz="457200" rtl="0" eaLnBrk="1" fontAlgn="auto" latinLnBrk="0" hangingPunct="1">
-              <a:lnSpc>
-                <a:spcPct val="100000"/>
-              </a:lnSpc>
-              <a:spcBef>
-                <a:spcPts val="0"/>
-              </a:spcBef>
-              <a:spcAft>
-                <a:spcPts val="0"/>
-              </a:spcAft>
-              <a:buClrTx/>
-              <a:buSzTx/>
-              <a:buFontTx/>
-              <a:buNone/>
-              <a:tabLst/>
-              <a:defRPr/>
-            </a:pPr>
-            <a:endParaRPr kumimoji="0" lang="fr-FR" sz="1800" b="0" i="0" u="none" strike="noStrike" kern="1200" cap="none" spc="0" normalizeH="0" baseline="0" noProof="0">
-              <a:ln>
-                <a:noFill/>
-              </a:ln>
-              <a:solidFill>
-                <a:prstClr val="white"/>
-              </a:solidFill>
-              <a:effectLst/>
-              <a:uLnTx/>
-              <a:uFillTx/>
-              <a:latin typeface="Trebuchet MS" panose="020B0603020202020204"/>
-              <a:ea typeface="+mn-ea"/>
-              <a:cs typeface="+mn-cs"/>
-            </a:endParaRPr>
-          </a:p>
-        </p:txBody>
-      </p:sp>
-      <p:sp>
-        <p:nvSpPr>
-          <p:cNvPr id="23" name="ZoneTexte 22">
+        </p:nvPicPr>
+        <p:blipFill rotWithShape="1">
+          <a:blip r:embed="rId4">
             <a:extLst>
-              <a:ext uri="{FF2B5EF4-FFF2-40B4-BE49-F238E27FC236}">
-                <a16:creationId xmlns:a16="http://schemas.microsoft.com/office/drawing/2014/main" id="{5BBBBEC6-3E7D-4924-A672-32FBECB5BED8}"/>
+              <a:ext uri="{28A0092B-C50C-407E-A947-70E740481C1C}">
+                <a14:useLocalDpi xmlns:a14="http://schemas.microsoft.com/office/drawing/2010/main" val="0"/>
               </a:ext>
             </a:extLst>
-          </p:cNvPr>
-          <p:cNvSpPr txBox="1"/>
-          <p:nvPr/>
-        </p:nvSpPr>
-        <p:spPr>
+          </a:blip>
+          <a:srcRect l="18677" r="15441"/>
+          <a:stretch/>
+        </p:blipFill>
+        <p:spPr bwMode="auto">
           <a:xfrm>
-            <a:off x="9733045" y="5951767"/>
-            <a:ext cx="1667150" cy="584775"/>
+            <a:off x="143436" y="143435"/>
+            <a:ext cx="2269635" cy="609600"/>
           </a:xfrm>
           <a:prstGeom prst="rect">
             <a:avLst/>
           </a:prstGeom>
           <a:noFill/>
+          <a:extLst>
+            <a:ext uri="{909E8E84-426E-40DD-AFC4-6F175D3DCCD1}">
+              <a14:hiddenFill xmlns:a14="http://schemas.microsoft.com/office/drawing/2010/main">
+                <a:solidFill>
+                  <a:srgbClr val="FFFFFF"/>
+                </a:solidFill>
+              </a14:hiddenFill>
+            </a:ext>
+          </a:extLst>
         </p:spPr>
-        <p:txBody>
-          <a:bodyPr wrap="square" rtlCol="0">
-            <a:spAutoFit/>
-          </a:bodyPr>
-          <a:lstStyle/>
-          <a:p>
-            <a:pPr marL="0" marR="0" lvl="0" indent="0" algn="l" defTabSz="457200" rtl="0" eaLnBrk="1" fontAlgn="auto" latinLnBrk="0" hangingPunct="1">
-              <a:lnSpc>
-                <a:spcPct val="100000"/>
-              </a:lnSpc>
-              <a:spcBef>
-                <a:spcPts val="0"/>
-              </a:spcBef>
-              <a:spcAft>
-                <a:spcPts val="0"/>
-              </a:spcAft>
-              <a:buClrTx/>
-              <a:buSzTx/>
-              <a:buFontTx/>
-              <a:buNone/>
-              <a:tabLst/>
-              <a:defRPr/>
-            </a:pPr>
-            <a:r>
-              <a:rPr kumimoji="0" lang="fr-FR" sz="1600" b="0" i="0" u="none" strike="noStrike" kern="1200" cap="none" spc="0" normalizeH="0" baseline="0" noProof="0" dirty="0">
-                <a:ln>
-                  <a:noFill/>
-                </a:ln>
-                <a:solidFill>
-                  <a:prstClr val="black"/>
-                </a:solidFill>
-                <a:effectLst/>
-                <a:uLnTx/>
-                <a:uFillTx/>
-                <a:latin typeface="Trebuchet MS" panose="020B0603020202020204"/>
-                <a:ea typeface="+mn-ea"/>
-                <a:cs typeface="+mn-cs"/>
-              </a:rPr>
-              <a:t>Développement </a:t>
-            </a:r>
-            <a:r>
-              <a:rPr lang="fr-FR" sz="1600" dirty="0">
-                <a:solidFill>
-                  <a:prstClr val="black"/>
-                </a:solidFill>
-                <a:latin typeface="Trebuchet MS" panose="020B0603020202020204"/>
-              </a:rPr>
-              <a:t>Arduino</a:t>
-            </a:r>
-            <a:endParaRPr kumimoji="0" lang="fr-FR" sz="1600" b="0" i="0" u="none" strike="noStrike" kern="1200" cap="none" spc="0" normalizeH="0" baseline="0" noProof="0" dirty="0">
-              <a:ln>
-                <a:noFill/>
-              </a:ln>
-              <a:solidFill>
-                <a:prstClr val="black"/>
-              </a:solidFill>
-              <a:effectLst/>
-              <a:uLnTx/>
-              <a:uFillTx/>
-              <a:latin typeface="Trebuchet MS" panose="020B0603020202020204"/>
-              <a:ea typeface="+mn-ea"/>
-              <a:cs typeface="+mn-cs"/>
-            </a:endParaRPr>
-          </a:p>
-        </p:txBody>
-      </p:sp>
-      <p:sp>
-        <p:nvSpPr>
-          <p:cNvPr id="18" name="Ellipse 17">
-            <a:extLst>
-              <a:ext uri="{FF2B5EF4-FFF2-40B4-BE49-F238E27FC236}">
-                <a16:creationId xmlns:a16="http://schemas.microsoft.com/office/drawing/2014/main" id="{56EC6663-532F-4461-BF97-5FB79B299CFF}"/>
-              </a:ext>
-            </a:extLst>
-          </p:cNvPr>
-          <p:cNvSpPr/>
-          <p:nvPr/>
-        </p:nvSpPr>
-        <p:spPr>
-          <a:xfrm>
-            <a:off x="11373375" y="3218832"/>
-            <a:ext cx="564118" cy="542925"/>
-          </a:xfrm>
-          <a:prstGeom prst="ellipse">
-            <a:avLst/>
-          </a:prstGeom>
-          <a:solidFill>
-            <a:srgbClr val="A8135A"/>
-          </a:solidFill>
-          <a:ln>
-            <a:solidFill>
-              <a:schemeClr val="bg1"/>
-            </a:solidFill>
-          </a:ln>
-        </p:spPr>
-        <p:style>
-          <a:lnRef idx="2">
-            <a:schemeClr val="accent1">
-              <a:shade val="50000"/>
-            </a:schemeClr>
-          </a:lnRef>
-          <a:fillRef idx="1">
-            <a:schemeClr val="accent1"/>
-          </a:fillRef>
-          <a:effectRef idx="0">
-            <a:schemeClr val="accent1"/>
-          </a:effectRef>
-          <a:fontRef idx="minor">
-            <a:schemeClr val="lt1"/>
-          </a:fontRef>
-        </p:style>
-        <p:txBody>
-          <a:bodyPr rtlCol="0" anchor="ctr"/>
-          <a:lstStyle/>
-          <a:p>
-            <a:pPr marL="0" marR="0" lvl="0" indent="0" algn="ctr" defTabSz="457200" rtl="0" eaLnBrk="1" fontAlgn="auto" latinLnBrk="0" hangingPunct="1">
-              <a:lnSpc>
-                <a:spcPct val="100000"/>
-              </a:lnSpc>
-              <a:spcBef>
-                <a:spcPts val="0"/>
-              </a:spcBef>
-              <a:spcAft>
-                <a:spcPts val="0"/>
-              </a:spcAft>
-              <a:buClrTx/>
-              <a:buSzTx/>
-              <a:buFontTx/>
-              <a:buNone/>
-              <a:tabLst/>
-              <a:defRPr/>
-            </a:pPr>
-            <a:endParaRPr kumimoji="0" lang="fr-FR" sz="1800" b="0" i="0" u="none" strike="noStrike" kern="1200" cap="none" spc="0" normalizeH="0" baseline="0" noProof="0" dirty="0">
-              <a:ln>
-                <a:noFill/>
-              </a:ln>
-              <a:solidFill>
-                <a:prstClr val="white"/>
-              </a:solidFill>
-              <a:effectLst/>
-              <a:uLnTx/>
-              <a:uFillTx/>
-              <a:latin typeface="Trebuchet MS" panose="020B0603020202020204"/>
-              <a:ea typeface="+mn-ea"/>
-              <a:cs typeface="+mn-cs"/>
-            </a:endParaRPr>
-          </a:p>
-        </p:txBody>
-      </p:sp>
-      <p:sp>
-        <p:nvSpPr>
-          <p:cNvPr id="19" name="Ellipse 18">
-            <a:extLst>
-              <a:ext uri="{FF2B5EF4-FFF2-40B4-BE49-F238E27FC236}">
-                <a16:creationId xmlns:a16="http://schemas.microsoft.com/office/drawing/2014/main" id="{FEA445A8-208D-426C-92BF-3F8E1D9F5C39}"/>
-              </a:ext>
-            </a:extLst>
-          </p:cNvPr>
-          <p:cNvSpPr/>
-          <p:nvPr/>
-        </p:nvSpPr>
-        <p:spPr>
-          <a:xfrm>
-            <a:off x="11359088" y="5869338"/>
-            <a:ext cx="564118" cy="542925"/>
-          </a:xfrm>
-          <a:prstGeom prst="ellipse">
-            <a:avLst/>
-          </a:prstGeom>
-          <a:solidFill>
-            <a:srgbClr val="A8135A"/>
-          </a:solidFill>
-          <a:ln>
-            <a:solidFill>
-              <a:schemeClr val="bg1"/>
-            </a:solidFill>
-          </a:ln>
-        </p:spPr>
-        <p:style>
-          <a:lnRef idx="2">
-            <a:schemeClr val="accent1">
-              <a:shade val="50000"/>
-            </a:schemeClr>
-          </a:lnRef>
-          <a:fillRef idx="1">
-            <a:schemeClr val="accent1"/>
-          </a:fillRef>
-          <a:effectRef idx="0">
-            <a:schemeClr val="accent1"/>
-          </a:effectRef>
-          <a:fontRef idx="minor">
-            <a:schemeClr val="lt1"/>
-          </a:fontRef>
-        </p:style>
-        <p:txBody>
-          <a:bodyPr rtlCol="0" anchor="ctr"/>
-          <a:lstStyle/>
-          <a:p>
-            <a:pPr marL="0" marR="0" lvl="0" indent="0" algn="ctr" defTabSz="457200" rtl="0" eaLnBrk="1" fontAlgn="auto" latinLnBrk="0" hangingPunct="1">
-              <a:lnSpc>
-                <a:spcPct val="100000"/>
-              </a:lnSpc>
-              <a:spcBef>
-                <a:spcPts val="0"/>
-              </a:spcBef>
-              <a:spcAft>
-                <a:spcPts val="0"/>
-              </a:spcAft>
-              <a:buClrTx/>
-              <a:buSzTx/>
-              <a:buFontTx/>
-              <a:buNone/>
-              <a:tabLst/>
-              <a:defRPr/>
-            </a:pPr>
-            <a:endParaRPr kumimoji="0" lang="fr-FR" sz="1800" b="0" i="0" u="none" strike="noStrike" kern="1200" cap="none" spc="0" normalizeH="0" baseline="0" noProof="0">
-              <a:ln>
-                <a:noFill/>
-              </a:ln>
-              <a:solidFill>
-                <a:prstClr val="white"/>
-              </a:solidFill>
-              <a:effectLst/>
-              <a:uLnTx/>
-              <a:uFillTx/>
-              <a:latin typeface="Trebuchet MS" panose="020B0603020202020204"/>
-              <a:ea typeface="+mn-ea"/>
-              <a:cs typeface="+mn-cs"/>
-            </a:endParaRPr>
-          </a:p>
-        </p:txBody>
-      </p:sp>
+      </p:pic>
     </p:spTree>
     <p:extLst>
       <p:ext uri="{BB962C8B-B14F-4D97-AF65-F5344CB8AC3E}">
-        <p14:creationId xmlns:p14="http://schemas.microsoft.com/office/powerpoint/2010/main" val="2593474235"/>
+        <p14:creationId xmlns:p14="http://schemas.microsoft.com/office/powerpoint/2010/main" val="1607892895"/>
       </p:ext>
     </p:extLst>
   </p:cSld>
   <p:clrMapOvr>
     <a:masterClrMapping/>
   </p:clrMapOvr>
-  <mc:AlternateContent xmlns:mc="http://schemas.openxmlformats.org/markup-compatibility/2006" xmlns:p159="http://schemas.microsoft.com/office/powerpoint/2015/09/main">
-    <mc:Choice Requires="p159">
-      <p:transition xmlns:p14="http://schemas.microsoft.com/office/powerpoint/2010/main" spd="slow" p14:dur="2000">
-        <p159:morph option="byObject"/>
-      </p:transition>
-    </mc:Choice>
-    <mc:Fallback xmlns="">
-      <p:transition spd="slow">
-        <p:fade/>
-      </p:transition>
-    </mc:Fallback>
-  </mc:AlternateContent>
 </p:sld>
 </file>
 

--- a/Cyril/Diapositives/Projet Théléton.pptx
+++ b/Cyril/Diapositives/Projet Théléton.pptx
@@ -5,7 +5,7 @@
     <p:sldMasterId id="2147483660" r:id="rId1"/>
   </p:sldMasterIdLst>
   <p:notesMasterIdLst>
-    <p:notesMasterId r:id="rId13"/>
+    <p:notesMasterId r:id="rId14"/>
   </p:notesMasterIdLst>
   <p:sldIdLst>
     <p:sldId id="266" r:id="rId2"/>
@@ -13,12 +13,13 @@
     <p:sldId id="269" r:id="rId4"/>
     <p:sldId id="258" r:id="rId5"/>
     <p:sldId id="259" r:id="rId6"/>
-    <p:sldId id="271" r:id="rId7"/>
-    <p:sldId id="263" r:id="rId8"/>
-    <p:sldId id="264" r:id="rId9"/>
-    <p:sldId id="265" r:id="rId10"/>
-    <p:sldId id="273" r:id="rId11"/>
-    <p:sldId id="268" r:id="rId12"/>
+    <p:sldId id="274" r:id="rId7"/>
+    <p:sldId id="271" r:id="rId8"/>
+    <p:sldId id="263" r:id="rId9"/>
+    <p:sldId id="264" r:id="rId10"/>
+    <p:sldId id="265" r:id="rId11"/>
+    <p:sldId id="273" r:id="rId12"/>
+    <p:sldId id="268" r:id="rId13"/>
   </p:sldIdLst>
   <p:sldSz cx="12192000" cy="6858000"/>
   <p:notesSz cx="6858000" cy="9144000"/>
@@ -626,7 +627,7 @@
           <a:p>
             <a:fld id="{0EE03F40-5359-45BD-BFB3-41D3E922B839}" type="slidenum">
               <a:rPr lang="fr-FR" smtClean="0"/>
-              <a:t>7</a:t>
+              <a:t>8</a:t>
             </a:fld>
             <a:endParaRPr lang="fr-FR"/>
           </a:p>
@@ -710,7 +711,7 @@
           <a:p>
             <a:fld id="{0EE03F40-5359-45BD-BFB3-41D3E922B839}" type="slidenum">
               <a:rPr lang="fr-FR" smtClean="0"/>
-              <a:t>11</a:t>
+              <a:t>12</a:t>
             </a:fld>
             <a:endParaRPr lang="fr-FR"/>
           </a:p>
@@ -7941,6 +7942,717 @@
           <p:cNvPr id="2" name="Titre 1">
             <a:extLst>
               <a:ext uri="{FF2B5EF4-FFF2-40B4-BE49-F238E27FC236}">
+                <a16:creationId xmlns:a16="http://schemas.microsoft.com/office/drawing/2014/main" id="{C08AD442-B16F-476B-9790-6E67B56D2E21}"/>
+              </a:ext>
+            </a:extLst>
+          </p:cNvPr>
+          <p:cNvSpPr>
+            <a:spLocks noGrp="1"/>
+          </p:cNvSpPr>
+          <p:nvPr>
+            <p:ph type="title"/>
+          </p:nvPr>
+        </p:nvSpPr>
+        <p:spPr>
+          <a:xfrm>
+            <a:off x="367304" y="799292"/>
+            <a:ext cx="4890164" cy="728546"/>
+          </a:xfrm>
+        </p:spPr>
+        <p:txBody>
+          <a:bodyPr>
+            <a:normAutofit fontScale="90000"/>
+          </a:bodyPr>
+          <a:lstStyle/>
+          <a:p>
+            <a:r>
+              <a:rPr lang="fr-FR" dirty="0"/>
+              <a:t>Connexion de l’afficheur </a:t>
+            </a:r>
+            <a:br>
+              <a:rPr lang="fr-FR" dirty="0"/>
+            </a:br>
+            <a:endParaRPr lang="fr-FR" dirty="0"/>
+          </a:p>
+        </p:txBody>
+      </p:sp>
+      <p:sp>
+        <p:nvSpPr>
+          <p:cNvPr id="4" name="Espace réservé du contenu 2">
+            <a:extLst>
+              <a:ext uri="{FF2B5EF4-FFF2-40B4-BE49-F238E27FC236}">
+                <a16:creationId xmlns:a16="http://schemas.microsoft.com/office/drawing/2014/main" id="{9851E94F-E7E0-4881-A550-675FD40C88F1}"/>
+              </a:ext>
+            </a:extLst>
+          </p:cNvPr>
+          <p:cNvSpPr txBox="1">
+            <a:spLocks noGrp="1"/>
+          </p:cNvSpPr>
+          <p:nvPr>
+            <p:ph idx="1"/>
+          </p:nvPr>
+        </p:nvSpPr>
+        <p:spPr>
+          <a:xfrm>
+            <a:off x="440119" y="1730820"/>
+            <a:ext cx="4890164" cy="4404804"/>
+          </a:xfrm>
+          <a:prstGeom prst="rect">
+            <a:avLst/>
+          </a:prstGeom>
+        </p:spPr>
+        <p:txBody>
+          <a:bodyPr vert="horz" lIns="91440" tIns="45720" rIns="91440" bIns="45720" rtlCol="0">
+            <a:normAutofit/>
+          </a:bodyPr>
+          <a:lstStyle>
+            <a:lvl1pPr marL="228600" indent="-228600" algn="l" defTabSz="914400" rtl="0" eaLnBrk="1" latinLnBrk="0" hangingPunct="1">
+              <a:lnSpc>
+                <a:spcPct val="90000"/>
+              </a:lnSpc>
+              <a:spcBef>
+                <a:spcPts val="1000"/>
+              </a:spcBef>
+              <a:buFont typeface="Arial" panose="020B0604020202020204" pitchFamily="34" charset="0"/>
+              <a:buChar char="•"/>
+              <a:defRPr sz="2800" kern="1200">
+                <a:solidFill>
+                  <a:schemeClr val="tx1"/>
+                </a:solidFill>
+                <a:latin typeface="+mn-lt"/>
+                <a:ea typeface="+mn-ea"/>
+                <a:cs typeface="+mn-cs"/>
+              </a:defRPr>
+            </a:lvl1pPr>
+            <a:lvl2pPr marL="685800" indent="-228600" algn="l" defTabSz="914400" rtl="0" eaLnBrk="1" latinLnBrk="0" hangingPunct="1">
+              <a:lnSpc>
+                <a:spcPct val="90000"/>
+              </a:lnSpc>
+              <a:spcBef>
+                <a:spcPts val="500"/>
+              </a:spcBef>
+              <a:buFont typeface="Arial" panose="020B0604020202020204" pitchFamily="34" charset="0"/>
+              <a:buChar char="•"/>
+              <a:defRPr sz="2400" kern="1200">
+                <a:solidFill>
+                  <a:schemeClr val="tx1"/>
+                </a:solidFill>
+                <a:latin typeface="+mn-lt"/>
+                <a:ea typeface="+mn-ea"/>
+                <a:cs typeface="+mn-cs"/>
+              </a:defRPr>
+            </a:lvl2pPr>
+            <a:lvl3pPr marL="1143000" indent="-228600" algn="l" defTabSz="914400" rtl="0" eaLnBrk="1" latinLnBrk="0" hangingPunct="1">
+              <a:lnSpc>
+                <a:spcPct val="90000"/>
+              </a:lnSpc>
+              <a:spcBef>
+                <a:spcPts val="500"/>
+              </a:spcBef>
+              <a:buFont typeface="Arial" panose="020B0604020202020204" pitchFamily="34" charset="0"/>
+              <a:buChar char="•"/>
+              <a:defRPr sz="2000" kern="1200">
+                <a:solidFill>
+                  <a:schemeClr val="tx1"/>
+                </a:solidFill>
+                <a:latin typeface="+mn-lt"/>
+                <a:ea typeface="+mn-ea"/>
+                <a:cs typeface="+mn-cs"/>
+              </a:defRPr>
+            </a:lvl3pPr>
+            <a:lvl4pPr marL="1600200" indent="-228600" algn="l" defTabSz="914400" rtl="0" eaLnBrk="1" latinLnBrk="0" hangingPunct="1">
+              <a:lnSpc>
+                <a:spcPct val="90000"/>
+              </a:lnSpc>
+              <a:spcBef>
+                <a:spcPts val="500"/>
+              </a:spcBef>
+              <a:buFont typeface="Arial" panose="020B0604020202020204" pitchFamily="34" charset="0"/>
+              <a:buChar char="•"/>
+              <a:defRPr sz="1800" kern="1200">
+                <a:solidFill>
+                  <a:schemeClr val="tx1"/>
+                </a:solidFill>
+                <a:latin typeface="+mn-lt"/>
+                <a:ea typeface="+mn-ea"/>
+                <a:cs typeface="+mn-cs"/>
+              </a:defRPr>
+            </a:lvl4pPr>
+            <a:lvl5pPr marL="2057400" indent="-228600" algn="l" defTabSz="914400" rtl="0" eaLnBrk="1" latinLnBrk="0" hangingPunct="1">
+              <a:lnSpc>
+                <a:spcPct val="90000"/>
+              </a:lnSpc>
+              <a:spcBef>
+                <a:spcPts val="500"/>
+              </a:spcBef>
+              <a:buFont typeface="Arial" panose="020B0604020202020204" pitchFamily="34" charset="0"/>
+              <a:buChar char="•"/>
+              <a:defRPr sz="1800" kern="1200">
+                <a:solidFill>
+                  <a:schemeClr val="tx1"/>
+                </a:solidFill>
+                <a:latin typeface="+mn-lt"/>
+                <a:ea typeface="+mn-ea"/>
+                <a:cs typeface="+mn-cs"/>
+              </a:defRPr>
+            </a:lvl5pPr>
+            <a:lvl6pPr marL="2514600" indent="-228600" algn="l" defTabSz="914400" rtl="0" eaLnBrk="1" latinLnBrk="0" hangingPunct="1">
+              <a:lnSpc>
+                <a:spcPct val="90000"/>
+              </a:lnSpc>
+              <a:spcBef>
+                <a:spcPts val="500"/>
+              </a:spcBef>
+              <a:buFont typeface="Arial" panose="020B0604020202020204" pitchFamily="34" charset="0"/>
+              <a:buChar char="•"/>
+              <a:defRPr sz="1800" kern="1200">
+                <a:solidFill>
+                  <a:schemeClr val="tx1"/>
+                </a:solidFill>
+                <a:latin typeface="+mn-lt"/>
+                <a:ea typeface="+mn-ea"/>
+                <a:cs typeface="+mn-cs"/>
+              </a:defRPr>
+            </a:lvl6pPr>
+            <a:lvl7pPr marL="2971800" indent="-228600" algn="l" defTabSz="914400" rtl="0" eaLnBrk="1" latinLnBrk="0" hangingPunct="1">
+              <a:lnSpc>
+                <a:spcPct val="90000"/>
+              </a:lnSpc>
+              <a:spcBef>
+                <a:spcPts val="500"/>
+              </a:spcBef>
+              <a:buFont typeface="Arial" panose="020B0604020202020204" pitchFamily="34" charset="0"/>
+              <a:buChar char="•"/>
+              <a:defRPr sz="1800" kern="1200">
+                <a:solidFill>
+                  <a:schemeClr val="tx1"/>
+                </a:solidFill>
+                <a:latin typeface="+mn-lt"/>
+                <a:ea typeface="+mn-ea"/>
+                <a:cs typeface="+mn-cs"/>
+              </a:defRPr>
+            </a:lvl7pPr>
+            <a:lvl8pPr marL="3429000" indent="-228600" algn="l" defTabSz="914400" rtl="0" eaLnBrk="1" latinLnBrk="0" hangingPunct="1">
+              <a:lnSpc>
+                <a:spcPct val="90000"/>
+              </a:lnSpc>
+              <a:spcBef>
+                <a:spcPts val="500"/>
+              </a:spcBef>
+              <a:buFont typeface="Arial" panose="020B0604020202020204" pitchFamily="34" charset="0"/>
+              <a:buChar char="•"/>
+              <a:defRPr sz="1800" kern="1200">
+                <a:solidFill>
+                  <a:schemeClr val="tx1"/>
+                </a:solidFill>
+                <a:latin typeface="+mn-lt"/>
+                <a:ea typeface="+mn-ea"/>
+                <a:cs typeface="+mn-cs"/>
+              </a:defRPr>
+            </a:lvl8pPr>
+            <a:lvl9pPr marL="3886200" indent="-228600" algn="l" defTabSz="914400" rtl="0" eaLnBrk="1" latinLnBrk="0" hangingPunct="1">
+              <a:lnSpc>
+                <a:spcPct val="90000"/>
+              </a:lnSpc>
+              <a:spcBef>
+                <a:spcPts val="500"/>
+              </a:spcBef>
+              <a:buFont typeface="Arial" panose="020B0604020202020204" pitchFamily="34" charset="0"/>
+              <a:buChar char="•"/>
+              <a:defRPr sz="1800" kern="1200">
+                <a:solidFill>
+                  <a:schemeClr val="tx1"/>
+                </a:solidFill>
+                <a:latin typeface="+mn-lt"/>
+                <a:ea typeface="+mn-ea"/>
+                <a:cs typeface="+mn-cs"/>
+              </a:defRPr>
+            </a:lvl9pPr>
+          </a:lstStyle>
+          <a:p>
+            <a:pPr>
+              <a:buClr>
+                <a:schemeClr val="accent4"/>
+              </a:buClr>
+              <a:buFont typeface="Wingdings" panose="05000000000000000000" pitchFamily="2" charset="2"/>
+              <a:buChar char="Ø"/>
+            </a:pPr>
+            <a:r>
+              <a:rPr lang="fr-FR" sz="1800" dirty="0"/>
+              <a:t>Connecter Ecran LCD</a:t>
+            </a:r>
+          </a:p>
+          <a:p>
+            <a:endParaRPr lang="fr-FR" dirty="0"/>
+          </a:p>
+          <a:p>
+            <a:endParaRPr lang="fr-FR" dirty="0"/>
+          </a:p>
+          <a:p>
+            <a:endParaRPr lang="fr-FR" dirty="0"/>
+          </a:p>
+          <a:p>
+            <a:endParaRPr lang="fr-FR" dirty="0"/>
+          </a:p>
+          <a:p>
+            <a:endParaRPr lang="fr-FR" dirty="0"/>
+          </a:p>
+          <a:p>
+            <a:pPr marL="0" indent="0">
+              <a:buNone/>
+            </a:pPr>
+            <a:endParaRPr lang="fr-FR" dirty="0"/>
+          </a:p>
+          <a:p>
+            <a:pPr>
+              <a:buClr>
+                <a:schemeClr val="accent4"/>
+              </a:buClr>
+              <a:buFont typeface="Wingdings" panose="05000000000000000000" pitchFamily="2" charset="2"/>
+              <a:buChar char="Ø"/>
+            </a:pPr>
+            <a:r>
+              <a:rPr lang="fr-FR" sz="1800" dirty="0"/>
+              <a:t>Affichage de l’énigme sur l’</a:t>
+            </a:r>
+            <a:r>
+              <a:rPr lang="fr-FR" sz="1800" dirty="0" err="1"/>
+              <a:t>ecran</a:t>
+            </a:r>
+            <a:r>
+              <a:rPr lang="fr-FR" sz="1800" dirty="0"/>
+              <a:t> quand le code est bon</a:t>
+            </a:r>
+          </a:p>
+          <a:p>
+            <a:endParaRPr lang="fr-FR" dirty="0"/>
+          </a:p>
+        </p:txBody>
+      </p:sp>
+      <p:sp>
+        <p:nvSpPr>
+          <p:cNvPr id="5" name="Espace réservé du contenu 2">
+            <a:extLst>
+              <a:ext uri="{FF2B5EF4-FFF2-40B4-BE49-F238E27FC236}">
+                <a16:creationId xmlns:a16="http://schemas.microsoft.com/office/drawing/2014/main" id="{4EA4B949-06FA-4096-83AB-E011A5F55242}"/>
+              </a:ext>
+            </a:extLst>
+          </p:cNvPr>
+          <p:cNvSpPr txBox="1">
+            <a:spLocks/>
+          </p:cNvSpPr>
+          <p:nvPr/>
+        </p:nvSpPr>
+        <p:spPr>
+          <a:xfrm>
+            <a:off x="5499627" y="1703834"/>
+            <a:ext cx="5257800" cy="4351338"/>
+          </a:xfrm>
+          <a:prstGeom prst="rect">
+            <a:avLst/>
+          </a:prstGeom>
+        </p:spPr>
+        <p:txBody>
+          <a:bodyPr vert="horz" lIns="91440" tIns="45720" rIns="91440" bIns="45720" rtlCol="0">
+            <a:normAutofit/>
+          </a:bodyPr>
+          <a:lstStyle>
+            <a:lvl1pPr marL="342900" indent="-342900" algn="l" defTabSz="457200" rtl="0" eaLnBrk="1" latinLnBrk="0" hangingPunct="1">
+              <a:spcBef>
+                <a:spcPts val="1000"/>
+              </a:spcBef>
+              <a:spcAft>
+                <a:spcPts val="0"/>
+              </a:spcAft>
+              <a:buClr>
+                <a:schemeClr val="accent1"/>
+              </a:buClr>
+              <a:buSzPct val="80000"/>
+              <a:buFont typeface="Wingdings 3" charset="2"/>
+              <a:buChar char=""/>
+              <a:defRPr sz="1800" kern="1200">
+                <a:solidFill>
+                  <a:schemeClr val="tx1">
+                    <a:lumMod val="75000"/>
+                    <a:lumOff val="25000"/>
+                  </a:schemeClr>
+                </a:solidFill>
+                <a:latin typeface="+mn-lt"/>
+                <a:ea typeface="+mn-ea"/>
+                <a:cs typeface="+mn-cs"/>
+              </a:defRPr>
+            </a:lvl1pPr>
+            <a:lvl2pPr marL="742950" indent="-285750" algn="l" defTabSz="457200" rtl="0" eaLnBrk="1" latinLnBrk="0" hangingPunct="1">
+              <a:spcBef>
+                <a:spcPts val="1000"/>
+              </a:spcBef>
+              <a:spcAft>
+                <a:spcPts val="0"/>
+              </a:spcAft>
+              <a:buClr>
+                <a:schemeClr val="accent1"/>
+              </a:buClr>
+              <a:buSzPct val="80000"/>
+              <a:buFont typeface="Wingdings 3" charset="2"/>
+              <a:buChar char=""/>
+              <a:defRPr sz="1600" kern="1200">
+                <a:solidFill>
+                  <a:schemeClr val="tx1">
+                    <a:lumMod val="75000"/>
+                    <a:lumOff val="25000"/>
+                  </a:schemeClr>
+                </a:solidFill>
+                <a:latin typeface="+mn-lt"/>
+                <a:ea typeface="+mn-ea"/>
+                <a:cs typeface="+mn-cs"/>
+              </a:defRPr>
+            </a:lvl2pPr>
+            <a:lvl3pPr marL="1143000" indent="-228600" algn="l" defTabSz="457200" rtl="0" eaLnBrk="1" latinLnBrk="0" hangingPunct="1">
+              <a:spcBef>
+                <a:spcPts val="1000"/>
+              </a:spcBef>
+              <a:spcAft>
+                <a:spcPts val="0"/>
+              </a:spcAft>
+              <a:buClr>
+                <a:schemeClr val="accent1"/>
+              </a:buClr>
+              <a:buSzPct val="80000"/>
+              <a:buFont typeface="Wingdings 3" charset="2"/>
+              <a:buChar char=""/>
+              <a:defRPr sz="1400" kern="1200">
+                <a:solidFill>
+                  <a:schemeClr val="tx1">
+                    <a:lumMod val="75000"/>
+                    <a:lumOff val="25000"/>
+                  </a:schemeClr>
+                </a:solidFill>
+                <a:latin typeface="+mn-lt"/>
+                <a:ea typeface="+mn-ea"/>
+                <a:cs typeface="+mn-cs"/>
+              </a:defRPr>
+            </a:lvl3pPr>
+            <a:lvl4pPr marL="1600200" indent="-228600" algn="l" defTabSz="457200" rtl="0" eaLnBrk="1" latinLnBrk="0" hangingPunct="1">
+              <a:spcBef>
+                <a:spcPts val="1000"/>
+              </a:spcBef>
+              <a:spcAft>
+                <a:spcPts val="0"/>
+              </a:spcAft>
+              <a:buClr>
+                <a:schemeClr val="accent1"/>
+              </a:buClr>
+              <a:buSzPct val="80000"/>
+              <a:buFont typeface="Wingdings 3" charset="2"/>
+              <a:buChar char=""/>
+              <a:defRPr sz="1200" kern="1200">
+                <a:solidFill>
+                  <a:schemeClr val="tx1">
+                    <a:lumMod val="75000"/>
+                    <a:lumOff val="25000"/>
+                  </a:schemeClr>
+                </a:solidFill>
+                <a:latin typeface="+mn-lt"/>
+                <a:ea typeface="+mn-ea"/>
+                <a:cs typeface="+mn-cs"/>
+              </a:defRPr>
+            </a:lvl4pPr>
+            <a:lvl5pPr marL="2057400" indent="-228600" algn="l" defTabSz="457200" rtl="0" eaLnBrk="1" latinLnBrk="0" hangingPunct="1">
+              <a:spcBef>
+                <a:spcPts val="1000"/>
+              </a:spcBef>
+              <a:spcAft>
+                <a:spcPts val="0"/>
+              </a:spcAft>
+              <a:buClr>
+                <a:schemeClr val="accent1"/>
+              </a:buClr>
+              <a:buSzPct val="80000"/>
+              <a:buFont typeface="Wingdings 3" charset="2"/>
+              <a:buChar char=""/>
+              <a:defRPr sz="1200" kern="1200">
+                <a:solidFill>
+                  <a:schemeClr val="tx1">
+                    <a:lumMod val="75000"/>
+                    <a:lumOff val="25000"/>
+                  </a:schemeClr>
+                </a:solidFill>
+                <a:latin typeface="+mn-lt"/>
+                <a:ea typeface="+mn-ea"/>
+                <a:cs typeface="+mn-cs"/>
+              </a:defRPr>
+            </a:lvl5pPr>
+            <a:lvl6pPr marL="2514600" indent="-228600" algn="l" defTabSz="457200" rtl="0" eaLnBrk="1" latinLnBrk="0" hangingPunct="1">
+              <a:spcBef>
+                <a:spcPts val="1000"/>
+              </a:spcBef>
+              <a:spcAft>
+                <a:spcPts val="0"/>
+              </a:spcAft>
+              <a:buClr>
+                <a:schemeClr val="accent1"/>
+              </a:buClr>
+              <a:buSzPct val="80000"/>
+              <a:buFont typeface="Wingdings 3" charset="2"/>
+              <a:buChar char=""/>
+              <a:defRPr sz="1200" kern="1200">
+                <a:solidFill>
+                  <a:schemeClr val="tx1">
+                    <a:lumMod val="75000"/>
+                    <a:lumOff val="25000"/>
+                  </a:schemeClr>
+                </a:solidFill>
+                <a:latin typeface="+mn-lt"/>
+                <a:ea typeface="+mn-ea"/>
+                <a:cs typeface="+mn-cs"/>
+              </a:defRPr>
+            </a:lvl6pPr>
+            <a:lvl7pPr marL="2971800" indent="-228600" algn="l" defTabSz="457200" rtl="0" eaLnBrk="1" latinLnBrk="0" hangingPunct="1">
+              <a:spcBef>
+                <a:spcPts val="1000"/>
+              </a:spcBef>
+              <a:spcAft>
+                <a:spcPts val="0"/>
+              </a:spcAft>
+              <a:buClr>
+                <a:schemeClr val="accent1"/>
+              </a:buClr>
+              <a:buSzPct val="80000"/>
+              <a:buFont typeface="Wingdings 3" charset="2"/>
+              <a:buChar char=""/>
+              <a:defRPr sz="1200" kern="1200">
+                <a:solidFill>
+                  <a:schemeClr val="tx1">
+                    <a:lumMod val="75000"/>
+                    <a:lumOff val="25000"/>
+                  </a:schemeClr>
+                </a:solidFill>
+                <a:latin typeface="+mn-lt"/>
+                <a:ea typeface="+mn-ea"/>
+                <a:cs typeface="+mn-cs"/>
+              </a:defRPr>
+            </a:lvl7pPr>
+            <a:lvl8pPr marL="3429000" indent="-228600" algn="l" defTabSz="457200" rtl="0" eaLnBrk="1" latinLnBrk="0" hangingPunct="1">
+              <a:spcBef>
+                <a:spcPts val="1000"/>
+              </a:spcBef>
+              <a:spcAft>
+                <a:spcPts val="0"/>
+              </a:spcAft>
+              <a:buClr>
+                <a:schemeClr val="accent1"/>
+              </a:buClr>
+              <a:buSzPct val="80000"/>
+              <a:buFont typeface="Wingdings 3" charset="2"/>
+              <a:buChar char=""/>
+              <a:defRPr sz="1200" kern="1200">
+                <a:solidFill>
+                  <a:schemeClr val="tx1">
+                    <a:lumMod val="75000"/>
+                    <a:lumOff val="25000"/>
+                  </a:schemeClr>
+                </a:solidFill>
+                <a:latin typeface="+mn-lt"/>
+                <a:ea typeface="+mn-ea"/>
+                <a:cs typeface="+mn-cs"/>
+              </a:defRPr>
+            </a:lvl8pPr>
+            <a:lvl9pPr marL="3886200" indent="-228600" algn="l" defTabSz="457200" rtl="0" eaLnBrk="1" latinLnBrk="0" hangingPunct="1">
+              <a:spcBef>
+                <a:spcPts val="1000"/>
+              </a:spcBef>
+              <a:spcAft>
+                <a:spcPts val="0"/>
+              </a:spcAft>
+              <a:buClr>
+                <a:schemeClr val="accent1"/>
+              </a:buClr>
+              <a:buSzPct val="80000"/>
+              <a:buFont typeface="Wingdings 3" charset="2"/>
+              <a:buChar char=""/>
+              <a:defRPr sz="1200" kern="1200">
+                <a:solidFill>
+                  <a:schemeClr val="tx1">
+                    <a:lumMod val="75000"/>
+                    <a:lumOff val="25000"/>
+                  </a:schemeClr>
+                </a:solidFill>
+                <a:latin typeface="+mn-lt"/>
+                <a:ea typeface="+mn-ea"/>
+                <a:cs typeface="+mn-cs"/>
+              </a:defRPr>
+            </a:lvl9pPr>
+          </a:lstStyle>
+          <a:p>
+            <a:pPr>
+              <a:buClr>
+                <a:schemeClr val="accent4"/>
+              </a:buClr>
+              <a:buFont typeface="Wingdings" panose="05000000000000000000" pitchFamily="2" charset="2"/>
+              <a:buChar char="Ø"/>
+            </a:pPr>
+            <a:r>
+              <a:rPr lang="fr-FR" dirty="0"/>
+              <a:t>Code de connexion avec librairie "</a:t>
+            </a:r>
+            <a:r>
+              <a:rPr lang="fr-FR" dirty="0" err="1"/>
+              <a:t>LiquidCrystal.h</a:t>
+            </a:r>
+            <a:r>
+              <a:rPr lang="fr-FR" dirty="0"/>
+              <a:t>"  </a:t>
+            </a:r>
+          </a:p>
+          <a:p>
+            <a:endParaRPr lang="fr-FR" dirty="0"/>
+          </a:p>
+        </p:txBody>
+      </p:sp>
+      <p:pic>
+        <p:nvPicPr>
+          <p:cNvPr id="6" name="Image 5">
+            <a:extLst>
+              <a:ext uri="{FF2B5EF4-FFF2-40B4-BE49-F238E27FC236}">
+                <a16:creationId xmlns:a16="http://schemas.microsoft.com/office/drawing/2014/main" id="{347D77F9-F00E-4AF1-BE02-1057BAD09A07}"/>
+              </a:ext>
+            </a:extLst>
+          </p:cNvPr>
+          <p:cNvPicPr>
+            <a:picLocks noChangeAspect="1"/>
+          </p:cNvPicPr>
+          <p:nvPr/>
+        </p:nvPicPr>
+        <p:blipFill>
+          <a:blip r:embed="rId2"/>
+          <a:stretch>
+            <a:fillRect/>
+          </a:stretch>
+        </p:blipFill>
+        <p:spPr>
+          <a:xfrm>
+            <a:off x="5226968" y="2568147"/>
+            <a:ext cx="4401664" cy="2461053"/>
+          </a:xfrm>
+          <a:prstGeom prst="rect">
+            <a:avLst/>
+          </a:prstGeom>
+        </p:spPr>
+      </p:pic>
+      <p:pic>
+        <p:nvPicPr>
+          <p:cNvPr id="7" name="Image 6">
+            <a:extLst>
+              <a:ext uri="{FF2B5EF4-FFF2-40B4-BE49-F238E27FC236}">
+                <a16:creationId xmlns:a16="http://schemas.microsoft.com/office/drawing/2014/main" id="{1459C5C6-CB41-4C0D-8DFB-05145DEC6DD6}"/>
+              </a:ext>
+            </a:extLst>
+          </p:cNvPr>
+          <p:cNvPicPr/>
+          <p:nvPr/>
+        </p:nvPicPr>
+        <p:blipFill>
+          <a:blip r:embed="rId3">
+            <a:extLst>
+              <a:ext uri="{28A0092B-C50C-407E-A947-70E740481C1C}">
+                <a14:useLocalDpi xmlns:a14="http://schemas.microsoft.com/office/drawing/2010/main" val="0"/>
+              </a:ext>
+            </a:extLst>
+          </a:blip>
+          <a:stretch>
+            <a:fillRect/>
+          </a:stretch>
+        </p:blipFill>
+        <p:spPr>
+          <a:xfrm>
+            <a:off x="392430" y="2235169"/>
+            <a:ext cx="4133850" cy="2186940"/>
+          </a:xfrm>
+          <a:prstGeom prst="rect">
+            <a:avLst/>
+          </a:prstGeom>
+        </p:spPr>
+      </p:pic>
+      <p:pic>
+        <p:nvPicPr>
+          <p:cNvPr id="8" name="Picture 2" descr="Image associée">
+            <a:extLst>
+              <a:ext uri="{FF2B5EF4-FFF2-40B4-BE49-F238E27FC236}">
+                <a16:creationId xmlns:a16="http://schemas.microsoft.com/office/drawing/2014/main" id="{1D2A2ED6-3334-446B-B7F9-4AEDA8226A7B}"/>
+              </a:ext>
+            </a:extLst>
+          </p:cNvPr>
+          <p:cNvPicPr>
+            <a:picLocks noChangeAspect="1" noChangeArrowheads="1"/>
+          </p:cNvPicPr>
+          <p:nvPr/>
+        </p:nvPicPr>
+        <p:blipFill rotWithShape="1">
+          <a:blip r:embed="rId4">
+            <a:extLst>
+              <a:ext uri="{28A0092B-C50C-407E-A947-70E740481C1C}">
+                <a14:useLocalDpi xmlns:a14="http://schemas.microsoft.com/office/drawing/2010/main" val="0"/>
+              </a:ext>
+            </a:extLst>
+          </a:blip>
+          <a:srcRect l="18677" r="15441"/>
+          <a:stretch/>
+        </p:blipFill>
+        <p:spPr bwMode="auto">
+          <a:xfrm>
+            <a:off x="143436" y="143435"/>
+            <a:ext cx="2269635" cy="609600"/>
+          </a:xfrm>
+          <a:prstGeom prst="rect">
+            <a:avLst/>
+          </a:prstGeom>
+          <a:noFill/>
+          <a:extLst>
+            <a:ext uri="{909E8E84-426E-40DD-AFC4-6F175D3DCCD1}">
+              <a14:hiddenFill xmlns:a14="http://schemas.microsoft.com/office/drawing/2010/main">
+                <a:solidFill>
+                  <a:srgbClr val="FFFFFF"/>
+                </a:solidFill>
+              </a14:hiddenFill>
+            </a:ext>
+          </a:extLst>
+        </p:spPr>
+      </p:pic>
+    </p:spTree>
+    <p:extLst>
+      <p:ext uri="{BB962C8B-B14F-4D97-AF65-F5344CB8AC3E}">
+        <p14:creationId xmlns:p14="http://schemas.microsoft.com/office/powerpoint/2010/main" val="1607892895"/>
+      </p:ext>
+    </p:extLst>
+  </p:cSld>
+  <p:clrMapOvr>
+    <a:masterClrMapping/>
+  </p:clrMapOvr>
+</p:sld>
+</file>
+
+<file path=ppt/slides/slide11.xml><?xml version="1.0" encoding="utf-8"?>
+<p:sld xmlns:a="http://schemas.openxmlformats.org/drawingml/2006/main" xmlns:r="http://schemas.openxmlformats.org/officeDocument/2006/relationships" xmlns:p="http://schemas.openxmlformats.org/presentationml/2006/main">
+  <p:cSld>
+    <p:spTree>
+      <p:nvGrpSpPr>
+        <p:cNvPr id="1" name=""/>
+        <p:cNvGrpSpPr/>
+        <p:nvPr/>
+      </p:nvGrpSpPr>
+      <p:grpSpPr>
+        <a:xfrm>
+          <a:off x="0" y="0"/>
+          <a:ext cx="0" cy="0"/>
+          <a:chOff x="0" y="0"/>
+          <a:chExt cx="0" cy="0"/>
+        </a:xfrm>
+      </p:grpSpPr>
+      <p:sp>
+        <p:nvSpPr>
+          <p:cNvPr id="2" name="Titre 1">
+            <a:extLst>
+              <a:ext uri="{FF2B5EF4-FFF2-40B4-BE49-F238E27FC236}">
                 <a16:creationId xmlns:a16="http://schemas.microsoft.com/office/drawing/2014/main" id="{61EE730F-638A-4AD6-805E-26DCB391FEC3}"/>
               </a:ext>
             </a:extLst>
@@ -8795,7 +9507,7 @@
 </p:sld>
 </file>
 
-<file path=ppt/slides/slide11.xml><?xml version="1.0" encoding="utf-8"?>
+<file path=ppt/slides/slide12.xml><?xml version="1.0" encoding="utf-8"?>
 <p:sld xmlns:a="http://schemas.openxmlformats.org/drawingml/2006/main" xmlns:r="http://schemas.openxmlformats.org/officeDocument/2006/relationships" xmlns:p="http://schemas.openxmlformats.org/presentationml/2006/main">
   <p:cSld>
     <p:spTree>
@@ -14006,6 +14718,100 @@
           <p:cNvPr id="2" name="Titre 1">
             <a:extLst>
               <a:ext uri="{FF2B5EF4-FFF2-40B4-BE49-F238E27FC236}">
+                <a16:creationId xmlns:a16="http://schemas.microsoft.com/office/drawing/2014/main" id="{E1F7EF49-6C4E-4B6C-8F87-F12734767C70}"/>
+              </a:ext>
+            </a:extLst>
+          </p:cNvPr>
+          <p:cNvSpPr>
+            <a:spLocks noGrp="1"/>
+          </p:cNvSpPr>
+          <p:nvPr>
+            <p:ph type="title"/>
+          </p:nvPr>
+        </p:nvSpPr>
+        <p:spPr>
+          <a:xfrm>
+            <a:off x="656210" y="254000"/>
+            <a:ext cx="8596668" cy="1320800"/>
+          </a:xfrm>
+        </p:spPr>
+        <p:txBody>
+          <a:bodyPr/>
+          <a:lstStyle/>
+          <a:p>
+            <a:r>
+              <a:rPr lang="fr-FR" dirty="0"/>
+              <a:t>Diagramme de séquence</a:t>
+            </a:r>
+          </a:p>
+        </p:txBody>
+      </p:sp>
+      <p:pic>
+        <p:nvPicPr>
+          <p:cNvPr id="4" name="Espace réservé du contenu 3">
+            <a:extLst>
+              <a:ext uri="{FF2B5EF4-FFF2-40B4-BE49-F238E27FC236}">
+                <a16:creationId xmlns:a16="http://schemas.microsoft.com/office/drawing/2014/main" id="{629C1E8F-A911-46EA-8318-E90ABEE18363}"/>
+              </a:ext>
+            </a:extLst>
+          </p:cNvPr>
+          <p:cNvPicPr>
+            <a:picLocks noGrp="1" noChangeAspect="1"/>
+          </p:cNvPicPr>
+          <p:nvPr>
+            <p:ph idx="1"/>
+          </p:nvPr>
+        </p:nvPicPr>
+        <p:blipFill rotWithShape="1">
+          <a:blip r:embed="rId2"/>
+          <a:srcRect l="1201" r="6748" b="2314"/>
+          <a:stretch/>
+        </p:blipFill>
+        <p:spPr>
+          <a:xfrm>
+            <a:off x="656210" y="1195660"/>
+            <a:ext cx="7885624" cy="5410387"/>
+          </a:xfrm>
+          <a:prstGeom prst="rect">
+            <a:avLst/>
+          </a:prstGeom>
+        </p:spPr>
+      </p:pic>
+    </p:spTree>
+    <p:extLst>
+      <p:ext uri="{BB962C8B-B14F-4D97-AF65-F5344CB8AC3E}">
+        <p14:creationId xmlns:p14="http://schemas.microsoft.com/office/powerpoint/2010/main" val="993449588"/>
+      </p:ext>
+    </p:extLst>
+  </p:cSld>
+  <p:clrMapOvr>
+    <a:masterClrMapping/>
+  </p:clrMapOvr>
+</p:sld>
+</file>
+
+<file path=ppt/slides/slide7.xml><?xml version="1.0" encoding="utf-8"?>
+<p:sld xmlns:a="http://schemas.openxmlformats.org/drawingml/2006/main" xmlns:r="http://schemas.openxmlformats.org/officeDocument/2006/relationships" xmlns:p="http://schemas.openxmlformats.org/presentationml/2006/main">
+  <p:cSld>
+    <p:spTree>
+      <p:nvGrpSpPr>
+        <p:cNvPr id="1" name=""/>
+        <p:cNvGrpSpPr/>
+        <p:nvPr/>
+      </p:nvGrpSpPr>
+      <p:grpSpPr>
+        <a:xfrm>
+          <a:off x="0" y="0"/>
+          <a:ext cx="0" cy="0"/>
+          <a:chOff x="0" y="0"/>
+          <a:chExt cx="0" cy="0"/>
+        </a:xfrm>
+      </p:grpSpPr>
+      <p:sp>
+        <p:nvSpPr>
+          <p:cNvPr id="2" name="Titre 1">
+            <a:extLst>
+              <a:ext uri="{FF2B5EF4-FFF2-40B4-BE49-F238E27FC236}">
                 <a16:creationId xmlns:a16="http://schemas.microsoft.com/office/drawing/2014/main" id="{670F7C0E-6519-4A48-A994-BD9E492E9A93}"/>
               </a:ext>
             </a:extLst>
@@ -14074,7 +14880,7 @@
 </p:sld>
 </file>
 
-<file path=ppt/slides/slide7.xml><?xml version="1.0" encoding="utf-8"?>
+<file path=ppt/slides/slide8.xml><?xml version="1.0" encoding="utf-8"?>
 <p:sld xmlns:a="http://schemas.openxmlformats.org/drawingml/2006/main" xmlns:r="http://schemas.openxmlformats.org/officeDocument/2006/relationships" xmlns:p="http://schemas.openxmlformats.org/presentationml/2006/main">
   <p:cSld>
     <p:bg>
@@ -14983,7 +15789,7 @@
 </p:sld>
 </file>
 
-<file path=ppt/slides/slide8.xml><?xml version="1.0" encoding="utf-8"?>
+<file path=ppt/slides/slide9.xml><?xml version="1.0" encoding="utf-8"?>
 <p:sld xmlns:a="http://schemas.openxmlformats.org/drawingml/2006/main" xmlns:r="http://schemas.openxmlformats.org/officeDocument/2006/relationships" xmlns:p="http://schemas.openxmlformats.org/presentationml/2006/main">
   <p:cSld>
     <p:spTree>
@@ -15449,717 +16255,6 @@
     <p:extLst>
       <p:ext uri="{BB962C8B-B14F-4D97-AF65-F5344CB8AC3E}">
         <p14:creationId xmlns:p14="http://schemas.microsoft.com/office/powerpoint/2010/main" val="1448785139"/>
-      </p:ext>
-    </p:extLst>
-  </p:cSld>
-  <p:clrMapOvr>
-    <a:masterClrMapping/>
-  </p:clrMapOvr>
-</p:sld>
-</file>
-
-<file path=ppt/slides/slide9.xml><?xml version="1.0" encoding="utf-8"?>
-<p:sld xmlns:a="http://schemas.openxmlformats.org/drawingml/2006/main" xmlns:r="http://schemas.openxmlformats.org/officeDocument/2006/relationships" xmlns:p="http://schemas.openxmlformats.org/presentationml/2006/main">
-  <p:cSld>
-    <p:spTree>
-      <p:nvGrpSpPr>
-        <p:cNvPr id="1" name=""/>
-        <p:cNvGrpSpPr/>
-        <p:nvPr/>
-      </p:nvGrpSpPr>
-      <p:grpSpPr>
-        <a:xfrm>
-          <a:off x="0" y="0"/>
-          <a:ext cx="0" cy="0"/>
-          <a:chOff x="0" y="0"/>
-          <a:chExt cx="0" cy="0"/>
-        </a:xfrm>
-      </p:grpSpPr>
-      <p:sp>
-        <p:nvSpPr>
-          <p:cNvPr id="2" name="Titre 1">
-            <a:extLst>
-              <a:ext uri="{FF2B5EF4-FFF2-40B4-BE49-F238E27FC236}">
-                <a16:creationId xmlns:a16="http://schemas.microsoft.com/office/drawing/2014/main" id="{C08AD442-B16F-476B-9790-6E67B56D2E21}"/>
-              </a:ext>
-            </a:extLst>
-          </p:cNvPr>
-          <p:cNvSpPr>
-            <a:spLocks noGrp="1"/>
-          </p:cNvSpPr>
-          <p:nvPr>
-            <p:ph type="title"/>
-          </p:nvPr>
-        </p:nvSpPr>
-        <p:spPr>
-          <a:xfrm>
-            <a:off x="367304" y="799292"/>
-            <a:ext cx="4890164" cy="728546"/>
-          </a:xfrm>
-        </p:spPr>
-        <p:txBody>
-          <a:bodyPr>
-            <a:normAutofit fontScale="90000"/>
-          </a:bodyPr>
-          <a:lstStyle/>
-          <a:p>
-            <a:r>
-              <a:rPr lang="fr-FR" dirty="0"/>
-              <a:t>Connexion de l’afficheur </a:t>
-            </a:r>
-            <a:br>
-              <a:rPr lang="fr-FR" dirty="0"/>
-            </a:br>
-            <a:endParaRPr lang="fr-FR" dirty="0"/>
-          </a:p>
-        </p:txBody>
-      </p:sp>
-      <p:sp>
-        <p:nvSpPr>
-          <p:cNvPr id="4" name="Espace réservé du contenu 2">
-            <a:extLst>
-              <a:ext uri="{FF2B5EF4-FFF2-40B4-BE49-F238E27FC236}">
-                <a16:creationId xmlns:a16="http://schemas.microsoft.com/office/drawing/2014/main" id="{9851E94F-E7E0-4881-A550-675FD40C88F1}"/>
-              </a:ext>
-            </a:extLst>
-          </p:cNvPr>
-          <p:cNvSpPr txBox="1">
-            <a:spLocks noGrp="1"/>
-          </p:cNvSpPr>
-          <p:nvPr>
-            <p:ph idx="1"/>
-          </p:nvPr>
-        </p:nvSpPr>
-        <p:spPr>
-          <a:xfrm>
-            <a:off x="440119" y="1730820"/>
-            <a:ext cx="4890164" cy="4404804"/>
-          </a:xfrm>
-          <a:prstGeom prst="rect">
-            <a:avLst/>
-          </a:prstGeom>
-        </p:spPr>
-        <p:txBody>
-          <a:bodyPr vert="horz" lIns="91440" tIns="45720" rIns="91440" bIns="45720" rtlCol="0">
-            <a:normAutofit/>
-          </a:bodyPr>
-          <a:lstStyle>
-            <a:lvl1pPr marL="228600" indent="-228600" algn="l" defTabSz="914400" rtl="0" eaLnBrk="1" latinLnBrk="0" hangingPunct="1">
-              <a:lnSpc>
-                <a:spcPct val="90000"/>
-              </a:lnSpc>
-              <a:spcBef>
-                <a:spcPts val="1000"/>
-              </a:spcBef>
-              <a:buFont typeface="Arial" panose="020B0604020202020204" pitchFamily="34" charset="0"/>
-              <a:buChar char="•"/>
-              <a:defRPr sz="2800" kern="1200">
-                <a:solidFill>
-                  <a:schemeClr val="tx1"/>
-                </a:solidFill>
-                <a:latin typeface="+mn-lt"/>
-                <a:ea typeface="+mn-ea"/>
-                <a:cs typeface="+mn-cs"/>
-              </a:defRPr>
-            </a:lvl1pPr>
-            <a:lvl2pPr marL="685800" indent="-228600" algn="l" defTabSz="914400" rtl="0" eaLnBrk="1" latinLnBrk="0" hangingPunct="1">
-              <a:lnSpc>
-                <a:spcPct val="90000"/>
-              </a:lnSpc>
-              <a:spcBef>
-                <a:spcPts val="500"/>
-              </a:spcBef>
-              <a:buFont typeface="Arial" panose="020B0604020202020204" pitchFamily="34" charset="0"/>
-              <a:buChar char="•"/>
-              <a:defRPr sz="2400" kern="1200">
-                <a:solidFill>
-                  <a:schemeClr val="tx1"/>
-                </a:solidFill>
-                <a:latin typeface="+mn-lt"/>
-                <a:ea typeface="+mn-ea"/>
-                <a:cs typeface="+mn-cs"/>
-              </a:defRPr>
-            </a:lvl2pPr>
-            <a:lvl3pPr marL="1143000" indent="-228600" algn="l" defTabSz="914400" rtl="0" eaLnBrk="1" latinLnBrk="0" hangingPunct="1">
-              <a:lnSpc>
-                <a:spcPct val="90000"/>
-              </a:lnSpc>
-              <a:spcBef>
-                <a:spcPts val="500"/>
-              </a:spcBef>
-              <a:buFont typeface="Arial" panose="020B0604020202020204" pitchFamily="34" charset="0"/>
-              <a:buChar char="•"/>
-              <a:defRPr sz="2000" kern="1200">
-                <a:solidFill>
-                  <a:schemeClr val="tx1"/>
-                </a:solidFill>
-                <a:latin typeface="+mn-lt"/>
-                <a:ea typeface="+mn-ea"/>
-                <a:cs typeface="+mn-cs"/>
-              </a:defRPr>
-            </a:lvl3pPr>
-            <a:lvl4pPr marL="1600200" indent="-228600" algn="l" defTabSz="914400" rtl="0" eaLnBrk="1" latinLnBrk="0" hangingPunct="1">
-              <a:lnSpc>
-                <a:spcPct val="90000"/>
-              </a:lnSpc>
-              <a:spcBef>
-                <a:spcPts val="500"/>
-              </a:spcBef>
-              <a:buFont typeface="Arial" panose="020B0604020202020204" pitchFamily="34" charset="0"/>
-              <a:buChar char="•"/>
-              <a:defRPr sz="1800" kern="1200">
-                <a:solidFill>
-                  <a:schemeClr val="tx1"/>
-                </a:solidFill>
-                <a:latin typeface="+mn-lt"/>
-                <a:ea typeface="+mn-ea"/>
-                <a:cs typeface="+mn-cs"/>
-              </a:defRPr>
-            </a:lvl4pPr>
-            <a:lvl5pPr marL="2057400" indent="-228600" algn="l" defTabSz="914400" rtl="0" eaLnBrk="1" latinLnBrk="0" hangingPunct="1">
-              <a:lnSpc>
-                <a:spcPct val="90000"/>
-              </a:lnSpc>
-              <a:spcBef>
-                <a:spcPts val="500"/>
-              </a:spcBef>
-              <a:buFont typeface="Arial" panose="020B0604020202020204" pitchFamily="34" charset="0"/>
-              <a:buChar char="•"/>
-              <a:defRPr sz="1800" kern="1200">
-                <a:solidFill>
-                  <a:schemeClr val="tx1"/>
-                </a:solidFill>
-                <a:latin typeface="+mn-lt"/>
-                <a:ea typeface="+mn-ea"/>
-                <a:cs typeface="+mn-cs"/>
-              </a:defRPr>
-            </a:lvl5pPr>
-            <a:lvl6pPr marL="2514600" indent="-228600" algn="l" defTabSz="914400" rtl="0" eaLnBrk="1" latinLnBrk="0" hangingPunct="1">
-              <a:lnSpc>
-                <a:spcPct val="90000"/>
-              </a:lnSpc>
-              <a:spcBef>
-                <a:spcPts val="500"/>
-              </a:spcBef>
-              <a:buFont typeface="Arial" panose="020B0604020202020204" pitchFamily="34" charset="0"/>
-              <a:buChar char="•"/>
-              <a:defRPr sz="1800" kern="1200">
-                <a:solidFill>
-                  <a:schemeClr val="tx1"/>
-                </a:solidFill>
-                <a:latin typeface="+mn-lt"/>
-                <a:ea typeface="+mn-ea"/>
-                <a:cs typeface="+mn-cs"/>
-              </a:defRPr>
-            </a:lvl6pPr>
-            <a:lvl7pPr marL="2971800" indent="-228600" algn="l" defTabSz="914400" rtl="0" eaLnBrk="1" latinLnBrk="0" hangingPunct="1">
-              <a:lnSpc>
-                <a:spcPct val="90000"/>
-              </a:lnSpc>
-              <a:spcBef>
-                <a:spcPts val="500"/>
-              </a:spcBef>
-              <a:buFont typeface="Arial" panose="020B0604020202020204" pitchFamily="34" charset="0"/>
-              <a:buChar char="•"/>
-              <a:defRPr sz="1800" kern="1200">
-                <a:solidFill>
-                  <a:schemeClr val="tx1"/>
-                </a:solidFill>
-                <a:latin typeface="+mn-lt"/>
-                <a:ea typeface="+mn-ea"/>
-                <a:cs typeface="+mn-cs"/>
-              </a:defRPr>
-            </a:lvl7pPr>
-            <a:lvl8pPr marL="3429000" indent="-228600" algn="l" defTabSz="914400" rtl="0" eaLnBrk="1" latinLnBrk="0" hangingPunct="1">
-              <a:lnSpc>
-                <a:spcPct val="90000"/>
-              </a:lnSpc>
-              <a:spcBef>
-                <a:spcPts val="500"/>
-              </a:spcBef>
-              <a:buFont typeface="Arial" panose="020B0604020202020204" pitchFamily="34" charset="0"/>
-              <a:buChar char="•"/>
-              <a:defRPr sz="1800" kern="1200">
-                <a:solidFill>
-                  <a:schemeClr val="tx1"/>
-                </a:solidFill>
-                <a:latin typeface="+mn-lt"/>
-                <a:ea typeface="+mn-ea"/>
-                <a:cs typeface="+mn-cs"/>
-              </a:defRPr>
-            </a:lvl8pPr>
-            <a:lvl9pPr marL="3886200" indent="-228600" algn="l" defTabSz="914400" rtl="0" eaLnBrk="1" latinLnBrk="0" hangingPunct="1">
-              <a:lnSpc>
-                <a:spcPct val="90000"/>
-              </a:lnSpc>
-              <a:spcBef>
-                <a:spcPts val="500"/>
-              </a:spcBef>
-              <a:buFont typeface="Arial" panose="020B0604020202020204" pitchFamily="34" charset="0"/>
-              <a:buChar char="•"/>
-              <a:defRPr sz="1800" kern="1200">
-                <a:solidFill>
-                  <a:schemeClr val="tx1"/>
-                </a:solidFill>
-                <a:latin typeface="+mn-lt"/>
-                <a:ea typeface="+mn-ea"/>
-                <a:cs typeface="+mn-cs"/>
-              </a:defRPr>
-            </a:lvl9pPr>
-          </a:lstStyle>
-          <a:p>
-            <a:pPr>
-              <a:buClr>
-                <a:schemeClr val="accent4"/>
-              </a:buClr>
-              <a:buFont typeface="Wingdings" panose="05000000000000000000" pitchFamily="2" charset="2"/>
-              <a:buChar char="Ø"/>
-            </a:pPr>
-            <a:r>
-              <a:rPr lang="fr-FR" sz="1800" dirty="0"/>
-              <a:t>Connecter Ecran LCD</a:t>
-            </a:r>
-          </a:p>
-          <a:p>
-            <a:endParaRPr lang="fr-FR" dirty="0"/>
-          </a:p>
-          <a:p>
-            <a:endParaRPr lang="fr-FR" dirty="0"/>
-          </a:p>
-          <a:p>
-            <a:endParaRPr lang="fr-FR" dirty="0"/>
-          </a:p>
-          <a:p>
-            <a:endParaRPr lang="fr-FR" dirty="0"/>
-          </a:p>
-          <a:p>
-            <a:endParaRPr lang="fr-FR" dirty="0"/>
-          </a:p>
-          <a:p>
-            <a:pPr marL="0" indent="0">
-              <a:buNone/>
-            </a:pPr>
-            <a:endParaRPr lang="fr-FR" dirty="0"/>
-          </a:p>
-          <a:p>
-            <a:pPr>
-              <a:buClr>
-                <a:schemeClr val="accent4"/>
-              </a:buClr>
-              <a:buFont typeface="Wingdings" panose="05000000000000000000" pitchFamily="2" charset="2"/>
-              <a:buChar char="Ø"/>
-            </a:pPr>
-            <a:r>
-              <a:rPr lang="fr-FR" sz="1800" dirty="0"/>
-              <a:t>Affichage de l’énigme sur l’</a:t>
-            </a:r>
-            <a:r>
-              <a:rPr lang="fr-FR" sz="1800" dirty="0" err="1"/>
-              <a:t>ecran</a:t>
-            </a:r>
-            <a:r>
-              <a:rPr lang="fr-FR" sz="1800" dirty="0"/>
-              <a:t> quand le code est bon</a:t>
-            </a:r>
-          </a:p>
-          <a:p>
-            <a:endParaRPr lang="fr-FR" dirty="0"/>
-          </a:p>
-        </p:txBody>
-      </p:sp>
-      <p:sp>
-        <p:nvSpPr>
-          <p:cNvPr id="5" name="Espace réservé du contenu 2">
-            <a:extLst>
-              <a:ext uri="{FF2B5EF4-FFF2-40B4-BE49-F238E27FC236}">
-                <a16:creationId xmlns:a16="http://schemas.microsoft.com/office/drawing/2014/main" id="{4EA4B949-06FA-4096-83AB-E011A5F55242}"/>
-              </a:ext>
-            </a:extLst>
-          </p:cNvPr>
-          <p:cNvSpPr txBox="1">
-            <a:spLocks/>
-          </p:cNvSpPr>
-          <p:nvPr/>
-        </p:nvSpPr>
-        <p:spPr>
-          <a:xfrm>
-            <a:off x="5499627" y="1703834"/>
-            <a:ext cx="5257800" cy="4351338"/>
-          </a:xfrm>
-          <a:prstGeom prst="rect">
-            <a:avLst/>
-          </a:prstGeom>
-        </p:spPr>
-        <p:txBody>
-          <a:bodyPr vert="horz" lIns="91440" tIns="45720" rIns="91440" bIns="45720" rtlCol="0">
-            <a:normAutofit/>
-          </a:bodyPr>
-          <a:lstStyle>
-            <a:lvl1pPr marL="342900" indent="-342900" algn="l" defTabSz="457200" rtl="0" eaLnBrk="1" latinLnBrk="0" hangingPunct="1">
-              <a:spcBef>
-                <a:spcPts val="1000"/>
-              </a:spcBef>
-              <a:spcAft>
-                <a:spcPts val="0"/>
-              </a:spcAft>
-              <a:buClr>
-                <a:schemeClr val="accent1"/>
-              </a:buClr>
-              <a:buSzPct val="80000"/>
-              <a:buFont typeface="Wingdings 3" charset="2"/>
-              <a:buChar char=""/>
-              <a:defRPr sz="1800" kern="1200">
-                <a:solidFill>
-                  <a:schemeClr val="tx1">
-                    <a:lumMod val="75000"/>
-                    <a:lumOff val="25000"/>
-                  </a:schemeClr>
-                </a:solidFill>
-                <a:latin typeface="+mn-lt"/>
-                <a:ea typeface="+mn-ea"/>
-                <a:cs typeface="+mn-cs"/>
-              </a:defRPr>
-            </a:lvl1pPr>
-            <a:lvl2pPr marL="742950" indent="-285750" algn="l" defTabSz="457200" rtl="0" eaLnBrk="1" latinLnBrk="0" hangingPunct="1">
-              <a:spcBef>
-                <a:spcPts val="1000"/>
-              </a:spcBef>
-              <a:spcAft>
-                <a:spcPts val="0"/>
-              </a:spcAft>
-              <a:buClr>
-                <a:schemeClr val="accent1"/>
-              </a:buClr>
-              <a:buSzPct val="80000"/>
-              <a:buFont typeface="Wingdings 3" charset="2"/>
-              <a:buChar char=""/>
-              <a:defRPr sz="1600" kern="1200">
-                <a:solidFill>
-                  <a:schemeClr val="tx1">
-                    <a:lumMod val="75000"/>
-                    <a:lumOff val="25000"/>
-                  </a:schemeClr>
-                </a:solidFill>
-                <a:latin typeface="+mn-lt"/>
-                <a:ea typeface="+mn-ea"/>
-                <a:cs typeface="+mn-cs"/>
-              </a:defRPr>
-            </a:lvl2pPr>
-            <a:lvl3pPr marL="1143000" indent="-228600" algn="l" defTabSz="457200" rtl="0" eaLnBrk="1" latinLnBrk="0" hangingPunct="1">
-              <a:spcBef>
-                <a:spcPts val="1000"/>
-              </a:spcBef>
-              <a:spcAft>
-                <a:spcPts val="0"/>
-              </a:spcAft>
-              <a:buClr>
-                <a:schemeClr val="accent1"/>
-              </a:buClr>
-              <a:buSzPct val="80000"/>
-              <a:buFont typeface="Wingdings 3" charset="2"/>
-              <a:buChar char=""/>
-              <a:defRPr sz="1400" kern="1200">
-                <a:solidFill>
-                  <a:schemeClr val="tx1">
-                    <a:lumMod val="75000"/>
-                    <a:lumOff val="25000"/>
-                  </a:schemeClr>
-                </a:solidFill>
-                <a:latin typeface="+mn-lt"/>
-                <a:ea typeface="+mn-ea"/>
-                <a:cs typeface="+mn-cs"/>
-              </a:defRPr>
-            </a:lvl3pPr>
-            <a:lvl4pPr marL="1600200" indent="-228600" algn="l" defTabSz="457200" rtl="0" eaLnBrk="1" latinLnBrk="0" hangingPunct="1">
-              <a:spcBef>
-                <a:spcPts val="1000"/>
-              </a:spcBef>
-              <a:spcAft>
-                <a:spcPts val="0"/>
-              </a:spcAft>
-              <a:buClr>
-                <a:schemeClr val="accent1"/>
-              </a:buClr>
-              <a:buSzPct val="80000"/>
-              <a:buFont typeface="Wingdings 3" charset="2"/>
-              <a:buChar char=""/>
-              <a:defRPr sz="1200" kern="1200">
-                <a:solidFill>
-                  <a:schemeClr val="tx1">
-                    <a:lumMod val="75000"/>
-                    <a:lumOff val="25000"/>
-                  </a:schemeClr>
-                </a:solidFill>
-                <a:latin typeface="+mn-lt"/>
-                <a:ea typeface="+mn-ea"/>
-                <a:cs typeface="+mn-cs"/>
-              </a:defRPr>
-            </a:lvl4pPr>
-            <a:lvl5pPr marL="2057400" indent="-228600" algn="l" defTabSz="457200" rtl="0" eaLnBrk="1" latinLnBrk="0" hangingPunct="1">
-              <a:spcBef>
-                <a:spcPts val="1000"/>
-              </a:spcBef>
-              <a:spcAft>
-                <a:spcPts val="0"/>
-              </a:spcAft>
-              <a:buClr>
-                <a:schemeClr val="accent1"/>
-              </a:buClr>
-              <a:buSzPct val="80000"/>
-              <a:buFont typeface="Wingdings 3" charset="2"/>
-              <a:buChar char=""/>
-              <a:defRPr sz="1200" kern="1200">
-                <a:solidFill>
-                  <a:schemeClr val="tx1">
-                    <a:lumMod val="75000"/>
-                    <a:lumOff val="25000"/>
-                  </a:schemeClr>
-                </a:solidFill>
-                <a:latin typeface="+mn-lt"/>
-                <a:ea typeface="+mn-ea"/>
-                <a:cs typeface="+mn-cs"/>
-              </a:defRPr>
-            </a:lvl5pPr>
-            <a:lvl6pPr marL="2514600" indent="-228600" algn="l" defTabSz="457200" rtl="0" eaLnBrk="1" latinLnBrk="0" hangingPunct="1">
-              <a:spcBef>
-                <a:spcPts val="1000"/>
-              </a:spcBef>
-              <a:spcAft>
-                <a:spcPts val="0"/>
-              </a:spcAft>
-              <a:buClr>
-                <a:schemeClr val="accent1"/>
-              </a:buClr>
-              <a:buSzPct val="80000"/>
-              <a:buFont typeface="Wingdings 3" charset="2"/>
-              <a:buChar char=""/>
-              <a:defRPr sz="1200" kern="1200">
-                <a:solidFill>
-                  <a:schemeClr val="tx1">
-                    <a:lumMod val="75000"/>
-                    <a:lumOff val="25000"/>
-                  </a:schemeClr>
-                </a:solidFill>
-                <a:latin typeface="+mn-lt"/>
-                <a:ea typeface="+mn-ea"/>
-                <a:cs typeface="+mn-cs"/>
-              </a:defRPr>
-            </a:lvl6pPr>
-            <a:lvl7pPr marL="2971800" indent="-228600" algn="l" defTabSz="457200" rtl="0" eaLnBrk="1" latinLnBrk="0" hangingPunct="1">
-              <a:spcBef>
-                <a:spcPts val="1000"/>
-              </a:spcBef>
-              <a:spcAft>
-                <a:spcPts val="0"/>
-              </a:spcAft>
-              <a:buClr>
-                <a:schemeClr val="accent1"/>
-              </a:buClr>
-              <a:buSzPct val="80000"/>
-              <a:buFont typeface="Wingdings 3" charset="2"/>
-              <a:buChar char=""/>
-              <a:defRPr sz="1200" kern="1200">
-                <a:solidFill>
-                  <a:schemeClr val="tx1">
-                    <a:lumMod val="75000"/>
-                    <a:lumOff val="25000"/>
-                  </a:schemeClr>
-                </a:solidFill>
-                <a:latin typeface="+mn-lt"/>
-                <a:ea typeface="+mn-ea"/>
-                <a:cs typeface="+mn-cs"/>
-              </a:defRPr>
-            </a:lvl7pPr>
-            <a:lvl8pPr marL="3429000" indent="-228600" algn="l" defTabSz="457200" rtl="0" eaLnBrk="1" latinLnBrk="0" hangingPunct="1">
-              <a:spcBef>
-                <a:spcPts val="1000"/>
-              </a:spcBef>
-              <a:spcAft>
-                <a:spcPts val="0"/>
-              </a:spcAft>
-              <a:buClr>
-                <a:schemeClr val="accent1"/>
-              </a:buClr>
-              <a:buSzPct val="80000"/>
-              <a:buFont typeface="Wingdings 3" charset="2"/>
-              <a:buChar char=""/>
-              <a:defRPr sz="1200" kern="1200">
-                <a:solidFill>
-                  <a:schemeClr val="tx1">
-                    <a:lumMod val="75000"/>
-                    <a:lumOff val="25000"/>
-                  </a:schemeClr>
-                </a:solidFill>
-                <a:latin typeface="+mn-lt"/>
-                <a:ea typeface="+mn-ea"/>
-                <a:cs typeface="+mn-cs"/>
-              </a:defRPr>
-            </a:lvl8pPr>
-            <a:lvl9pPr marL="3886200" indent="-228600" algn="l" defTabSz="457200" rtl="0" eaLnBrk="1" latinLnBrk="0" hangingPunct="1">
-              <a:spcBef>
-                <a:spcPts val="1000"/>
-              </a:spcBef>
-              <a:spcAft>
-                <a:spcPts val="0"/>
-              </a:spcAft>
-              <a:buClr>
-                <a:schemeClr val="accent1"/>
-              </a:buClr>
-              <a:buSzPct val="80000"/>
-              <a:buFont typeface="Wingdings 3" charset="2"/>
-              <a:buChar char=""/>
-              <a:defRPr sz="1200" kern="1200">
-                <a:solidFill>
-                  <a:schemeClr val="tx1">
-                    <a:lumMod val="75000"/>
-                    <a:lumOff val="25000"/>
-                  </a:schemeClr>
-                </a:solidFill>
-                <a:latin typeface="+mn-lt"/>
-                <a:ea typeface="+mn-ea"/>
-                <a:cs typeface="+mn-cs"/>
-              </a:defRPr>
-            </a:lvl9pPr>
-          </a:lstStyle>
-          <a:p>
-            <a:pPr>
-              <a:buClr>
-                <a:schemeClr val="accent4"/>
-              </a:buClr>
-              <a:buFont typeface="Wingdings" panose="05000000000000000000" pitchFamily="2" charset="2"/>
-              <a:buChar char="Ø"/>
-            </a:pPr>
-            <a:r>
-              <a:rPr lang="fr-FR" dirty="0"/>
-              <a:t>Code de connexion avec librairie "</a:t>
-            </a:r>
-            <a:r>
-              <a:rPr lang="fr-FR" dirty="0" err="1"/>
-              <a:t>LiquidCrystal.h</a:t>
-            </a:r>
-            <a:r>
-              <a:rPr lang="fr-FR" dirty="0"/>
-              <a:t>"  </a:t>
-            </a:r>
-          </a:p>
-          <a:p>
-            <a:endParaRPr lang="fr-FR" dirty="0"/>
-          </a:p>
-        </p:txBody>
-      </p:sp>
-      <p:pic>
-        <p:nvPicPr>
-          <p:cNvPr id="6" name="Image 5">
-            <a:extLst>
-              <a:ext uri="{FF2B5EF4-FFF2-40B4-BE49-F238E27FC236}">
-                <a16:creationId xmlns:a16="http://schemas.microsoft.com/office/drawing/2014/main" id="{347D77F9-F00E-4AF1-BE02-1057BAD09A07}"/>
-              </a:ext>
-            </a:extLst>
-          </p:cNvPr>
-          <p:cNvPicPr>
-            <a:picLocks noChangeAspect="1"/>
-          </p:cNvPicPr>
-          <p:nvPr/>
-        </p:nvPicPr>
-        <p:blipFill>
-          <a:blip r:embed="rId2"/>
-          <a:stretch>
-            <a:fillRect/>
-          </a:stretch>
-        </p:blipFill>
-        <p:spPr>
-          <a:xfrm>
-            <a:off x="5226968" y="2568147"/>
-            <a:ext cx="4401664" cy="2461053"/>
-          </a:xfrm>
-          <a:prstGeom prst="rect">
-            <a:avLst/>
-          </a:prstGeom>
-        </p:spPr>
-      </p:pic>
-      <p:pic>
-        <p:nvPicPr>
-          <p:cNvPr id="7" name="Image 6">
-            <a:extLst>
-              <a:ext uri="{FF2B5EF4-FFF2-40B4-BE49-F238E27FC236}">
-                <a16:creationId xmlns:a16="http://schemas.microsoft.com/office/drawing/2014/main" id="{1459C5C6-CB41-4C0D-8DFB-05145DEC6DD6}"/>
-              </a:ext>
-            </a:extLst>
-          </p:cNvPr>
-          <p:cNvPicPr/>
-          <p:nvPr/>
-        </p:nvPicPr>
-        <p:blipFill>
-          <a:blip r:embed="rId3">
-            <a:extLst>
-              <a:ext uri="{28A0092B-C50C-407E-A947-70E740481C1C}">
-                <a14:useLocalDpi xmlns:a14="http://schemas.microsoft.com/office/drawing/2010/main" val="0"/>
-              </a:ext>
-            </a:extLst>
-          </a:blip>
-          <a:stretch>
-            <a:fillRect/>
-          </a:stretch>
-        </p:blipFill>
-        <p:spPr>
-          <a:xfrm>
-            <a:off x="392430" y="2235169"/>
-            <a:ext cx="4133850" cy="2186940"/>
-          </a:xfrm>
-          <a:prstGeom prst="rect">
-            <a:avLst/>
-          </a:prstGeom>
-        </p:spPr>
-      </p:pic>
-      <p:pic>
-        <p:nvPicPr>
-          <p:cNvPr id="8" name="Picture 2" descr="Image associée">
-            <a:extLst>
-              <a:ext uri="{FF2B5EF4-FFF2-40B4-BE49-F238E27FC236}">
-                <a16:creationId xmlns:a16="http://schemas.microsoft.com/office/drawing/2014/main" id="{1D2A2ED6-3334-446B-B7F9-4AEDA8226A7B}"/>
-              </a:ext>
-            </a:extLst>
-          </p:cNvPr>
-          <p:cNvPicPr>
-            <a:picLocks noChangeAspect="1" noChangeArrowheads="1"/>
-          </p:cNvPicPr>
-          <p:nvPr/>
-        </p:nvPicPr>
-        <p:blipFill rotWithShape="1">
-          <a:blip r:embed="rId4">
-            <a:extLst>
-              <a:ext uri="{28A0092B-C50C-407E-A947-70E740481C1C}">
-                <a14:useLocalDpi xmlns:a14="http://schemas.microsoft.com/office/drawing/2010/main" val="0"/>
-              </a:ext>
-            </a:extLst>
-          </a:blip>
-          <a:srcRect l="18677" r="15441"/>
-          <a:stretch/>
-        </p:blipFill>
-        <p:spPr bwMode="auto">
-          <a:xfrm>
-            <a:off x="143436" y="143435"/>
-            <a:ext cx="2269635" cy="609600"/>
-          </a:xfrm>
-          <a:prstGeom prst="rect">
-            <a:avLst/>
-          </a:prstGeom>
-          <a:noFill/>
-          <a:extLst>
-            <a:ext uri="{909E8E84-426E-40DD-AFC4-6F175D3DCCD1}">
-              <a14:hiddenFill xmlns:a14="http://schemas.microsoft.com/office/drawing/2010/main">
-                <a:solidFill>
-                  <a:srgbClr val="FFFFFF"/>
-                </a:solidFill>
-              </a14:hiddenFill>
-            </a:ext>
-          </a:extLst>
-        </p:spPr>
-      </p:pic>
-    </p:spTree>
-    <p:extLst>
-      <p:ext uri="{BB962C8B-B14F-4D97-AF65-F5344CB8AC3E}">
-        <p14:creationId xmlns:p14="http://schemas.microsoft.com/office/powerpoint/2010/main" val="1607892895"/>
       </p:ext>
     </p:extLst>
   </p:cSld>

--- a/Cyril/Diapositives/Projet Théléton.pptx
+++ b/Cyril/Diapositives/Projet Théléton.pptx
@@ -5,7 +5,7 @@
     <p:sldMasterId id="2147483660" r:id="rId1"/>
   </p:sldMasterIdLst>
   <p:notesMasterIdLst>
-    <p:notesMasterId r:id="rId14"/>
+    <p:notesMasterId r:id="rId15"/>
   </p:notesMasterIdLst>
   <p:sldIdLst>
     <p:sldId id="266" r:id="rId2"/>
@@ -13,13 +13,14 @@
     <p:sldId id="269" r:id="rId4"/>
     <p:sldId id="258" r:id="rId5"/>
     <p:sldId id="259" r:id="rId6"/>
-    <p:sldId id="274" r:id="rId7"/>
-    <p:sldId id="271" r:id="rId8"/>
-    <p:sldId id="263" r:id="rId9"/>
-    <p:sldId id="264" r:id="rId10"/>
-    <p:sldId id="265" r:id="rId11"/>
-    <p:sldId id="273" r:id="rId12"/>
-    <p:sldId id="268" r:id="rId13"/>
+    <p:sldId id="275" r:id="rId7"/>
+    <p:sldId id="274" r:id="rId8"/>
+    <p:sldId id="271" r:id="rId9"/>
+    <p:sldId id="263" r:id="rId10"/>
+    <p:sldId id="264" r:id="rId11"/>
+    <p:sldId id="265" r:id="rId12"/>
+    <p:sldId id="273" r:id="rId13"/>
+    <p:sldId id="268" r:id="rId14"/>
   </p:sldIdLst>
   <p:sldSz cx="12192000" cy="6858000"/>
   <p:notesSz cx="6858000" cy="9144000"/>
@@ -211,7 +212,7 @@
           <a:p>
             <a:fld id="{C6B1AD4F-F5E1-44BF-B2CE-5CC53752312E}" type="datetimeFigureOut">
               <a:rPr lang="fr-FR" smtClean="0"/>
-              <a:t>03/03/2020</a:t>
+              <a:t>06/03/2020</a:t>
             </a:fld>
             <a:endParaRPr lang="fr-FR"/>
           </a:p>
@@ -627,7 +628,7 @@
           <a:p>
             <a:fld id="{0EE03F40-5359-45BD-BFB3-41D3E922B839}" type="slidenum">
               <a:rPr lang="fr-FR" smtClean="0"/>
-              <a:t>8</a:t>
+              <a:t>9</a:t>
             </a:fld>
             <a:endParaRPr lang="fr-FR"/>
           </a:p>
@@ -711,7 +712,7 @@
           <a:p>
             <a:fld id="{0EE03F40-5359-45BD-BFB3-41D3E922B839}" type="slidenum">
               <a:rPr lang="fr-FR" smtClean="0"/>
-              <a:t>12</a:t>
+              <a:t>13</a:t>
             </a:fld>
             <a:endParaRPr lang="fr-FR"/>
           </a:p>
@@ -1453,7 +1454,7 @@
             <a:fld id="{B61BEF0D-F0BB-DE4B-95CE-6DB70DBA9567}" type="datetimeFigureOut">
               <a:rPr lang="en-US" dirty="0"/>
               <a:pPr/>
-              <a:t>3/3/2020</a:t>
+              <a:t>3/6/2020</a:t>
             </a:fld>
             <a:endParaRPr lang="en-US" dirty="0"/>
           </a:p>
@@ -1706,7 +1707,7 @@
             <a:fld id="{B61BEF0D-F0BB-DE4B-95CE-6DB70DBA9567}" type="datetimeFigureOut">
               <a:rPr lang="en-US" dirty="0"/>
               <a:pPr/>
-              <a:t>3/3/2020</a:t>
+              <a:t>3/6/2020</a:t>
             </a:fld>
             <a:endParaRPr lang="en-US" dirty="0"/>
           </a:p>
@@ -2022,7 +2023,7 @@
             <a:fld id="{B61BEF0D-F0BB-DE4B-95CE-6DB70DBA9567}" type="datetimeFigureOut">
               <a:rPr lang="en-US" dirty="0"/>
               <a:pPr/>
-              <a:t>3/3/2020</a:t>
+              <a:t>3/6/2020</a:t>
             </a:fld>
             <a:endParaRPr lang="en-US" dirty="0"/>
           </a:p>
@@ -2365,7 +2366,7 @@
             <a:fld id="{B61BEF0D-F0BB-DE4B-95CE-6DB70DBA9567}" type="datetimeFigureOut">
               <a:rPr lang="en-US" dirty="0"/>
               <a:pPr/>
-              <a:t>3/3/2020</a:t>
+              <a:t>3/6/2020</a:t>
             </a:fld>
             <a:endParaRPr lang="en-US" dirty="0"/>
           </a:p>
@@ -2681,7 +2682,7 @@
             <a:fld id="{B61BEF0D-F0BB-DE4B-95CE-6DB70DBA9567}" type="datetimeFigureOut">
               <a:rPr lang="en-US" dirty="0"/>
               <a:pPr/>
-              <a:t>3/3/2020</a:t>
+              <a:t>3/6/2020</a:t>
             </a:fld>
             <a:endParaRPr lang="en-US" dirty="0"/>
           </a:p>
@@ -3076,7 +3077,7 @@
             <a:fld id="{B61BEF0D-F0BB-DE4B-95CE-6DB70DBA9567}" type="datetimeFigureOut">
               <a:rPr lang="en-US" dirty="0"/>
               <a:pPr/>
-              <a:t>3/3/2020</a:t>
+              <a:t>3/6/2020</a:t>
             </a:fld>
             <a:endParaRPr lang="en-US" dirty="0"/>
           </a:p>
@@ -3247,7 +3248,7 @@
           <a:p>
             <a:fld id="{55C6B4A9-1611-4792-9094-5F34BCA07E0B}" type="datetimeFigureOut">
               <a:rPr lang="en-US" dirty="0"/>
-              <a:t>3/3/2020</a:t>
+              <a:t>3/6/2020</a:t>
             </a:fld>
             <a:endParaRPr lang="en-US" dirty="0"/>
           </a:p>
@@ -3428,7 +3429,7 @@
             <a:fld id="{B61BEF0D-F0BB-DE4B-95CE-6DB70DBA9567}" type="datetimeFigureOut">
               <a:rPr lang="en-US" dirty="0"/>
               <a:pPr/>
-              <a:t>3/3/2020</a:t>
+              <a:t>3/6/2020</a:t>
             </a:fld>
             <a:endParaRPr lang="en-US" dirty="0"/>
           </a:p>
@@ -3606,7 +3607,7 @@
             <a:fld id="{B61BEF0D-F0BB-DE4B-95CE-6DB70DBA9567}" type="datetimeFigureOut">
               <a:rPr lang="en-US" dirty="0"/>
               <a:pPr/>
-              <a:t>3/3/2020</a:t>
+              <a:t>3/6/2020</a:t>
             </a:fld>
             <a:endParaRPr lang="en-US" dirty="0"/>
           </a:p>
@@ -3855,7 +3856,7 @@
             <a:fld id="{B61BEF0D-F0BB-DE4B-95CE-6DB70DBA9567}" type="datetimeFigureOut">
               <a:rPr lang="en-US" dirty="0"/>
               <a:pPr/>
-              <a:t>3/3/2020</a:t>
+              <a:t>3/6/2020</a:t>
             </a:fld>
             <a:endParaRPr lang="en-US" dirty="0"/>
           </a:p>
@@ -4088,7 +4089,7 @@
           <a:p>
             <a:fld id="{EB712588-04B1-427B-82EE-E8DB90309F08}" type="datetimeFigureOut">
               <a:rPr lang="en-US" dirty="0"/>
-              <a:t>3/3/2020</a:t>
+              <a:t>3/6/2020</a:t>
             </a:fld>
             <a:endParaRPr lang="en-US" dirty="0"/>
           </a:p>
@@ -4463,7 +4464,7 @@
             <a:fld id="{B61BEF0D-F0BB-DE4B-95CE-6DB70DBA9567}" type="datetimeFigureOut">
               <a:rPr lang="en-US" dirty="0"/>
               <a:pPr/>
-              <a:t>3/3/2020</a:t>
+              <a:t>3/6/2020</a:t>
             </a:fld>
             <a:endParaRPr lang="en-US" dirty="0"/>
           </a:p>
@@ -4588,7 +4589,7 @@
             <a:fld id="{B61BEF0D-F0BB-DE4B-95CE-6DB70DBA9567}" type="datetimeFigureOut">
               <a:rPr lang="en-US" dirty="0"/>
               <a:pPr/>
-              <a:t>3/3/2020</a:t>
+              <a:t>3/6/2020</a:t>
             </a:fld>
             <a:endParaRPr lang="en-US" dirty="0"/>
           </a:p>
@@ -4685,7 +4686,7 @@
             <a:fld id="{B61BEF0D-F0BB-DE4B-95CE-6DB70DBA9567}" type="datetimeFigureOut">
               <a:rPr lang="en-US" dirty="0"/>
               <a:pPr/>
-              <a:t>3/3/2020</a:t>
+              <a:t>3/6/2020</a:t>
             </a:fld>
             <a:endParaRPr lang="en-US" dirty="0"/>
           </a:p>
@@ -4941,7 +4942,7 @@
           <a:p>
             <a:fld id="{42A54C80-263E-416B-A8E0-580EDEADCBDC}" type="datetimeFigureOut">
               <a:rPr lang="en-US" dirty="0"/>
-              <a:t>3/3/2020</a:t>
+              <a:t>3/6/2020</a:t>
             </a:fld>
             <a:endParaRPr lang="en-US" dirty="0"/>
           </a:p>
@@ -5205,7 +5206,7 @@
             <a:fld id="{B61BEF0D-F0BB-DE4B-95CE-6DB70DBA9567}" type="datetimeFigureOut">
               <a:rPr lang="en-US" dirty="0"/>
               <a:pPr/>
-              <a:t>3/3/2020</a:t>
+              <a:t>3/6/2020</a:t>
             </a:fld>
             <a:endParaRPr lang="en-US" dirty="0"/>
           </a:p>
@@ -5950,7 +5951,7 @@
             <a:fld id="{B61BEF0D-F0BB-DE4B-95CE-6DB70DBA9567}" type="datetimeFigureOut">
               <a:rPr lang="en-US" dirty="0"/>
               <a:pPr/>
-              <a:t>3/3/2020</a:t>
+              <a:t>3/6/2020</a:t>
             </a:fld>
             <a:endParaRPr lang="en-US" dirty="0"/>
           </a:p>
@@ -7630,7 +7631,7 @@
                 <a:ea typeface="+mn-ea"/>
                 <a:cs typeface="+mn-cs"/>
               </a:rPr>
-              <a:t>Revue de projet n°1</a:t>
+              <a:t>Revue de projet n°2</a:t>
             </a:r>
           </a:p>
           <a:p>
@@ -7921,6 +7922,481 @@
 </file>
 
 <file path=ppt/slides/slide10.xml><?xml version="1.0" encoding="utf-8"?>
+<p:sld xmlns:a="http://schemas.openxmlformats.org/drawingml/2006/main" xmlns:r="http://schemas.openxmlformats.org/officeDocument/2006/relationships" xmlns:p="http://schemas.openxmlformats.org/presentationml/2006/main">
+  <p:cSld>
+    <p:spTree>
+      <p:nvGrpSpPr>
+        <p:cNvPr id="1" name=""/>
+        <p:cNvGrpSpPr/>
+        <p:nvPr/>
+      </p:nvGrpSpPr>
+      <p:grpSpPr>
+        <a:xfrm>
+          <a:off x="0" y="0"/>
+          <a:ext cx="0" cy="0"/>
+          <a:chOff x="0" y="0"/>
+          <a:chExt cx="0" cy="0"/>
+        </a:xfrm>
+      </p:grpSpPr>
+      <p:sp>
+        <p:nvSpPr>
+          <p:cNvPr id="2" name="Titre 1">
+            <a:extLst>
+              <a:ext uri="{FF2B5EF4-FFF2-40B4-BE49-F238E27FC236}">
+                <a16:creationId xmlns:a16="http://schemas.microsoft.com/office/drawing/2014/main" id="{52464457-C548-4C11-937B-D5CE18637792}"/>
+              </a:ext>
+            </a:extLst>
+          </p:cNvPr>
+          <p:cNvSpPr>
+            <a:spLocks noGrp="1"/>
+          </p:cNvSpPr>
+          <p:nvPr>
+            <p:ph type="title"/>
+          </p:nvPr>
+        </p:nvSpPr>
+        <p:spPr>
+          <a:xfrm>
+            <a:off x="143436" y="914632"/>
+            <a:ext cx="8596668" cy="1320800"/>
+          </a:xfrm>
+        </p:spPr>
+        <p:txBody>
+          <a:bodyPr/>
+          <a:lstStyle/>
+          <a:p>
+            <a:r>
+              <a:rPr lang="fr-FR" dirty="0"/>
+              <a:t>Connexion du pavé numérique</a:t>
+            </a:r>
+            <a:br>
+              <a:rPr lang="fr-FR" dirty="0"/>
+            </a:br>
+            <a:endParaRPr lang="fr-FR" dirty="0"/>
+          </a:p>
+        </p:txBody>
+      </p:sp>
+      <p:sp>
+        <p:nvSpPr>
+          <p:cNvPr id="4" name="Espace réservé du contenu 2">
+            <a:extLst>
+              <a:ext uri="{FF2B5EF4-FFF2-40B4-BE49-F238E27FC236}">
+                <a16:creationId xmlns:a16="http://schemas.microsoft.com/office/drawing/2014/main" id="{1FA1AE2A-B082-496C-A1E0-46A52A5F4400}"/>
+              </a:ext>
+            </a:extLst>
+          </p:cNvPr>
+          <p:cNvSpPr>
+            <a:spLocks noGrp="1"/>
+          </p:cNvSpPr>
+          <p:nvPr>
+            <p:ph idx="1"/>
+          </p:nvPr>
+        </p:nvSpPr>
+        <p:spPr>
+          <a:xfrm>
+            <a:off x="677334" y="1930400"/>
+            <a:ext cx="3711257" cy="3881437"/>
+          </a:xfrm>
+        </p:spPr>
+        <p:txBody>
+          <a:bodyPr/>
+          <a:lstStyle/>
+          <a:p>
+            <a:pPr>
+              <a:buClr>
+                <a:schemeClr val="accent4"/>
+              </a:buClr>
+              <a:buFont typeface="Wingdings" panose="05000000000000000000" pitchFamily="2" charset="2"/>
+              <a:buChar char="Ø"/>
+            </a:pPr>
+            <a:r>
+              <a:rPr lang="fr-FR" dirty="0"/>
+              <a:t>Câblage du pavé numérique</a:t>
+            </a:r>
+          </a:p>
+          <a:p>
+            <a:pPr marL="0" indent="0">
+              <a:buNone/>
+            </a:pPr>
+            <a:r>
+              <a:rPr lang="fr-FR" dirty="0"/>
+              <a:t> </a:t>
+            </a:r>
+          </a:p>
+          <a:p>
+            <a:endParaRPr lang="fr-FR" dirty="0"/>
+          </a:p>
+          <a:p>
+            <a:endParaRPr lang="fr-FR" dirty="0"/>
+          </a:p>
+        </p:txBody>
+      </p:sp>
+      <p:pic>
+        <p:nvPicPr>
+          <p:cNvPr id="5" name="Image 4">
+            <a:extLst>
+              <a:ext uri="{FF2B5EF4-FFF2-40B4-BE49-F238E27FC236}">
+                <a16:creationId xmlns:a16="http://schemas.microsoft.com/office/drawing/2014/main" id="{BC29CBE0-F8EC-4217-A56C-BCEB6B74CB77}"/>
+              </a:ext>
+            </a:extLst>
+          </p:cNvPr>
+          <p:cNvPicPr/>
+          <p:nvPr/>
+        </p:nvPicPr>
+        <p:blipFill>
+          <a:blip r:embed="rId2"/>
+          <a:stretch>
+            <a:fillRect/>
+          </a:stretch>
+        </p:blipFill>
+        <p:spPr>
+          <a:xfrm>
+            <a:off x="870717" y="2540464"/>
+            <a:ext cx="3481388" cy="3840797"/>
+          </a:xfrm>
+          <a:prstGeom prst="rect">
+            <a:avLst/>
+          </a:prstGeom>
+        </p:spPr>
+      </p:pic>
+      <p:sp>
+        <p:nvSpPr>
+          <p:cNvPr id="6" name="Espace réservé du contenu 2">
+            <a:extLst>
+              <a:ext uri="{FF2B5EF4-FFF2-40B4-BE49-F238E27FC236}">
+                <a16:creationId xmlns:a16="http://schemas.microsoft.com/office/drawing/2014/main" id="{283A3324-3406-4F47-8935-BF75427E0CC2}"/>
+              </a:ext>
+            </a:extLst>
+          </p:cNvPr>
+          <p:cNvSpPr txBox="1">
+            <a:spLocks/>
+          </p:cNvSpPr>
+          <p:nvPr/>
+        </p:nvSpPr>
+        <p:spPr>
+          <a:xfrm>
+            <a:off x="4348293" y="1949704"/>
+            <a:ext cx="6466904" cy="4351338"/>
+          </a:xfrm>
+          <a:prstGeom prst="rect">
+            <a:avLst/>
+          </a:prstGeom>
+        </p:spPr>
+        <p:txBody>
+          <a:bodyPr vert="horz" lIns="91440" tIns="45720" rIns="91440" bIns="45720" rtlCol="0">
+            <a:normAutofit/>
+          </a:bodyPr>
+          <a:lstStyle>
+            <a:lvl1pPr marL="228600" indent="-228600" algn="l" defTabSz="914400" rtl="0" eaLnBrk="1" latinLnBrk="0" hangingPunct="1">
+              <a:lnSpc>
+                <a:spcPct val="90000"/>
+              </a:lnSpc>
+              <a:spcBef>
+                <a:spcPts val="1000"/>
+              </a:spcBef>
+              <a:buFont typeface="Arial" panose="020B0604020202020204" pitchFamily="34" charset="0"/>
+              <a:buChar char="•"/>
+              <a:defRPr sz="2800" kern="1200">
+                <a:solidFill>
+                  <a:schemeClr val="tx1"/>
+                </a:solidFill>
+                <a:latin typeface="+mn-lt"/>
+                <a:ea typeface="+mn-ea"/>
+                <a:cs typeface="+mn-cs"/>
+              </a:defRPr>
+            </a:lvl1pPr>
+            <a:lvl2pPr marL="685800" indent="-228600" algn="l" defTabSz="914400" rtl="0" eaLnBrk="1" latinLnBrk="0" hangingPunct="1">
+              <a:lnSpc>
+                <a:spcPct val="90000"/>
+              </a:lnSpc>
+              <a:spcBef>
+                <a:spcPts val="500"/>
+              </a:spcBef>
+              <a:buFont typeface="Arial" panose="020B0604020202020204" pitchFamily="34" charset="0"/>
+              <a:buChar char="•"/>
+              <a:defRPr sz="2400" kern="1200">
+                <a:solidFill>
+                  <a:schemeClr val="tx1"/>
+                </a:solidFill>
+                <a:latin typeface="+mn-lt"/>
+                <a:ea typeface="+mn-ea"/>
+                <a:cs typeface="+mn-cs"/>
+              </a:defRPr>
+            </a:lvl2pPr>
+            <a:lvl3pPr marL="1143000" indent="-228600" algn="l" defTabSz="914400" rtl="0" eaLnBrk="1" latinLnBrk="0" hangingPunct="1">
+              <a:lnSpc>
+                <a:spcPct val="90000"/>
+              </a:lnSpc>
+              <a:spcBef>
+                <a:spcPts val="500"/>
+              </a:spcBef>
+              <a:buFont typeface="Arial" panose="020B0604020202020204" pitchFamily="34" charset="0"/>
+              <a:buChar char="•"/>
+              <a:defRPr sz="2000" kern="1200">
+                <a:solidFill>
+                  <a:schemeClr val="tx1"/>
+                </a:solidFill>
+                <a:latin typeface="+mn-lt"/>
+                <a:ea typeface="+mn-ea"/>
+                <a:cs typeface="+mn-cs"/>
+              </a:defRPr>
+            </a:lvl3pPr>
+            <a:lvl4pPr marL="1600200" indent="-228600" algn="l" defTabSz="914400" rtl="0" eaLnBrk="1" latinLnBrk="0" hangingPunct="1">
+              <a:lnSpc>
+                <a:spcPct val="90000"/>
+              </a:lnSpc>
+              <a:spcBef>
+                <a:spcPts val="500"/>
+              </a:spcBef>
+              <a:buFont typeface="Arial" panose="020B0604020202020204" pitchFamily="34" charset="0"/>
+              <a:buChar char="•"/>
+              <a:defRPr sz="1800" kern="1200">
+                <a:solidFill>
+                  <a:schemeClr val="tx1"/>
+                </a:solidFill>
+                <a:latin typeface="+mn-lt"/>
+                <a:ea typeface="+mn-ea"/>
+                <a:cs typeface="+mn-cs"/>
+              </a:defRPr>
+            </a:lvl4pPr>
+            <a:lvl5pPr marL="2057400" indent="-228600" algn="l" defTabSz="914400" rtl="0" eaLnBrk="1" latinLnBrk="0" hangingPunct="1">
+              <a:lnSpc>
+                <a:spcPct val="90000"/>
+              </a:lnSpc>
+              <a:spcBef>
+                <a:spcPts val="500"/>
+              </a:spcBef>
+              <a:buFont typeface="Arial" panose="020B0604020202020204" pitchFamily="34" charset="0"/>
+              <a:buChar char="•"/>
+              <a:defRPr sz="1800" kern="1200">
+                <a:solidFill>
+                  <a:schemeClr val="tx1"/>
+                </a:solidFill>
+                <a:latin typeface="+mn-lt"/>
+                <a:ea typeface="+mn-ea"/>
+                <a:cs typeface="+mn-cs"/>
+              </a:defRPr>
+            </a:lvl5pPr>
+            <a:lvl6pPr marL="2514600" indent="-228600" algn="l" defTabSz="914400" rtl="0" eaLnBrk="1" latinLnBrk="0" hangingPunct="1">
+              <a:lnSpc>
+                <a:spcPct val="90000"/>
+              </a:lnSpc>
+              <a:spcBef>
+                <a:spcPts val="500"/>
+              </a:spcBef>
+              <a:buFont typeface="Arial" panose="020B0604020202020204" pitchFamily="34" charset="0"/>
+              <a:buChar char="•"/>
+              <a:defRPr sz="1800" kern="1200">
+                <a:solidFill>
+                  <a:schemeClr val="tx1"/>
+                </a:solidFill>
+                <a:latin typeface="+mn-lt"/>
+                <a:ea typeface="+mn-ea"/>
+                <a:cs typeface="+mn-cs"/>
+              </a:defRPr>
+            </a:lvl6pPr>
+            <a:lvl7pPr marL="2971800" indent="-228600" algn="l" defTabSz="914400" rtl="0" eaLnBrk="1" latinLnBrk="0" hangingPunct="1">
+              <a:lnSpc>
+                <a:spcPct val="90000"/>
+              </a:lnSpc>
+              <a:spcBef>
+                <a:spcPts val="500"/>
+              </a:spcBef>
+              <a:buFont typeface="Arial" panose="020B0604020202020204" pitchFamily="34" charset="0"/>
+              <a:buChar char="•"/>
+              <a:defRPr sz="1800" kern="1200">
+                <a:solidFill>
+                  <a:schemeClr val="tx1"/>
+                </a:solidFill>
+                <a:latin typeface="+mn-lt"/>
+                <a:ea typeface="+mn-ea"/>
+                <a:cs typeface="+mn-cs"/>
+              </a:defRPr>
+            </a:lvl7pPr>
+            <a:lvl8pPr marL="3429000" indent="-228600" algn="l" defTabSz="914400" rtl="0" eaLnBrk="1" latinLnBrk="0" hangingPunct="1">
+              <a:lnSpc>
+                <a:spcPct val="90000"/>
+              </a:lnSpc>
+              <a:spcBef>
+                <a:spcPts val="500"/>
+              </a:spcBef>
+              <a:buFont typeface="Arial" panose="020B0604020202020204" pitchFamily="34" charset="0"/>
+              <a:buChar char="•"/>
+              <a:defRPr sz="1800" kern="1200">
+                <a:solidFill>
+                  <a:schemeClr val="tx1"/>
+                </a:solidFill>
+                <a:latin typeface="+mn-lt"/>
+                <a:ea typeface="+mn-ea"/>
+                <a:cs typeface="+mn-cs"/>
+              </a:defRPr>
+            </a:lvl8pPr>
+            <a:lvl9pPr marL="3886200" indent="-228600" algn="l" defTabSz="914400" rtl="0" eaLnBrk="1" latinLnBrk="0" hangingPunct="1">
+              <a:lnSpc>
+                <a:spcPct val="90000"/>
+              </a:lnSpc>
+              <a:spcBef>
+                <a:spcPts val="500"/>
+              </a:spcBef>
+              <a:buFont typeface="Arial" panose="020B0604020202020204" pitchFamily="34" charset="0"/>
+              <a:buChar char="•"/>
+              <a:defRPr sz="1800" kern="1200">
+                <a:solidFill>
+                  <a:schemeClr val="tx1"/>
+                </a:solidFill>
+                <a:latin typeface="+mn-lt"/>
+                <a:ea typeface="+mn-ea"/>
+                <a:cs typeface="+mn-cs"/>
+              </a:defRPr>
+            </a:lvl9pPr>
+          </a:lstStyle>
+          <a:p>
+            <a:pPr lvl="1">
+              <a:buClr>
+                <a:schemeClr val="accent4"/>
+              </a:buClr>
+              <a:buFont typeface="Wingdings" panose="05000000000000000000" pitchFamily="2" charset="2"/>
+              <a:buChar char="Ø"/>
+            </a:pPr>
+            <a:r>
+              <a:rPr lang="fr-FR" sz="1800" dirty="0">
+                <a:solidFill>
+                  <a:schemeClr val="tx1">
+                    <a:lumMod val="75000"/>
+                    <a:lumOff val="25000"/>
+                  </a:schemeClr>
+                </a:solidFill>
+              </a:rPr>
+              <a:t>Code de connexion avec la bibliothèque &lt;</a:t>
+            </a:r>
+            <a:r>
+              <a:rPr lang="fr-FR" sz="1800" dirty="0" err="1">
+                <a:solidFill>
+                  <a:schemeClr val="tx1">
+                    <a:lumMod val="75000"/>
+                    <a:lumOff val="25000"/>
+                  </a:schemeClr>
+                </a:solidFill>
+              </a:rPr>
+              <a:t>Keypad.h</a:t>
+            </a:r>
+            <a:r>
+              <a:rPr lang="fr-FR" sz="1800" dirty="0">
+                <a:solidFill>
+                  <a:schemeClr val="tx1">
+                    <a:lumMod val="75000"/>
+                    <a:lumOff val="25000"/>
+                  </a:schemeClr>
+                </a:solidFill>
+              </a:rPr>
+              <a:t>&gt;</a:t>
+            </a:r>
+          </a:p>
+          <a:p>
+            <a:endParaRPr lang="fr-FR" dirty="0"/>
+          </a:p>
+          <a:p>
+            <a:endParaRPr lang="fr-FR" dirty="0"/>
+          </a:p>
+          <a:p>
+            <a:endParaRPr lang="fr-FR" dirty="0"/>
+          </a:p>
+          <a:p>
+            <a:endParaRPr lang="fr-FR" dirty="0"/>
+          </a:p>
+          <a:p>
+            <a:endParaRPr lang="fr-FR" dirty="0"/>
+          </a:p>
+        </p:txBody>
+      </p:sp>
+      <p:pic>
+        <p:nvPicPr>
+          <p:cNvPr id="7" name="Image 6">
+            <a:extLst>
+              <a:ext uri="{FF2B5EF4-FFF2-40B4-BE49-F238E27FC236}">
+                <a16:creationId xmlns:a16="http://schemas.microsoft.com/office/drawing/2014/main" id="{443BB8CF-31F0-470A-87AB-AA6A92CCA668}"/>
+              </a:ext>
+            </a:extLst>
+          </p:cNvPr>
+          <p:cNvPicPr>
+            <a:picLocks noChangeAspect="1"/>
+          </p:cNvPicPr>
+          <p:nvPr/>
+        </p:nvPicPr>
+        <p:blipFill>
+          <a:blip r:embed="rId3"/>
+          <a:stretch>
+            <a:fillRect/>
+          </a:stretch>
+        </p:blipFill>
+        <p:spPr>
+          <a:xfrm>
+            <a:off x="5081723" y="2540464"/>
+            <a:ext cx="4556054" cy="2799419"/>
+          </a:xfrm>
+          <a:prstGeom prst="rect">
+            <a:avLst/>
+          </a:prstGeom>
+        </p:spPr>
+      </p:pic>
+      <p:pic>
+        <p:nvPicPr>
+          <p:cNvPr id="8" name="Picture 2" descr="Image associée">
+            <a:extLst>
+              <a:ext uri="{FF2B5EF4-FFF2-40B4-BE49-F238E27FC236}">
+                <a16:creationId xmlns:a16="http://schemas.microsoft.com/office/drawing/2014/main" id="{4B20E71C-E7D2-49CF-9E2A-461F6DEFA0EC}"/>
+              </a:ext>
+            </a:extLst>
+          </p:cNvPr>
+          <p:cNvPicPr>
+            <a:picLocks noChangeAspect="1" noChangeArrowheads="1"/>
+          </p:cNvPicPr>
+          <p:nvPr/>
+        </p:nvPicPr>
+        <p:blipFill rotWithShape="1">
+          <a:blip r:embed="rId4">
+            <a:extLst>
+              <a:ext uri="{28A0092B-C50C-407E-A947-70E740481C1C}">
+                <a14:useLocalDpi xmlns:a14="http://schemas.microsoft.com/office/drawing/2010/main" val="0"/>
+              </a:ext>
+            </a:extLst>
+          </a:blip>
+          <a:srcRect l="18677" r="15441"/>
+          <a:stretch/>
+        </p:blipFill>
+        <p:spPr bwMode="auto">
+          <a:xfrm>
+            <a:off x="143436" y="143435"/>
+            <a:ext cx="2269635" cy="609600"/>
+          </a:xfrm>
+          <a:prstGeom prst="rect">
+            <a:avLst/>
+          </a:prstGeom>
+          <a:noFill/>
+          <a:extLst>
+            <a:ext uri="{909E8E84-426E-40DD-AFC4-6F175D3DCCD1}">
+              <a14:hiddenFill xmlns:a14="http://schemas.microsoft.com/office/drawing/2010/main">
+                <a:solidFill>
+                  <a:srgbClr val="FFFFFF"/>
+                </a:solidFill>
+              </a14:hiddenFill>
+            </a:ext>
+          </a:extLst>
+        </p:spPr>
+      </p:pic>
+    </p:spTree>
+    <p:extLst>
+      <p:ext uri="{BB962C8B-B14F-4D97-AF65-F5344CB8AC3E}">
+        <p14:creationId xmlns:p14="http://schemas.microsoft.com/office/powerpoint/2010/main" val="1448785139"/>
+      </p:ext>
+    </p:extLst>
+  </p:cSld>
+  <p:clrMapOvr>
+    <a:masterClrMapping/>
+  </p:clrMapOvr>
+</p:sld>
+</file>
+
+<file path=ppt/slides/slide11.xml><?xml version="1.0" encoding="utf-8"?>
 <p:sld xmlns:a="http://schemas.openxmlformats.org/drawingml/2006/main" xmlns:r="http://schemas.openxmlformats.org/officeDocument/2006/relationships" xmlns:p="http://schemas.openxmlformats.org/presentationml/2006/main">
   <p:cSld>
     <p:spTree>
@@ -8631,7 +9107,7 @@
 </p:sld>
 </file>
 
-<file path=ppt/slides/slide11.xml><?xml version="1.0" encoding="utf-8"?>
+<file path=ppt/slides/slide12.xml><?xml version="1.0" encoding="utf-8"?>
 <p:sld xmlns:a="http://schemas.openxmlformats.org/drawingml/2006/main" xmlns:r="http://schemas.openxmlformats.org/officeDocument/2006/relationships" xmlns:p="http://schemas.openxmlformats.org/presentationml/2006/main">
   <p:cSld>
     <p:spTree>
@@ -9507,7 +9983,7 @@
 </p:sld>
 </file>
 
-<file path=ppt/slides/slide12.xml><?xml version="1.0" encoding="utf-8"?>
+<file path=ppt/slides/slide13.xml><?xml version="1.0" encoding="utf-8"?>
 <p:sld xmlns:a="http://schemas.openxmlformats.org/drawingml/2006/main" xmlns:r="http://schemas.openxmlformats.org/officeDocument/2006/relationships" xmlns:p="http://schemas.openxmlformats.org/presentationml/2006/main">
   <p:cSld>
     <p:spTree>
@@ -14718,6 +15194,204 @@
           <p:cNvPr id="2" name="Titre 1">
             <a:extLst>
               <a:ext uri="{FF2B5EF4-FFF2-40B4-BE49-F238E27FC236}">
+                <a16:creationId xmlns:a16="http://schemas.microsoft.com/office/drawing/2014/main" id="{74FCB8AD-6540-43C7-AE9A-3EE23641CA0E}"/>
+              </a:ext>
+            </a:extLst>
+          </p:cNvPr>
+          <p:cNvSpPr>
+            <a:spLocks noGrp="1"/>
+          </p:cNvSpPr>
+          <p:nvPr>
+            <p:ph type="title"/>
+          </p:nvPr>
+        </p:nvSpPr>
+        <p:spPr/>
+        <p:txBody>
+          <a:bodyPr/>
+          <a:lstStyle/>
+          <a:p>
+            <a:endParaRPr lang="fr-FR" dirty="0"/>
+          </a:p>
+        </p:txBody>
+      </p:sp>
+      <p:pic>
+        <p:nvPicPr>
+          <p:cNvPr id="5" name="Espace réservé du contenu 4" descr="Une image contenant capture d’écran&#10;&#10;Description générée automatiquement">
+            <a:extLst>
+              <a:ext uri="{FF2B5EF4-FFF2-40B4-BE49-F238E27FC236}">
+                <a16:creationId xmlns:a16="http://schemas.microsoft.com/office/drawing/2014/main" id="{22601D5D-F1BF-4331-AFE1-6746FA04269B}"/>
+              </a:ext>
+            </a:extLst>
+          </p:cNvPr>
+          <p:cNvPicPr>
+            <a:picLocks noGrp="1" noChangeAspect="1"/>
+          </p:cNvPicPr>
+          <p:nvPr>
+            <p:ph idx="1"/>
+          </p:nvPr>
+        </p:nvPicPr>
+        <p:blipFill>
+          <a:blip r:embed="rId2">
+            <a:extLst>
+              <a:ext uri="{28A0092B-C50C-407E-A947-70E740481C1C}">
+                <a14:useLocalDpi xmlns:a14="http://schemas.microsoft.com/office/drawing/2010/main" val="0"/>
+              </a:ext>
+            </a:extLst>
+          </a:blip>
+          <a:stretch>
+            <a:fillRect/>
+          </a:stretch>
+        </p:blipFill>
+        <p:spPr>
+          <a:xfrm>
+            <a:off x="1820718" y="228263"/>
+            <a:ext cx="2194560" cy="6401474"/>
+          </a:xfrm>
+        </p:spPr>
+      </p:pic>
+      <p:pic>
+        <p:nvPicPr>
+          <p:cNvPr id="7" name="Image 6" descr="Une image contenant capture d’écran&#10;&#10;Description générée automatiquement">
+            <a:extLst>
+              <a:ext uri="{FF2B5EF4-FFF2-40B4-BE49-F238E27FC236}">
+                <a16:creationId xmlns:a16="http://schemas.microsoft.com/office/drawing/2014/main" id="{06B694BD-83B4-41A8-9877-5CB58B9610FF}"/>
+              </a:ext>
+            </a:extLst>
+          </p:cNvPr>
+          <p:cNvPicPr>
+            <a:picLocks noChangeAspect="1"/>
+          </p:cNvPicPr>
+          <p:nvPr/>
+        </p:nvPicPr>
+        <p:blipFill>
+          <a:blip r:embed="rId3">
+            <a:extLst>
+              <a:ext uri="{28A0092B-C50C-407E-A947-70E740481C1C}">
+                <a14:useLocalDpi xmlns:a14="http://schemas.microsoft.com/office/drawing/2010/main" val="0"/>
+              </a:ext>
+            </a:extLst>
+          </a:blip>
+          <a:stretch>
+            <a:fillRect/>
+          </a:stretch>
+        </p:blipFill>
+        <p:spPr>
+          <a:xfrm>
+            <a:off x="961774" y="1930400"/>
+            <a:ext cx="3972087" cy="3997569"/>
+          </a:xfrm>
+          <a:prstGeom prst="rect">
+            <a:avLst/>
+          </a:prstGeom>
+        </p:spPr>
+      </p:pic>
+      <p:pic>
+        <p:nvPicPr>
+          <p:cNvPr id="9" name="Image 8" descr="Une image contenant capture d’écran&#10;&#10;Description générée automatiquement">
+            <a:extLst>
+              <a:ext uri="{FF2B5EF4-FFF2-40B4-BE49-F238E27FC236}">
+                <a16:creationId xmlns:a16="http://schemas.microsoft.com/office/drawing/2014/main" id="{4F9B3D2F-2F87-4F88-8D6F-B8CA9BCD5D0D}"/>
+              </a:ext>
+            </a:extLst>
+          </p:cNvPr>
+          <p:cNvPicPr>
+            <a:picLocks noChangeAspect="1"/>
+          </p:cNvPicPr>
+          <p:nvPr/>
+        </p:nvPicPr>
+        <p:blipFill>
+          <a:blip r:embed="rId4">
+            <a:extLst>
+              <a:ext uri="{28A0092B-C50C-407E-A947-70E740481C1C}">
+                <a14:useLocalDpi xmlns:a14="http://schemas.microsoft.com/office/drawing/2010/main" val="0"/>
+              </a:ext>
+            </a:extLst>
+          </a:blip>
+          <a:stretch>
+            <a:fillRect/>
+          </a:stretch>
+        </p:blipFill>
+        <p:spPr>
+          <a:xfrm>
+            <a:off x="5089242" y="720648"/>
+            <a:ext cx="4029379" cy="3695235"/>
+          </a:xfrm>
+          <a:prstGeom prst="rect">
+            <a:avLst/>
+          </a:prstGeom>
+        </p:spPr>
+      </p:pic>
+      <p:pic>
+        <p:nvPicPr>
+          <p:cNvPr id="11" name="Image 10" descr="Une image contenant capture d’écran&#10;&#10;Description générée automatiquement">
+            <a:extLst>
+              <a:ext uri="{FF2B5EF4-FFF2-40B4-BE49-F238E27FC236}">
+                <a16:creationId xmlns:a16="http://schemas.microsoft.com/office/drawing/2014/main" id="{3651610B-4BD5-4678-AA73-FB87684130E9}"/>
+              </a:ext>
+            </a:extLst>
+          </p:cNvPr>
+          <p:cNvPicPr>
+            <a:picLocks noChangeAspect="1"/>
+          </p:cNvPicPr>
+          <p:nvPr/>
+        </p:nvPicPr>
+        <p:blipFill>
+          <a:blip r:embed="rId5">
+            <a:extLst>
+              <a:ext uri="{28A0092B-C50C-407E-A947-70E740481C1C}">
+                <a14:useLocalDpi xmlns:a14="http://schemas.microsoft.com/office/drawing/2010/main" val="0"/>
+              </a:ext>
+            </a:extLst>
+          </a:blip>
+          <a:stretch>
+            <a:fillRect/>
+          </a:stretch>
+        </p:blipFill>
+        <p:spPr>
+          <a:xfrm>
+            <a:off x="6407031" y="2085975"/>
+            <a:ext cx="3792618" cy="3429000"/>
+          </a:xfrm>
+          <a:prstGeom prst="rect">
+            <a:avLst/>
+          </a:prstGeom>
+        </p:spPr>
+      </p:pic>
+    </p:spTree>
+    <p:extLst>
+      <p:ext uri="{BB962C8B-B14F-4D97-AF65-F5344CB8AC3E}">
+        <p14:creationId xmlns:p14="http://schemas.microsoft.com/office/powerpoint/2010/main" val="2661792954"/>
+      </p:ext>
+    </p:extLst>
+  </p:cSld>
+  <p:clrMapOvr>
+    <a:masterClrMapping/>
+  </p:clrMapOvr>
+</p:sld>
+</file>
+
+<file path=ppt/slides/slide7.xml><?xml version="1.0" encoding="utf-8"?>
+<p:sld xmlns:a="http://schemas.openxmlformats.org/drawingml/2006/main" xmlns:r="http://schemas.openxmlformats.org/officeDocument/2006/relationships" xmlns:p="http://schemas.openxmlformats.org/presentationml/2006/main">
+  <p:cSld>
+    <p:spTree>
+      <p:nvGrpSpPr>
+        <p:cNvPr id="1" name=""/>
+        <p:cNvGrpSpPr/>
+        <p:nvPr/>
+      </p:nvGrpSpPr>
+      <p:grpSpPr>
+        <a:xfrm>
+          <a:off x="0" y="0"/>
+          <a:ext cx="0" cy="0"/>
+          <a:chOff x="0" y="0"/>
+          <a:chExt cx="0" cy="0"/>
+        </a:xfrm>
+      </p:grpSpPr>
+      <p:sp>
+        <p:nvSpPr>
+          <p:cNvPr id="2" name="Titre 1">
+            <a:extLst>
+              <a:ext uri="{FF2B5EF4-FFF2-40B4-BE49-F238E27FC236}">
                 <a16:creationId xmlns:a16="http://schemas.microsoft.com/office/drawing/2014/main" id="{E1F7EF49-6C4E-4B6C-8F87-F12734767C70}"/>
               </a:ext>
             </a:extLst>
@@ -14790,7 +15464,7 @@
 </p:sld>
 </file>
 
-<file path=ppt/slides/slide7.xml><?xml version="1.0" encoding="utf-8"?>
+<file path=ppt/slides/slide8.xml><?xml version="1.0" encoding="utf-8"?>
 <p:sld xmlns:a="http://schemas.openxmlformats.org/drawingml/2006/main" xmlns:r="http://schemas.openxmlformats.org/officeDocument/2006/relationships" xmlns:p="http://schemas.openxmlformats.org/presentationml/2006/main">
   <p:cSld>
     <p:spTree>
@@ -14823,33 +15497,37 @@
             <p:ph type="title"/>
           </p:nvPr>
         </p:nvSpPr>
-        <p:spPr/>
+        <p:spPr>
+          <a:xfrm>
+            <a:off x="677334" y="609600"/>
+            <a:ext cx="8596668" cy="1320800"/>
+          </a:xfrm>
+        </p:spPr>
         <p:txBody>
           <a:bodyPr/>
           <a:lstStyle/>
           <a:p>
             <a:r>
-              <a:rPr lang="fr-FR" dirty="0"/>
+              <a:rPr lang="fr-FR"/>
               <a:t>Base de données</a:t>
             </a:r>
+            <a:endParaRPr lang="fr-FR" dirty="0"/>
           </a:p>
         </p:txBody>
       </p:sp>
       <p:pic>
         <p:nvPicPr>
-          <p:cNvPr id="4" name="Espace réservé du contenu 3">
+          <p:cNvPr id="6" name="Image 5">
             <a:extLst>
               <a:ext uri="{FF2B5EF4-FFF2-40B4-BE49-F238E27FC236}">
-                <a16:creationId xmlns:a16="http://schemas.microsoft.com/office/drawing/2014/main" id="{9230DE0C-7554-466F-AC52-A2E32650D6F3}"/>
+                <a16:creationId xmlns:a16="http://schemas.microsoft.com/office/drawing/2014/main" id="{2A25B337-0178-4027-97C1-A6ABA08AEE9A}"/>
               </a:ext>
             </a:extLst>
           </p:cNvPr>
           <p:cNvPicPr>
-            <a:picLocks noGrp="1" noChangeAspect="1"/>
+            <a:picLocks noChangeAspect="1"/>
           </p:cNvPicPr>
-          <p:nvPr>
-            <p:ph idx="1"/>
-          </p:nvPr>
+          <p:nvPr/>
         </p:nvPicPr>
         <p:blipFill>
           <a:blip r:embed="rId2"/>
@@ -14859,8 +15537,8 @@
         </p:blipFill>
         <p:spPr>
           <a:xfrm>
-            <a:off x="677690" y="2071063"/>
-            <a:ext cx="8596312" cy="2856538"/>
+            <a:off x="394084" y="2192358"/>
+            <a:ext cx="9448800" cy="2228850"/>
           </a:xfrm>
           <a:prstGeom prst="rect">
             <a:avLst/>
@@ -14880,7 +15558,7 @@
 </p:sld>
 </file>
 
-<file path=ppt/slides/slide8.xml><?xml version="1.0" encoding="utf-8"?>
+<file path=ppt/slides/slide9.xml><?xml version="1.0" encoding="utf-8"?>
 <p:sld xmlns:a="http://schemas.openxmlformats.org/drawingml/2006/main" xmlns:r="http://schemas.openxmlformats.org/officeDocument/2006/relationships" xmlns:p="http://schemas.openxmlformats.org/presentationml/2006/main">
   <p:cSld>
     <p:bg>
@@ -15786,481 +16464,6 @@
       </p:transition>
     </mc:Fallback>
   </mc:AlternateContent>
-</p:sld>
-</file>
-
-<file path=ppt/slides/slide9.xml><?xml version="1.0" encoding="utf-8"?>
-<p:sld xmlns:a="http://schemas.openxmlformats.org/drawingml/2006/main" xmlns:r="http://schemas.openxmlformats.org/officeDocument/2006/relationships" xmlns:p="http://schemas.openxmlformats.org/presentationml/2006/main">
-  <p:cSld>
-    <p:spTree>
-      <p:nvGrpSpPr>
-        <p:cNvPr id="1" name=""/>
-        <p:cNvGrpSpPr/>
-        <p:nvPr/>
-      </p:nvGrpSpPr>
-      <p:grpSpPr>
-        <a:xfrm>
-          <a:off x="0" y="0"/>
-          <a:ext cx="0" cy="0"/>
-          <a:chOff x="0" y="0"/>
-          <a:chExt cx="0" cy="0"/>
-        </a:xfrm>
-      </p:grpSpPr>
-      <p:sp>
-        <p:nvSpPr>
-          <p:cNvPr id="2" name="Titre 1">
-            <a:extLst>
-              <a:ext uri="{FF2B5EF4-FFF2-40B4-BE49-F238E27FC236}">
-                <a16:creationId xmlns:a16="http://schemas.microsoft.com/office/drawing/2014/main" id="{52464457-C548-4C11-937B-D5CE18637792}"/>
-              </a:ext>
-            </a:extLst>
-          </p:cNvPr>
-          <p:cNvSpPr>
-            <a:spLocks noGrp="1"/>
-          </p:cNvSpPr>
-          <p:nvPr>
-            <p:ph type="title"/>
-          </p:nvPr>
-        </p:nvSpPr>
-        <p:spPr>
-          <a:xfrm>
-            <a:off x="143436" y="914632"/>
-            <a:ext cx="8596668" cy="1320800"/>
-          </a:xfrm>
-        </p:spPr>
-        <p:txBody>
-          <a:bodyPr/>
-          <a:lstStyle/>
-          <a:p>
-            <a:r>
-              <a:rPr lang="fr-FR" dirty="0"/>
-              <a:t>Connexion du pavé numérique</a:t>
-            </a:r>
-            <a:br>
-              <a:rPr lang="fr-FR" dirty="0"/>
-            </a:br>
-            <a:endParaRPr lang="fr-FR" dirty="0"/>
-          </a:p>
-        </p:txBody>
-      </p:sp>
-      <p:sp>
-        <p:nvSpPr>
-          <p:cNvPr id="4" name="Espace réservé du contenu 2">
-            <a:extLst>
-              <a:ext uri="{FF2B5EF4-FFF2-40B4-BE49-F238E27FC236}">
-                <a16:creationId xmlns:a16="http://schemas.microsoft.com/office/drawing/2014/main" id="{1FA1AE2A-B082-496C-A1E0-46A52A5F4400}"/>
-              </a:ext>
-            </a:extLst>
-          </p:cNvPr>
-          <p:cNvSpPr>
-            <a:spLocks noGrp="1"/>
-          </p:cNvSpPr>
-          <p:nvPr>
-            <p:ph idx="1"/>
-          </p:nvPr>
-        </p:nvSpPr>
-        <p:spPr>
-          <a:xfrm>
-            <a:off x="677334" y="1930400"/>
-            <a:ext cx="3711257" cy="3881437"/>
-          </a:xfrm>
-        </p:spPr>
-        <p:txBody>
-          <a:bodyPr/>
-          <a:lstStyle/>
-          <a:p>
-            <a:pPr>
-              <a:buClr>
-                <a:schemeClr val="accent4"/>
-              </a:buClr>
-              <a:buFont typeface="Wingdings" panose="05000000000000000000" pitchFamily="2" charset="2"/>
-              <a:buChar char="Ø"/>
-            </a:pPr>
-            <a:r>
-              <a:rPr lang="fr-FR" dirty="0"/>
-              <a:t>Câblage du pavé numérique</a:t>
-            </a:r>
-          </a:p>
-          <a:p>
-            <a:pPr marL="0" indent="0">
-              <a:buNone/>
-            </a:pPr>
-            <a:r>
-              <a:rPr lang="fr-FR" dirty="0"/>
-              <a:t> </a:t>
-            </a:r>
-          </a:p>
-          <a:p>
-            <a:endParaRPr lang="fr-FR" dirty="0"/>
-          </a:p>
-          <a:p>
-            <a:endParaRPr lang="fr-FR" dirty="0"/>
-          </a:p>
-        </p:txBody>
-      </p:sp>
-      <p:pic>
-        <p:nvPicPr>
-          <p:cNvPr id="5" name="Image 4">
-            <a:extLst>
-              <a:ext uri="{FF2B5EF4-FFF2-40B4-BE49-F238E27FC236}">
-                <a16:creationId xmlns:a16="http://schemas.microsoft.com/office/drawing/2014/main" id="{BC29CBE0-F8EC-4217-A56C-BCEB6B74CB77}"/>
-              </a:ext>
-            </a:extLst>
-          </p:cNvPr>
-          <p:cNvPicPr/>
-          <p:nvPr/>
-        </p:nvPicPr>
-        <p:blipFill>
-          <a:blip r:embed="rId2"/>
-          <a:stretch>
-            <a:fillRect/>
-          </a:stretch>
-        </p:blipFill>
-        <p:spPr>
-          <a:xfrm>
-            <a:off x="870717" y="2540464"/>
-            <a:ext cx="3481388" cy="3840797"/>
-          </a:xfrm>
-          <a:prstGeom prst="rect">
-            <a:avLst/>
-          </a:prstGeom>
-        </p:spPr>
-      </p:pic>
-      <p:sp>
-        <p:nvSpPr>
-          <p:cNvPr id="6" name="Espace réservé du contenu 2">
-            <a:extLst>
-              <a:ext uri="{FF2B5EF4-FFF2-40B4-BE49-F238E27FC236}">
-                <a16:creationId xmlns:a16="http://schemas.microsoft.com/office/drawing/2014/main" id="{283A3324-3406-4F47-8935-BF75427E0CC2}"/>
-              </a:ext>
-            </a:extLst>
-          </p:cNvPr>
-          <p:cNvSpPr txBox="1">
-            <a:spLocks/>
-          </p:cNvSpPr>
-          <p:nvPr/>
-        </p:nvSpPr>
-        <p:spPr>
-          <a:xfrm>
-            <a:off x="4348293" y="1949704"/>
-            <a:ext cx="6466904" cy="4351338"/>
-          </a:xfrm>
-          <a:prstGeom prst="rect">
-            <a:avLst/>
-          </a:prstGeom>
-        </p:spPr>
-        <p:txBody>
-          <a:bodyPr vert="horz" lIns="91440" tIns="45720" rIns="91440" bIns="45720" rtlCol="0">
-            <a:normAutofit/>
-          </a:bodyPr>
-          <a:lstStyle>
-            <a:lvl1pPr marL="228600" indent="-228600" algn="l" defTabSz="914400" rtl="0" eaLnBrk="1" latinLnBrk="0" hangingPunct="1">
-              <a:lnSpc>
-                <a:spcPct val="90000"/>
-              </a:lnSpc>
-              <a:spcBef>
-                <a:spcPts val="1000"/>
-              </a:spcBef>
-              <a:buFont typeface="Arial" panose="020B0604020202020204" pitchFamily="34" charset="0"/>
-              <a:buChar char="•"/>
-              <a:defRPr sz="2800" kern="1200">
-                <a:solidFill>
-                  <a:schemeClr val="tx1"/>
-                </a:solidFill>
-                <a:latin typeface="+mn-lt"/>
-                <a:ea typeface="+mn-ea"/>
-                <a:cs typeface="+mn-cs"/>
-              </a:defRPr>
-            </a:lvl1pPr>
-            <a:lvl2pPr marL="685800" indent="-228600" algn="l" defTabSz="914400" rtl="0" eaLnBrk="1" latinLnBrk="0" hangingPunct="1">
-              <a:lnSpc>
-                <a:spcPct val="90000"/>
-              </a:lnSpc>
-              <a:spcBef>
-                <a:spcPts val="500"/>
-              </a:spcBef>
-              <a:buFont typeface="Arial" panose="020B0604020202020204" pitchFamily="34" charset="0"/>
-              <a:buChar char="•"/>
-              <a:defRPr sz="2400" kern="1200">
-                <a:solidFill>
-                  <a:schemeClr val="tx1"/>
-                </a:solidFill>
-                <a:latin typeface="+mn-lt"/>
-                <a:ea typeface="+mn-ea"/>
-                <a:cs typeface="+mn-cs"/>
-              </a:defRPr>
-            </a:lvl2pPr>
-            <a:lvl3pPr marL="1143000" indent="-228600" algn="l" defTabSz="914400" rtl="0" eaLnBrk="1" latinLnBrk="0" hangingPunct="1">
-              <a:lnSpc>
-                <a:spcPct val="90000"/>
-              </a:lnSpc>
-              <a:spcBef>
-                <a:spcPts val="500"/>
-              </a:spcBef>
-              <a:buFont typeface="Arial" panose="020B0604020202020204" pitchFamily="34" charset="0"/>
-              <a:buChar char="•"/>
-              <a:defRPr sz="2000" kern="1200">
-                <a:solidFill>
-                  <a:schemeClr val="tx1"/>
-                </a:solidFill>
-                <a:latin typeface="+mn-lt"/>
-                <a:ea typeface="+mn-ea"/>
-                <a:cs typeface="+mn-cs"/>
-              </a:defRPr>
-            </a:lvl3pPr>
-            <a:lvl4pPr marL="1600200" indent="-228600" algn="l" defTabSz="914400" rtl="0" eaLnBrk="1" latinLnBrk="0" hangingPunct="1">
-              <a:lnSpc>
-                <a:spcPct val="90000"/>
-              </a:lnSpc>
-              <a:spcBef>
-                <a:spcPts val="500"/>
-              </a:spcBef>
-              <a:buFont typeface="Arial" panose="020B0604020202020204" pitchFamily="34" charset="0"/>
-              <a:buChar char="•"/>
-              <a:defRPr sz="1800" kern="1200">
-                <a:solidFill>
-                  <a:schemeClr val="tx1"/>
-                </a:solidFill>
-                <a:latin typeface="+mn-lt"/>
-                <a:ea typeface="+mn-ea"/>
-                <a:cs typeface="+mn-cs"/>
-              </a:defRPr>
-            </a:lvl4pPr>
-            <a:lvl5pPr marL="2057400" indent="-228600" algn="l" defTabSz="914400" rtl="0" eaLnBrk="1" latinLnBrk="0" hangingPunct="1">
-              <a:lnSpc>
-                <a:spcPct val="90000"/>
-              </a:lnSpc>
-              <a:spcBef>
-                <a:spcPts val="500"/>
-              </a:spcBef>
-              <a:buFont typeface="Arial" panose="020B0604020202020204" pitchFamily="34" charset="0"/>
-              <a:buChar char="•"/>
-              <a:defRPr sz="1800" kern="1200">
-                <a:solidFill>
-                  <a:schemeClr val="tx1"/>
-                </a:solidFill>
-                <a:latin typeface="+mn-lt"/>
-                <a:ea typeface="+mn-ea"/>
-                <a:cs typeface="+mn-cs"/>
-              </a:defRPr>
-            </a:lvl5pPr>
-            <a:lvl6pPr marL="2514600" indent="-228600" algn="l" defTabSz="914400" rtl="0" eaLnBrk="1" latinLnBrk="0" hangingPunct="1">
-              <a:lnSpc>
-                <a:spcPct val="90000"/>
-              </a:lnSpc>
-              <a:spcBef>
-                <a:spcPts val="500"/>
-              </a:spcBef>
-              <a:buFont typeface="Arial" panose="020B0604020202020204" pitchFamily="34" charset="0"/>
-              <a:buChar char="•"/>
-              <a:defRPr sz="1800" kern="1200">
-                <a:solidFill>
-                  <a:schemeClr val="tx1"/>
-                </a:solidFill>
-                <a:latin typeface="+mn-lt"/>
-                <a:ea typeface="+mn-ea"/>
-                <a:cs typeface="+mn-cs"/>
-              </a:defRPr>
-            </a:lvl6pPr>
-            <a:lvl7pPr marL="2971800" indent="-228600" algn="l" defTabSz="914400" rtl="0" eaLnBrk="1" latinLnBrk="0" hangingPunct="1">
-              <a:lnSpc>
-                <a:spcPct val="90000"/>
-              </a:lnSpc>
-              <a:spcBef>
-                <a:spcPts val="500"/>
-              </a:spcBef>
-              <a:buFont typeface="Arial" panose="020B0604020202020204" pitchFamily="34" charset="0"/>
-              <a:buChar char="•"/>
-              <a:defRPr sz="1800" kern="1200">
-                <a:solidFill>
-                  <a:schemeClr val="tx1"/>
-                </a:solidFill>
-                <a:latin typeface="+mn-lt"/>
-                <a:ea typeface="+mn-ea"/>
-                <a:cs typeface="+mn-cs"/>
-              </a:defRPr>
-            </a:lvl7pPr>
-            <a:lvl8pPr marL="3429000" indent="-228600" algn="l" defTabSz="914400" rtl="0" eaLnBrk="1" latinLnBrk="0" hangingPunct="1">
-              <a:lnSpc>
-                <a:spcPct val="90000"/>
-              </a:lnSpc>
-              <a:spcBef>
-                <a:spcPts val="500"/>
-              </a:spcBef>
-              <a:buFont typeface="Arial" panose="020B0604020202020204" pitchFamily="34" charset="0"/>
-              <a:buChar char="•"/>
-              <a:defRPr sz="1800" kern="1200">
-                <a:solidFill>
-                  <a:schemeClr val="tx1"/>
-                </a:solidFill>
-                <a:latin typeface="+mn-lt"/>
-                <a:ea typeface="+mn-ea"/>
-                <a:cs typeface="+mn-cs"/>
-              </a:defRPr>
-            </a:lvl8pPr>
-            <a:lvl9pPr marL="3886200" indent="-228600" algn="l" defTabSz="914400" rtl="0" eaLnBrk="1" latinLnBrk="0" hangingPunct="1">
-              <a:lnSpc>
-                <a:spcPct val="90000"/>
-              </a:lnSpc>
-              <a:spcBef>
-                <a:spcPts val="500"/>
-              </a:spcBef>
-              <a:buFont typeface="Arial" panose="020B0604020202020204" pitchFamily="34" charset="0"/>
-              <a:buChar char="•"/>
-              <a:defRPr sz="1800" kern="1200">
-                <a:solidFill>
-                  <a:schemeClr val="tx1"/>
-                </a:solidFill>
-                <a:latin typeface="+mn-lt"/>
-                <a:ea typeface="+mn-ea"/>
-                <a:cs typeface="+mn-cs"/>
-              </a:defRPr>
-            </a:lvl9pPr>
-          </a:lstStyle>
-          <a:p>
-            <a:pPr lvl="1">
-              <a:buClr>
-                <a:schemeClr val="accent4"/>
-              </a:buClr>
-              <a:buFont typeface="Wingdings" panose="05000000000000000000" pitchFamily="2" charset="2"/>
-              <a:buChar char="Ø"/>
-            </a:pPr>
-            <a:r>
-              <a:rPr lang="fr-FR" sz="1800" dirty="0">
-                <a:solidFill>
-                  <a:schemeClr val="tx1">
-                    <a:lumMod val="75000"/>
-                    <a:lumOff val="25000"/>
-                  </a:schemeClr>
-                </a:solidFill>
-              </a:rPr>
-              <a:t>Code de connexion avec la bibliothèque &lt;</a:t>
-            </a:r>
-            <a:r>
-              <a:rPr lang="fr-FR" sz="1800" dirty="0" err="1">
-                <a:solidFill>
-                  <a:schemeClr val="tx1">
-                    <a:lumMod val="75000"/>
-                    <a:lumOff val="25000"/>
-                  </a:schemeClr>
-                </a:solidFill>
-              </a:rPr>
-              <a:t>Keypad.h</a:t>
-            </a:r>
-            <a:r>
-              <a:rPr lang="fr-FR" sz="1800" dirty="0">
-                <a:solidFill>
-                  <a:schemeClr val="tx1">
-                    <a:lumMod val="75000"/>
-                    <a:lumOff val="25000"/>
-                  </a:schemeClr>
-                </a:solidFill>
-              </a:rPr>
-              <a:t>&gt;</a:t>
-            </a:r>
-          </a:p>
-          <a:p>
-            <a:endParaRPr lang="fr-FR" dirty="0"/>
-          </a:p>
-          <a:p>
-            <a:endParaRPr lang="fr-FR" dirty="0"/>
-          </a:p>
-          <a:p>
-            <a:endParaRPr lang="fr-FR" dirty="0"/>
-          </a:p>
-          <a:p>
-            <a:endParaRPr lang="fr-FR" dirty="0"/>
-          </a:p>
-          <a:p>
-            <a:endParaRPr lang="fr-FR" dirty="0"/>
-          </a:p>
-        </p:txBody>
-      </p:sp>
-      <p:pic>
-        <p:nvPicPr>
-          <p:cNvPr id="7" name="Image 6">
-            <a:extLst>
-              <a:ext uri="{FF2B5EF4-FFF2-40B4-BE49-F238E27FC236}">
-                <a16:creationId xmlns:a16="http://schemas.microsoft.com/office/drawing/2014/main" id="{443BB8CF-31F0-470A-87AB-AA6A92CCA668}"/>
-              </a:ext>
-            </a:extLst>
-          </p:cNvPr>
-          <p:cNvPicPr>
-            <a:picLocks noChangeAspect="1"/>
-          </p:cNvPicPr>
-          <p:nvPr/>
-        </p:nvPicPr>
-        <p:blipFill>
-          <a:blip r:embed="rId3"/>
-          <a:stretch>
-            <a:fillRect/>
-          </a:stretch>
-        </p:blipFill>
-        <p:spPr>
-          <a:xfrm>
-            <a:off x="5081723" y="2540464"/>
-            <a:ext cx="4556054" cy="2799419"/>
-          </a:xfrm>
-          <a:prstGeom prst="rect">
-            <a:avLst/>
-          </a:prstGeom>
-        </p:spPr>
-      </p:pic>
-      <p:pic>
-        <p:nvPicPr>
-          <p:cNvPr id="8" name="Picture 2" descr="Image associée">
-            <a:extLst>
-              <a:ext uri="{FF2B5EF4-FFF2-40B4-BE49-F238E27FC236}">
-                <a16:creationId xmlns:a16="http://schemas.microsoft.com/office/drawing/2014/main" id="{4B20E71C-E7D2-49CF-9E2A-461F6DEFA0EC}"/>
-              </a:ext>
-            </a:extLst>
-          </p:cNvPr>
-          <p:cNvPicPr>
-            <a:picLocks noChangeAspect="1" noChangeArrowheads="1"/>
-          </p:cNvPicPr>
-          <p:nvPr/>
-        </p:nvPicPr>
-        <p:blipFill rotWithShape="1">
-          <a:blip r:embed="rId4">
-            <a:extLst>
-              <a:ext uri="{28A0092B-C50C-407E-A947-70E740481C1C}">
-                <a14:useLocalDpi xmlns:a14="http://schemas.microsoft.com/office/drawing/2010/main" val="0"/>
-              </a:ext>
-            </a:extLst>
-          </a:blip>
-          <a:srcRect l="18677" r="15441"/>
-          <a:stretch/>
-        </p:blipFill>
-        <p:spPr bwMode="auto">
-          <a:xfrm>
-            <a:off x="143436" y="143435"/>
-            <a:ext cx="2269635" cy="609600"/>
-          </a:xfrm>
-          <a:prstGeom prst="rect">
-            <a:avLst/>
-          </a:prstGeom>
-          <a:noFill/>
-          <a:extLst>
-            <a:ext uri="{909E8E84-426E-40DD-AFC4-6F175D3DCCD1}">
-              <a14:hiddenFill xmlns:a14="http://schemas.microsoft.com/office/drawing/2010/main">
-                <a:solidFill>
-                  <a:srgbClr val="FFFFFF"/>
-                </a:solidFill>
-              </a14:hiddenFill>
-            </a:ext>
-          </a:extLst>
-        </p:spPr>
-      </p:pic>
-    </p:spTree>
-    <p:extLst>
-      <p:ext uri="{BB962C8B-B14F-4D97-AF65-F5344CB8AC3E}">
-        <p14:creationId xmlns:p14="http://schemas.microsoft.com/office/powerpoint/2010/main" val="1448785139"/>
-      </p:ext>
-    </p:extLst>
-  </p:cSld>
-  <p:clrMapOvr>
-    <a:masterClrMapping/>
-  </p:clrMapOvr>
 </p:sld>
 </file>
 

--- a/Cyril/Diapositives/Projet Théléton.pptx
+++ b/Cyril/Diapositives/Projet Théléton.pptx
@@ -212,7 +212,7 @@
           <a:p>
             <a:fld id="{C6B1AD4F-F5E1-44BF-B2CE-5CC53752312E}" type="datetimeFigureOut">
               <a:rPr lang="fr-FR" smtClean="0"/>
-              <a:t>06/03/2020</a:t>
+              <a:t>10/03/2020</a:t>
             </a:fld>
             <a:endParaRPr lang="fr-FR"/>
           </a:p>
@@ -1454,7 +1454,7 @@
             <a:fld id="{B61BEF0D-F0BB-DE4B-95CE-6DB70DBA9567}" type="datetimeFigureOut">
               <a:rPr lang="en-US" dirty="0"/>
               <a:pPr/>
-              <a:t>3/6/2020</a:t>
+              <a:t>3/10/2020</a:t>
             </a:fld>
             <a:endParaRPr lang="en-US" dirty="0"/>
           </a:p>
@@ -1707,7 +1707,7 @@
             <a:fld id="{B61BEF0D-F0BB-DE4B-95CE-6DB70DBA9567}" type="datetimeFigureOut">
               <a:rPr lang="en-US" dirty="0"/>
               <a:pPr/>
-              <a:t>3/6/2020</a:t>
+              <a:t>3/10/2020</a:t>
             </a:fld>
             <a:endParaRPr lang="en-US" dirty="0"/>
           </a:p>
@@ -2023,7 +2023,7 @@
             <a:fld id="{B61BEF0D-F0BB-DE4B-95CE-6DB70DBA9567}" type="datetimeFigureOut">
               <a:rPr lang="en-US" dirty="0"/>
               <a:pPr/>
-              <a:t>3/6/2020</a:t>
+              <a:t>3/10/2020</a:t>
             </a:fld>
             <a:endParaRPr lang="en-US" dirty="0"/>
           </a:p>
@@ -2366,7 +2366,7 @@
             <a:fld id="{B61BEF0D-F0BB-DE4B-95CE-6DB70DBA9567}" type="datetimeFigureOut">
               <a:rPr lang="en-US" dirty="0"/>
               <a:pPr/>
-              <a:t>3/6/2020</a:t>
+              <a:t>3/10/2020</a:t>
             </a:fld>
             <a:endParaRPr lang="en-US" dirty="0"/>
           </a:p>
@@ -2682,7 +2682,7 @@
             <a:fld id="{B61BEF0D-F0BB-DE4B-95CE-6DB70DBA9567}" type="datetimeFigureOut">
               <a:rPr lang="en-US" dirty="0"/>
               <a:pPr/>
-              <a:t>3/6/2020</a:t>
+              <a:t>3/10/2020</a:t>
             </a:fld>
             <a:endParaRPr lang="en-US" dirty="0"/>
           </a:p>
@@ -3077,7 +3077,7 @@
             <a:fld id="{B61BEF0D-F0BB-DE4B-95CE-6DB70DBA9567}" type="datetimeFigureOut">
               <a:rPr lang="en-US" dirty="0"/>
               <a:pPr/>
-              <a:t>3/6/2020</a:t>
+              <a:t>3/10/2020</a:t>
             </a:fld>
             <a:endParaRPr lang="en-US" dirty="0"/>
           </a:p>
@@ -3248,7 +3248,7 @@
           <a:p>
             <a:fld id="{55C6B4A9-1611-4792-9094-5F34BCA07E0B}" type="datetimeFigureOut">
               <a:rPr lang="en-US" dirty="0"/>
-              <a:t>3/6/2020</a:t>
+              <a:t>3/10/2020</a:t>
             </a:fld>
             <a:endParaRPr lang="en-US" dirty="0"/>
           </a:p>
@@ -3429,7 +3429,7 @@
             <a:fld id="{B61BEF0D-F0BB-DE4B-95CE-6DB70DBA9567}" type="datetimeFigureOut">
               <a:rPr lang="en-US" dirty="0"/>
               <a:pPr/>
-              <a:t>3/6/2020</a:t>
+              <a:t>3/10/2020</a:t>
             </a:fld>
             <a:endParaRPr lang="en-US" dirty="0"/>
           </a:p>
@@ -3607,7 +3607,7 @@
             <a:fld id="{B61BEF0D-F0BB-DE4B-95CE-6DB70DBA9567}" type="datetimeFigureOut">
               <a:rPr lang="en-US" dirty="0"/>
               <a:pPr/>
-              <a:t>3/6/2020</a:t>
+              <a:t>3/10/2020</a:t>
             </a:fld>
             <a:endParaRPr lang="en-US" dirty="0"/>
           </a:p>
@@ -3856,7 +3856,7 @@
             <a:fld id="{B61BEF0D-F0BB-DE4B-95CE-6DB70DBA9567}" type="datetimeFigureOut">
               <a:rPr lang="en-US" dirty="0"/>
               <a:pPr/>
-              <a:t>3/6/2020</a:t>
+              <a:t>3/10/2020</a:t>
             </a:fld>
             <a:endParaRPr lang="en-US" dirty="0"/>
           </a:p>
@@ -4089,7 +4089,7 @@
           <a:p>
             <a:fld id="{EB712588-04B1-427B-82EE-E8DB90309F08}" type="datetimeFigureOut">
               <a:rPr lang="en-US" dirty="0"/>
-              <a:t>3/6/2020</a:t>
+              <a:t>3/10/2020</a:t>
             </a:fld>
             <a:endParaRPr lang="en-US" dirty="0"/>
           </a:p>
@@ -4464,7 +4464,7 @@
             <a:fld id="{B61BEF0D-F0BB-DE4B-95CE-6DB70DBA9567}" type="datetimeFigureOut">
               <a:rPr lang="en-US" dirty="0"/>
               <a:pPr/>
-              <a:t>3/6/2020</a:t>
+              <a:t>3/10/2020</a:t>
             </a:fld>
             <a:endParaRPr lang="en-US" dirty="0"/>
           </a:p>
@@ -4589,7 +4589,7 @@
             <a:fld id="{B61BEF0D-F0BB-DE4B-95CE-6DB70DBA9567}" type="datetimeFigureOut">
               <a:rPr lang="en-US" dirty="0"/>
               <a:pPr/>
-              <a:t>3/6/2020</a:t>
+              <a:t>3/10/2020</a:t>
             </a:fld>
             <a:endParaRPr lang="en-US" dirty="0"/>
           </a:p>
@@ -4686,7 +4686,7 @@
             <a:fld id="{B61BEF0D-F0BB-DE4B-95CE-6DB70DBA9567}" type="datetimeFigureOut">
               <a:rPr lang="en-US" dirty="0"/>
               <a:pPr/>
-              <a:t>3/6/2020</a:t>
+              <a:t>3/10/2020</a:t>
             </a:fld>
             <a:endParaRPr lang="en-US" dirty="0"/>
           </a:p>
@@ -4942,7 +4942,7 @@
           <a:p>
             <a:fld id="{42A54C80-263E-416B-A8E0-580EDEADCBDC}" type="datetimeFigureOut">
               <a:rPr lang="en-US" dirty="0"/>
-              <a:t>3/6/2020</a:t>
+              <a:t>3/10/2020</a:t>
             </a:fld>
             <a:endParaRPr lang="en-US" dirty="0"/>
           </a:p>
@@ -5206,7 +5206,7 @@
             <a:fld id="{B61BEF0D-F0BB-DE4B-95CE-6DB70DBA9567}" type="datetimeFigureOut">
               <a:rPr lang="en-US" dirty="0"/>
               <a:pPr/>
-              <a:t>3/6/2020</a:t>
+              <a:t>3/10/2020</a:t>
             </a:fld>
             <a:endParaRPr lang="en-US" dirty="0"/>
           </a:p>
@@ -5951,7 +5951,7 @@
             <a:fld id="{B61BEF0D-F0BB-DE4B-95CE-6DB70DBA9567}" type="datetimeFigureOut">
               <a:rPr lang="en-US" dirty="0"/>
               <a:pPr/>
-              <a:t>3/6/2020</a:t>
+              <a:t>3/10/2020</a:t>
             </a:fld>
             <a:endParaRPr lang="en-US" dirty="0"/>
           </a:p>
@@ -15230,7 +15230,7 @@
             <p:ph idx="1"/>
           </p:nvPr>
         </p:nvPicPr>
-        <p:blipFill>
+        <p:blipFill rotWithShape="1">
           <a:blip r:embed="rId2">
             <a:extLst>
               <a:ext uri="{28A0092B-C50C-407E-A947-70E740481C1C}">
@@ -15238,14 +15238,13 @@
               </a:ext>
             </a:extLst>
           </a:blip>
-          <a:stretch>
-            <a:fillRect/>
-          </a:stretch>
+          <a:srcRect t="51000" r="-2547" b="-1137"/>
+          <a:stretch/>
         </p:blipFill>
         <p:spPr>
           <a:xfrm>
-            <a:off x="1820718" y="228263"/>
-            <a:ext cx="2194560" cy="6401474"/>
+            <a:off x="1992351" y="3493008"/>
+            <a:ext cx="2250465" cy="3209544"/>
           </a:xfrm>
         </p:spPr>
       </p:pic>
@@ -15277,7 +15276,7 @@
         </p:blipFill>
         <p:spPr>
           <a:xfrm>
-            <a:off x="961774" y="1930400"/>
+            <a:off x="7287958" y="1343025"/>
             <a:ext cx="3972087" cy="3997569"/>
           </a:xfrm>
           <a:prstGeom prst="rect">
@@ -15299,7 +15298,7 @@
           </p:cNvPicPr>
           <p:nvPr/>
         </p:nvPicPr>
-        <p:blipFill>
+        <p:blipFill rotWithShape="1">
           <a:blip r:embed="rId4">
             <a:extLst>
               <a:ext uri="{28A0092B-C50C-407E-A947-70E740481C1C}">
@@ -15307,14 +15306,13 @@
               </a:ext>
             </a:extLst>
           </a:blip>
-          <a:stretch>
-            <a:fillRect/>
-          </a:stretch>
+          <a:srcRect t="13409" b="74713"/>
+          <a:stretch/>
         </p:blipFill>
         <p:spPr>
           <a:xfrm>
-            <a:off x="5089242" y="720648"/>
-            <a:ext cx="4029379" cy="3695235"/>
+            <a:off x="5089242" y="1216151"/>
+            <a:ext cx="4029379" cy="438913"/>
           </a:xfrm>
           <a:prstGeom prst="rect">
             <a:avLst/>
@@ -15349,7 +15347,7 @@
         </p:blipFill>
         <p:spPr>
           <a:xfrm>
-            <a:off x="6407031" y="2085975"/>
+            <a:off x="4500406" y="2918079"/>
             <a:ext cx="3792618" cy="3429000"/>
           </a:xfrm>
           <a:prstGeom prst="rect">
